--- a/ui5con2019-mean-stack-ui5.pptx
+++ b/ui5con2019-mean-stack-ui5.pptx
@@ -12,10 +12,10 @@
   </p:handoutMasterIdLst>
   <p:sldIdLst>
     <p:sldId id="434" r:id="rId5"/>
-    <p:sldId id="440" r:id="rId6"/>
-    <p:sldId id="442" r:id="rId7"/>
-    <p:sldId id="438" r:id="rId8"/>
-    <p:sldId id="441" r:id="rId9"/>
+    <p:sldId id="444" r:id="rId6"/>
+    <p:sldId id="440" r:id="rId7"/>
+    <p:sldId id="443" r:id="rId8"/>
+    <p:sldId id="442" r:id="rId9"/>
     <p:sldId id="413" r:id="rId10"/>
   </p:sldIdLst>
   <p:sldSz cx="12195175" cy="6858000"/>
@@ -1818,91 +1818,6 @@
 </file>
 
 <file path=ppt/notesSlides/notesSlide2.xml><?xml version="1.0" encoding="utf-8"?>
-<p:notes xmlns:a="http://schemas.openxmlformats.org/drawingml/2006/main" xmlns:r="http://schemas.openxmlformats.org/officeDocument/2006/relationships" xmlns:p="http://schemas.openxmlformats.org/presentationml/2006/main">
-  <p:cSld>
-    <p:spTree>
-      <p:nvGrpSpPr>
-        <p:cNvPr id="1" name=""/>
-        <p:cNvGrpSpPr/>
-        <p:nvPr/>
-      </p:nvGrpSpPr>
-      <p:grpSpPr>
-        <a:xfrm>
-          <a:off x="0" y="0"/>
-          <a:ext cx="0" cy="0"/>
-          <a:chOff x="0" y="0"/>
-          <a:chExt cx="0" cy="0"/>
-        </a:xfrm>
-      </p:grpSpPr>
-      <p:sp>
-        <p:nvSpPr>
-          <p:cNvPr id="2" name="Slide Image Placeholder 1"/>
-          <p:cNvSpPr>
-            <a:spLocks noGrp="1" noRot="1" noChangeAspect="1"/>
-          </p:cNvSpPr>
-          <p:nvPr>
-            <p:ph type="sldImg"/>
-          </p:nvPr>
-        </p:nvSpPr>
-        <p:spPr/>
-      </p:sp>
-      <p:sp>
-        <p:nvSpPr>
-          <p:cNvPr id="3" name="Notes Placeholder 2"/>
-          <p:cNvSpPr>
-            <a:spLocks noGrp="1"/>
-          </p:cNvSpPr>
-          <p:nvPr>
-            <p:ph type="body" idx="1"/>
-          </p:nvPr>
-        </p:nvSpPr>
-        <p:spPr/>
-        <p:txBody>
-          <a:bodyPr/>
-          <a:lstStyle/>
-          <a:p>
-            <a:endParaRPr lang="en-US" sz="900"/>
-          </a:p>
-        </p:txBody>
-      </p:sp>
-      <p:sp>
-        <p:nvSpPr>
-          <p:cNvPr id="4" name="Slide Number Placeholder 3"/>
-          <p:cNvSpPr>
-            <a:spLocks noGrp="1"/>
-          </p:cNvSpPr>
-          <p:nvPr>
-            <p:ph type="sldNum" sz="quarter" idx="10"/>
-          </p:nvPr>
-        </p:nvSpPr>
-        <p:spPr/>
-        <p:txBody>
-          <a:bodyPr/>
-          <a:lstStyle/>
-          <a:p>
-            <a:fld id="{7D8C2C35-2B8A-446E-BEC0-FD36716C29AC}" type="slidenum">
-              <a:rPr lang="de-DE" smtClean="0"/>
-              <a:pPr/>
-              <a:t>4</a:t>
-            </a:fld>
-            <a:endParaRPr lang="de-DE"/>
-          </a:p>
-        </p:txBody>
-      </p:sp>
-    </p:spTree>
-    <p:extLst>
-      <p:ext uri="{BB962C8B-B14F-4D97-AF65-F5344CB8AC3E}">
-        <p14:creationId xmlns:p14="http://schemas.microsoft.com/office/powerpoint/2010/main" val="663163302"/>
-      </p:ext>
-    </p:extLst>
-  </p:cSld>
-  <p:clrMapOvr>
-    <a:masterClrMapping/>
-  </p:clrMapOvr>
-</p:notes>
-</file>
-
-<file path=ppt/notesSlides/notesSlide3.xml><?xml version="1.0" encoding="utf-8"?>
 <p:notes xmlns:a="http://schemas.openxmlformats.org/drawingml/2006/main" xmlns:r="http://schemas.openxmlformats.org/officeDocument/2006/relationships" xmlns:p="http://schemas.openxmlformats.org/presentationml/2006/main">
   <p:cSld>
     <p:spTree>
@@ -5069,7 +4984,12 @@
             <p:ph type="body" sz="quarter" idx="10"/>
           </p:nvPr>
         </p:nvSpPr>
-        <p:spPr/>
+        <p:spPr>
+          <a:xfrm>
+            <a:off x="515574" y="1620000"/>
+            <a:ext cx="11186477" cy="4716000"/>
+          </a:xfrm>
+        </p:spPr>
         <p:txBody>
           <a:bodyPr/>
           <a:lstStyle/>
@@ -5077,21 +4997,7 @@
             <a:pPr lvl="0"/>
             <a:r>
               <a:rPr lang="en-US" dirty="0"/>
-              <a:t>First level</a:t>
-            </a:r>
-          </a:p>
-          <a:p>
-            <a:pPr lvl="1"/>
-            <a:r>
-              <a:rPr lang="en-US" dirty="0"/>
-              <a:t>Second level</a:t>
-            </a:r>
-          </a:p>
-          <a:p>
-            <a:pPr lvl="2"/>
-            <a:r>
-              <a:rPr lang="en-US" dirty="0"/>
-              <a:t>Third level</a:t>
+              <a:t>TODO: Add screenshot</a:t>
             </a:r>
           </a:p>
         </p:txBody>
@@ -5118,7 +5024,7 @@
           <a:p>
             <a:r>
               <a:rPr lang="en-US" dirty="0"/>
-              <a:t>Agenda</a:t>
+              <a:t>Our App</a:t>
             </a:r>
             <a:br>
               <a:rPr lang="en-US" dirty="0"/>
@@ -5130,7 +5036,7 @@
     </p:spTree>
     <p:extLst>
       <p:ext uri="{BB962C8B-B14F-4D97-AF65-F5344CB8AC3E}">
-        <p14:creationId xmlns:p14="http://schemas.microsoft.com/office/powerpoint/2010/main" val="662703932"/>
+        <p14:creationId xmlns:p14="http://schemas.microsoft.com/office/powerpoint/2010/main" val="88247097"/>
       </p:ext>
     </p:extLst>
   </p:cSld>
@@ -5167,7 +5073,12 @@
             <p:ph type="body" sz="quarter" idx="10"/>
           </p:nvPr>
         </p:nvSpPr>
-        <p:spPr/>
+        <p:spPr>
+          <a:xfrm>
+            <a:off x="515574" y="1620000"/>
+            <a:ext cx="11186477" cy="4716000"/>
+          </a:xfrm>
+        </p:spPr>
         <p:txBody>
           <a:bodyPr/>
           <a:lstStyle/>
@@ -5175,50 +5086,8 @@
             <a:pPr lvl="0"/>
             <a:r>
               <a:rPr lang="en-US" dirty="0"/>
-              <a:t>First level</a:t>
-            </a:r>
-          </a:p>
-          <a:p>
-            <a:pPr lvl="1"/>
-            <a:r>
-              <a:rPr lang="en-US" dirty="0"/>
-              <a:t>Second level</a:t>
-            </a:r>
-          </a:p>
-          <a:p>
-            <a:pPr lvl="2"/>
-            <a:r>
-              <a:rPr lang="en-US" dirty="0"/>
-              <a:t>Third level. Markova-</a:t>
-            </a:r>
-            <a:r>
-              <a:rPr lang="en-US" dirty="0" err="1"/>
-              <a:t>Bogdanova</a:t>
-            </a:r>
-            <a:r>
-              <a:rPr lang="en-US" dirty="0"/>
-              <a:t>, Petya &lt;</a:t>
-            </a:r>
-            <a:r>
-              <a:rPr lang="en-US" dirty="0" err="1"/>
-              <a:t>petya.markova-bogdanova@sap.com</a:t>
-            </a:r>
-            <a:r>
-              <a:rPr lang="en-US" dirty="0"/>
-              <a:t>&gt; </a:t>
-            </a:r>
-          </a:p>
-          <a:p>
-            <a:pPr lvl="2"/>
-            <a:endParaRPr lang="en-US" dirty="0"/>
-          </a:p>
-          <a:p>
-            <a:pPr lvl="2"/>
-            <a:endParaRPr lang="en-US" dirty="0"/>
-          </a:p>
-          <a:p>
-            <a:pPr lvl="2"/>
-            <a:endParaRPr lang="en-US" dirty="0"/>
+              <a:t>TODO: Add screenshots of GitHub branch comparison</a:t>
+            </a:r>
           </a:p>
         </p:txBody>
       </p:sp>
@@ -5244,7 +5113,7 @@
           <a:p>
             <a:r>
               <a:rPr lang="en-US" dirty="0"/>
-              <a:t>Resources</a:t>
+              <a:t>Session Structure</a:t>
             </a:r>
             <a:br>
               <a:rPr lang="en-US" dirty="0"/>
@@ -5256,7 +5125,7 @@
     </p:spTree>
     <p:extLst>
       <p:ext uri="{BB962C8B-B14F-4D97-AF65-F5344CB8AC3E}">
-        <p14:creationId xmlns:p14="http://schemas.microsoft.com/office/powerpoint/2010/main" val="3127783666"/>
+        <p14:creationId xmlns:p14="http://schemas.microsoft.com/office/powerpoint/2010/main" val="662703932"/>
       </p:ext>
     </p:extLst>
   </p:cSld>
@@ -5285,38 +5154,142 @@
       </p:grpSpPr>
       <p:sp>
         <p:nvSpPr>
-          <p:cNvPr id="2" name="Divider"/>
+          <p:cNvPr id="11" name="Text Placeholder 10"/>
           <p:cNvSpPr>
             <a:spLocks noGrp="1"/>
           </p:cNvSpPr>
           <p:nvPr>
-            <p:ph type="ctrTitle"/>
+            <p:ph type="body" sz="quarter" idx="10"/>
           </p:nvPr>
         </p:nvSpPr>
-        <p:spPr/>
+        <p:spPr>
+          <a:xfrm>
+            <a:off x="515574" y="1620000"/>
+            <a:ext cx="11186477" cy="4716000"/>
+          </a:xfrm>
+        </p:spPr>
         <p:txBody>
           <a:bodyPr/>
           <a:lstStyle/>
           <a:p>
-            <a:r>
-              <a:rPr lang="en-US"/>
-              <a:t>UI5 </a:t>
-            </a:r>
-            <a:r>
-              <a:rPr lang="en-US">
-                <a:solidFill>
-                  <a:schemeClr val="accent1"/>
-                </a:solidFill>
-              </a:rPr>
-              <a:t>Web Components</a:t>
-            </a:r>
+            <a:pPr lvl="0"/>
+            <a:r>
+              <a:rPr lang="en-US" dirty="0"/>
+              <a:t>Frontend</a:t>
+            </a:r>
+          </a:p>
+          <a:p>
+            <a:pPr lvl="1"/>
+            <a:r>
+              <a:rPr lang="en-US" dirty="0"/>
+              <a:t>UI5</a:t>
+            </a:r>
+          </a:p>
+          <a:p>
+            <a:pPr lvl="1"/>
+            <a:r>
+              <a:rPr lang="en-US" dirty="0"/>
+              <a:t>TypeScript</a:t>
+            </a:r>
+          </a:p>
+          <a:p>
+            <a:pPr lvl="1"/>
+            <a:r>
+              <a:rPr lang="en-US" dirty="0" err="1"/>
+              <a:t>GraphQL</a:t>
+            </a:r>
+            <a:r>
+              <a:rPr lang="en-US" dirty="0"/>
+              <a:t> Client</a:t>
+            </a:r>
+          </a:p>
+          <a:p>
+            <a:pPr lvl="1"/>
+            <a:r>
+              <a:rPr lang="en-US" dirty="0"/>
+              <a:t>? PWA</a:t>
+            </a:r>
+          </a:p>
+          <a:p>
+            <a:pPr lvl="1"/>
+            <a:endParaRPr lang="en-US" dirty="0"/>
+          </a:p>
+          <a:p>
+            <a:pPr lvl="0"/>
+            <a:r>
+              <a:rPr lang="en-US" dirty="0"/>
+              <a:t>Backend</a:t>
+            </a:r>
+          </a:p>
+          <a:p>
+            <a:pPr lvl="1"/>
+            <a:r>
+              <a:rPr lang="en-US" dirty="0"/>
+              <a:t>Node</a:t>
+            </a:r>
+          </a:p>
+          <a:p>
+            <a:pPr lvl="1"/>
+            <a:r>
+              <a:rPr lang="en-US" dirty="0"/>
+              <a:t>Express</a:t>
+            </a:r>
+          </a:p>
+          <a:p>
+            <a:pPr lvl="1"/>
+            <a:r>
+              <a:rPr lang="en-US" dirty="0"/>
+              <a:t>MongoDB</a:t>
+            </a:r>
+          </a:p>
+          <a:p>
+            <a:pPr lvl="1"/>
+            <a:r>
+              <a:rPr lang="en-US" dirty="0" err="1"/>
+              <a:t>GraphQL</a:t>
+            </a:r>
+            <a:r>
+              <a:rPr lang="en-US" dirty="0"/>
+              <a:t> Server</a:t>
+            </a:r>
+          </a:p>
+        </p:txBody>
+      </p:sp>
+      <p:sp>
+        <p:nvSpPr>
+          <p:cNvPr id="4" name="Title 3"/>
+          <p:cNvSpPr>
+            <a:spLocks noGrp="1"/>
+          </p:cNvSpPr>
+          <p:nvPr>
+            <p:ph type="title"/>
+          </p:nvPr>
+        </p:nvSpPr>
+        <p:spPr>
+          <a:xfrm>
+            <a:off x="504001" y="504000"/>
+            <a:ext cx="11186476" cy="646331"/>
+          </a:xfrm>
+        </p:spPr>
+        <p:txBody>
+          <a:bodyPr/>
+          <a:lstStyle/>
+          <a:p>
+            <a:r>
+              <a:rPr lang="en-US" dirty="0"/>
+              <a:t>Agenda</a:t>
+            </a:r>
+            <a:br>
+              <a:rPr lang="en-US" dirty="0"/>
+            </a:br>
+            <a:endParaRPr lang="en-US" sz="1800" b="0" dirty="0"/>
           </a:p>
         </p:txBody>
       </p:sp>
     </p:spTree>
     <p:extLst>
       <p:ext uri="{BB962C8B-B14F-4D97-AF65-F5344CB8AC3E}">
-        <p14:creationId xmlns:p14="http://schemas.microsoft.com/office/powerpoint/2010/main" val="677914617"/>
+        <p14:creationId xmlns:p14="http://schemas.microsoft.com/office/powerpoint/2010/main" val="3249118686"/>
       </p:ext>
     </p:extLst>
   </p:cSld>
@@ -5353,30 +5326,125 @@
             <p:ph type="body" sz="quarter" idx="10"/>
           </p:nvPr>
         </p:nvSpPr>
-        <p:spPr/>
+        <p:spPr>
+          <a:xfrm>
+            <a:off x="515574" y="1620000"/>
+            <a:ext cx="5475570" cy="4716000"/>
+          </a:xfrm>
+        </p:spPr>
         <p:txBody>
-          <a:bodyPr/>
+          <a:bodyPr>
+            <a:normAutofit/>
+          </a:bodyPr>
           <a:lstStyle/>
           <a:p>
             <a:pPr lvl="0"/>
             <a:r>
-              <a:rPr lang="en-US"/>
-              <a:t>First level</a:t>
+              <a:rPr lang="en-US" dirty="0"/>
+              <a:t>UI5 Tooling</a:t>
             </a:r>
           </a:p>
           <a:p>
             <a:pPr lvl="1"/>
             <a:r>
-              <a:rPr lang="en-US"/>
-              <a:t>Second level</a:t>
-            </a:r>
-          </a:p>
-          <a:p>
-            <a:pPr lvl="2"/>
-            <a:r>
-              <a:rPr lang="en-US"/>
-              <a:t>Third level</a:t>
-            </a:r>
+              <a:rPr lang="en-US" dirty="0">
+                <a:hlinkClick r:id="rId2"/>
+              </a:rPr>
+              <a:t>https://github.com/SAP/ui5-tooling</a:t>
+            </a:r>
+            <a:endParaRPr lang="en-US" dirty="0"/>
+          </a:p>
+          <a:p>
+            <a:pPr lvl="1"/>
+            <a:r>
+              <a:rPr lang="en-US" dirty="0">
+                <a:hlinkClick r:id="rId3"/>
+              </a:rPr>
+              <a:t>https://github.com/SAP/ui5-typescript</a:t>
+            </a:r>
+            <a:endParaRPr lang="en-US" dirty="0"/>
+          </a:p>
+          <a:p>
+            <a:pPr lvl="0"/>
+            <a:r>
+              <a:rPr lang="en-US" dirty="0"/>
+              <a:t>TypeScript</a:t>
+            </a:r>
+          </a:p>
+          <a:p>
+            <a:pPr lvl="1"/>
+            <a:r>
+              <a:rPr lang="en-US" dirty="0">
+                <a:hlinkClick r:id="rId4"/>
+              </a:rPr>
+              <a:t>https://www.typescriptlang.org/</a:t>
+            </a:r>
+            <a:endParaRPr lang="en-US" dirty="0"/>
+          </a:p>
+          <a:p>
+            <a:pPr lvl="1"/>
+            <a:r>
+              <a:rPr lang="en-US" dirty="0">
+                <a:hlinkClick r:id="rId5"/>
+              </a:rPr>
+              <a:t>https://palantir.github.io/tslint/</a:t>
+            </a:r>
+            <a:endParaRPr lang="en-US" dirty="0"/>
+          </a:p>
+          <a:p>
+            <a:pPr lvl="0"/>
+            <a:r>
+              <a:rPr lang="en-US" dirty="0" err="1"/>
+              <a:t>GraphQL</a:t>
+            </a:r>
+            <a:endParaRPr lang="en-US" dirty="0"/>
+          </a:p>
+          <a:p>
+            <a:pPr lvl="1"/>
+            <a:r>
+              <a:rPr lang="en-US" dirty="0">
+                <a:hlinkClick r:id="rId6"/>
+              </a:rPr>
+              <a:t>https://graphql.org/</a:t>
+            </a:r>
+            <a:endParaRPr lang="en-US" dirty="0"/>
+          </a:p>
+          <a:p>
+            <a:pPr lvl="1"/>
+            <a:r>
+              <a:rPr lang="en-US" dirty="0">
+                <a:hlinkClick r:id="rId7"/>
+              </a:rPr>
+              <a:t>https://www.apollographql.com/</a:t>
+            </a:r>
+            <a:endParaRPr lang="en-US" dirty="0"/>
+          </a:p>
+          <a:p>
+            <a:pPr lvl="0"/>
+            <a:r>
+              <a:rPr lang="en-US" dirty="0"/>
+              <a:t>PWA</a:t>
+            </a:r>
+          </a:p>
+          <a:p>
+            <a:pPr lvl="1"/>
+            <a:r>
+              <a:rPr lang="en-US" dirty="0">
+                <a:hlinkClick r:id="rId8"/>
+              </a:rPr>
+              <a:t>https://developers.google.com/web/progressive-web-apps/</a:t>
+            </a:r>
+            <a:endParaRPr lang="en-US" dirty="0"/>
+          </a:p>
+          <a:p>
+            <a:pPr marL="0" lvl="1" indent="0">
+              <a:buNone/>
+            </a:pPr>
+            <a:endParaRPr lang="en-US" dirty="0"/>
+          </a:p>
+          <a:p>
+            <a:pPr lvl="1"/>
+            <a:endParaRPr lang="en-US" dirty="0"/>
           </a:p>
         </p:txBody>
       </p:sp>
@@ -5390,37 +5458,273 @@
             <p:ph type="title"/>
           </p:nvPr>
         </p:nvSpPr>
-        <p:spPr/>
+        <p:spPr>
+          <a:xfrm>
+            <a:off x="504001" y="504000"/>
+            <a:ext cx="11186476" cy="646331"/>
+          </a:xfrm>
+        </p:spPr>
         <p:txBody>
           <a:bodyPr/>
           <a:lstStyle/>
           <a:p>
             <a:r>
-              <a:rPr lang="en-US"/>
-              <a:t>&lt;page title&gt;</a:t>
+              <a:rPr lang="en-US" dirty="0"/>
+              <a:t>Resources</a:t>
             </a:r>
             <a:br>
-              <a:rPr lang="en-US"/>
+              <a:rPr lang="en-US" dirty="0"/>
             </a:br>
-            <a:r>
-              <a:rPr lang="en-US" sz="1800" b="0"/>
-              <a:t>&lt;optional </a:t>
-            </a:r>
-            <a:r>
-              <a:rPr lang="en-US" sz="1800" b="0" err="1"/>
-              <a:t>subheadline</a:t>
-            </a:r>
-            <a:r>
-              <a:rPr lang="en-US" sz="1800" b="0"/>
-              <a:t>&gt;</a:t>
-            </a:r>
+            <a:endParaRPr lang="en-US" sz="1800" b="0" dirty="0"/>
+          </a:p>
+        </p:txBody>
+      </p:sp>
+      <p:sp>
+        <p:nvSpPr>
+          <p:cNvPr id="5" name="Text Placeholder 10">
+            <a:extLst>
+              <a:ext uri="{FF2B5EF4-FFF2-40B4-BE49-F238E27FC236}">
+                <a16:creationId xmlns:a16="http://schemas.microsoft.com/office/drawing/2014/main" id="{F15FE020-BD89-204E-89FB-8A89B616DE77}"/>
+              </a:ext>
+            </a:extLst>
+          </p:cNvPr>
+          <p:cNvSpPr txBox="1">
+            <a:spLocks/>
+          </p:cNvSpPr>
+          <p:nvPr/>
+        </p:nvSpPr>
+        <p:spPr bwMode="black">
+          <a:xfrm>
+            <a:off x="6204031" y="1620000"/>
+            <a:ext cx="5475572" cy="4716000"/>
+          </a:xfrm>
+          <a:prstGeom prst="rect">
+            <a:avLst/>
+          </a:prstGeom>
+        </p:spPr>
+        <p:txBody>
+          <a:bodyPr vert="horz" lIns="0" tIns="0" rIns="0" bIns="0" rtlCol="0">
+            <a:normAutofit/>
+          </a:bodyPr>
+          <a:lstStyle>
+            <a:lvl1pPr marL="0" indent="0" algn="l" defTabSz="1088558" rtl="0" eaLnBrk="1" latinLnBrk="0" hangingPunct="1">
+              <a:spcBef>
+                <a:spcPts val="1800"/>
+              </a:spcBef>
+              <a:buClr>
+                <a:schemeClr val="accent1"/>
+              </a:buClr>
+              <a:buSzPct val="80000"/>
+              <a:buFontTx/>
+              <a:buNone/>
+              <a:defRPr sz="2000" b="0" kern="1200">
+                <a:solidFill>
+                  <a:schemeClr val="tx1"/>
+                </a:solidFill>
+                <a:latin typeface="+mn-lt"/>
+                <a:ea typeface="+mn-ea"/>
+                <a:cs typeface="+mn-cs"/>
+              </a:defRPr>
+            </a:lvl1pPr>
+            <a:lvl2pPr marL="179964" indent="-179964" algn="l" defTabSz="1088558" rtl="0" eaLnBrk="1" latinLnBrk="0" hangingPunct="1">
+              <a:spcBef>
+                <a:spcPts val="600"/>
+              </a:spcBef>
+              <a:buClr>
+                <a:schemeClr val="accent1"/>
+              </a:buClr>
+              <a:buSzPct val="100000"/>
+              <a:buFont typeface="Wingdings" pitchFamily="2" charset="2"/>
+              <a:buChar char="§"/>
+              <a:defRPr sz="1800" kern="1200">
+                <a:solidFill>
+                  <a:schemeClr val="tx1"/>
+                </a:solidFill>
+                <a:latin typeface="+mn-lt"/>
+                <a:ea typeface="+mn-ea"/>
+                <a:cs typeface="+mn-cs"/>
+              </a:defRPr>
+            </a:lvl2pPr>
+            <a:lvl3pPr marL="358775" indent="-179388" algn="l" defTabSz="1088558" rtl="0" eaLnBrk="1" latinLnBrk="0" hangingPunct="1">
+              <a:spcBef>
+                <a:spcPts val="300"/>
+              </a:spcBef>
+              <a:buClr>
+                <a:schemeClr val="tx1"/>
+              </a:buClr>
+              <a:buSzPct val="100000"/>
+              <a:buFont typeface="Arial" panose="020B0604020202020204" pitchFamily="34" charset="0"/>
+              <a:buChar char="–"/>
+              <a:defRPr lang="en-US" sz="1800" kern="1200" noProof="0" dirty="0" smtClean="0">
+                <a:solidFill>
+                  <a:schemeClr val="tx1"/>
+                </a:solidFill>
+                <a:latin typeface="+mn-lt"/>
+                <a:ea typeface="+mn-ea"/>
+                <a:cs typeface="+mn-cs"/>
+              </a:defRPr>
+            </a:lvl3pPr>
+            <a:lvl4pPr marL="539892" indent="-179964" algn="l" defTabSz="1088558" rtl="0" eaLnBrk="1" latinLnBrk="0" hangingPunct="1">
+              <a:spcBef>
+                <a:spcPts val="300"/>
+              </a:spcBef>
+              <a:buClr>
+                <a:schemeClr val="tx1"/>
+              </a:buClr>
+              <a:buSzPct val="120000"/>
+              <a:buFont typeface="Arial" pitchFamily="34" charset="0"/>
+              <a:buChar char="▫"/>
+              <a:defRPr sz="1600" kern="1200">
+                <a:solidFill>
+                  <a:schemeClr val="tx1"/>
+                </a:solidFill>
+                <a:latin typeface="+mn-lt"/>
+                <a:ea typeface="+mn-ea"/>
+                <a:cs typeface="+mn-cs"/>
+              </a:defRPr>
+            </a:lvl4pPr>
+            <a:lvl5pPr marL="719856" indent="-179964" algn="l" defTabSz="1088558" rtl="0" eaLnBrk="1" latinLnBrk="0" hangingPunct="1">
+              <a:spcBef>
+                <a:spcPts val="100"/>
+              </a:spcBef>
+              <a:buClr>
+                <a:schemeClr val="tx1"/>
+              </a:buClr>
+              <a:buSzPct val="100000"/>
+              <a:buFont typeface="Symbol" panose="05050102010706020507" pitchFamily="18" charset="2"/>
+              <a:buChar char="-"/>
+              <a:defRPr sz="1400" kern="1200" baseline="0">
+                <a:solidFill>
+                  <a:schemeClr val="tx1"/>
+                </a:solidFill>
+                <a:latin typeface="+mn-lt"/>
+                <a:ea typeface="+mn-ea"/>
+                <a:cs typeface="+mn-cs"/>
+              </a:defRPr>
+            </a:lvl5pPr>
+            <a:lvl6pPr marL="2993535" indent="-272140" algn="l" defTabSz="1088558" rtl="0" eaLnBrk="1" latinLnBrk="0" hangingPunct="1">
+              <a:spcBef>
+                <a:spcPct val="20000"/>
+              </a:spcBef>
+              <a:buFont typeface="Arial" pitchFamily="34" charset="0"/>
+              <a:buChar char="•"/>
+              <a:defRPr sz="2400" kern="1200">
+                <a:solidFill>
+                  <a:schemeClr val="tx1"/>
+                </a:solidFill>
+                <a:latin typeface="+mn-lt"/>
+                <a:ea typeface="+mn-ea"/>
+                <a:cs typeface="+mn-cs"/>
+              </a:defRPr>
+            </a:lvl6pPr>
+            <a:lvl7pPr marL="3537814" indent="-272140" algn="l" defTabSz="1088558" rtl="0" eaLnBrk="1" latinLnBrk="0" hangingPunct="1">
+              <a:spcBef>
+                <a:spcPct val="20000"/>
+              </a:spcBef>
+              <a:buFont typeface="Arial" pitchFamily="34" charset="0"/>
+              <a:buChar char="•"/>
+              <a:defRPr sz="2400" kern="1200">
+                <a:solidFill>
+                  <a:schemeClr val="tx1"/>
+                </a:solidFill>
+                <a:latin typeface="+mn-lt"/>
+                <a:ea typeface="+mn-ea"/>
+                <a:cs typeface="+mn-cs"/>
+              </a:defRPr>
+            </a:lvl7pPr>
+            <a:lvl8pPr marL="4082093" indent="-272140" algn="l" defTabSz="1088558" rtl="0" eaLnBrk="1" latinLnBrk="0" hangingPunct="1">
+              <a:spcBef>
+                <a:spcPct val="20000"/>
+              </a:spcBef>
+              <a:buFont typeface="Arial" pitchFamily="34" charset="0"/>
+              <a:buChar char="•"/>
+              <a:defRPr sz="2400" kern="1200">
+                <a:solidFill>
+                  <a:schemeClr val="tx1"/>
+                </a:solidFill>
+                <a:latin typeface="+mn-lt"/>
+                <a:ea typeface="+mn-ea"/>
+                <a:cs typeface="+mn-cs"/>
+              </a:defRPr>
+            </a:lvl8pPr>
+            <a:lvl9pPr marL="4626373" indent="-272140" algn="l" defTabSz="1088558" rtl="0" eaLnBrk="1" latinLnBrk="0" hangingPunct="1">
+              <a:spcBef>
+                <a:spcPct val="20000"/>
+              </a:spcBef>
+              <a:buFont typeface="Arial" pitchFamily="34" charset="0"/>
+              <a:buChar char="•"/>
+              <a:defRPr sz="2400" kern="1200">
+                <a:solidFill>
+                  <a:schemeClr val="tx1"/>
+                </a:solidFill>
+                <a:latin typeface="+mn-lt"/>
+                <a:ea typeface="+mn-ea"/>
+                <a:cs typeface="+mn-cs"/>
+              </a:defRPr>
+            </a:lvl9pPr>
+          </a:lstStyle>
+          <a:p>
+            <a:r>
+              <a:rPr lang="en-US" dirty="0"/>
+              <a:t>Express</a:t>
+            </a:r>
+          </a:p>
+          <a:p>
+            <a:pPr lvl="1"/>
+            <a:r>
+              <a:rPr lang="en-US" dirty="0">
+                <a:hlinkClick r:id="rId9"/>
+              </a:rPr>
+              <a:t>https://expressjs.com/</a:t>
+            </a:r>
+            <a:endParaRPr lang="en-US" dirty="0"/>
+          </a:p>
+          <a:p>
+            <a:r>
+              <a:rPr lang="en-US" dirty="0"/>
+              <a:t>MongoDB</a:t>
+            </a:r>
+          </a:p>
+          <a:p>
+            <a:pPr lvl="1"/>
+            <a:r>
+              <a:rPr lang="en-US" dirty="0">
+                <a:hlinkClick r:id="rId10"/>
+              </a:rPr>
+              <a:t>https://www.mongodb.com/</a:t>
+            </a:r>
+            <a:endParaRPr lang="en-US" dirty="0"/>
+          </a:p>
+          <a:p>
+            <a:pPr lvl="1"/>
+            <a:endParaRPr lang="en-US" dirty="0"/>
+          </a:p>
+          <a:p>
+            <a:pPr lvl="1"/>
+            <a:endParaRPr lang="en-US" dirty="0"/>
+          </a:p>
+          <a:p>
+            <a:pPr marL="0" lvl="1" indent="0">
+              <a:buNone/>
+            </a:pPr>
+            <a:endParaRPr lang="en-US" dirty="0"/>
+          </a:p>
+          <a:p>
+            <a:pPr lvl="1"/>
+            <a:endParaRPr lang="en-US" dirty="0"/>
+          </a:p>
+          <a:p>
+            <a:pPr marL="0" lvl="1" indent="0">
+              <a:buNone/>
+            </a:pPr>
+            <a:endParaRPr lang="en-US" dirty="0"/>
           </a:p>
         </p:txBody>
       </p:sp>
     </p:spTree>
     <p:extLst>
       <p:ext uri="{BB962C8B-B14F-4D97-AF65-F5344CB8AC3E}">
-        <p14:creationId xmlns:p14="http://schemas.microsoft.com/office/powerpoint/2010/main" val="2054955283"/>
+        <p14:creationId xmlns:p14="http://schemas.microsoft.com/office/powerpoint/2010/main" val="2320338845"/>
       </p:ext>
     </p:extLst>
   </p:cSld>
@@ -6318,18 +6622,18 @@
 </file>
 
 <file path=customXml/item1.xml><?xml version="1.0" encoding="utf-8"?>
-<p:properties xmlns:p="http://schemas.microsoft.com/office/2006/metadata/properties" xmlns:xsi="http://www.w3.org/2001/XMLSchema-instance" xmlns:pc="http://schemas.microsoft.com/office/infopath/2007/PartnerControls">
-  <documentManagement/>
-</p:properties>
-</file>
-
-<file path=customXml/item2.xml><?xml version="1.0" encoding="utf-8"?>
 <?mso-contentType ?>
 <FormTemplates xmlns="http://schemas.microsoft.com/sharepoint/v3/contenttype/forms">
   <Display>DocumentLibraryForm</Display>
   <Edit>DocumentLibraryForm</Edit>
   <New>DocumentLibraryForm</New>
 </FormTemplates>
+</file>
+
+<file path=customXml/item2.xml><?xml version="1.0" encoding="utf-8"?>
+<p:properties xmlns:p="http://schemas.microsoft.com/office/2006/metadata/properties" xmlns:xsi="http://www.w3.org/2001/XMLSchema-instance" xmlns:pc="http://schemas.microsoft.com/office/infopath/2007/PartnerControls">
+  <documentManagement/>
+</p:properties>
 </file>
 
 <file path=customXml/item3.xml><?xml version="1.0" encoding="utf-8"?>
@@ -6465,6 +6769,14 @@
 </file>
 
 <file path=customXml/itemProps1.xml><?xml version="1.0" encoding="utf-8"?>
+<ds:datastoreItem xmlns:ds="http://schemas.openxmlformats.org/officeDocument/2006/customXml" ds:itemID="{F5C704F8-E492-4D0C-B57C-F66B10524C56}">
+  <ds:schemaRefs>
+    <ds:schemaRef ds:uri="http://schemas.microsoft.com/sharepoint/v3/contenttype/forms"/>
+  </ds:schemaRefs>
+</ds:datastoreItem>
+</file>
+
+<file path=customXml/itemProps2.xml><?xml version="1.0" encoding="utf-8"?>
 <ds:datastoreItem xmlns:ds="http://schemas.openxmlformats.org/officeDocument/2006/customXml" ds:itemID="{44AA3C33-C817-4C29-B68E-48FE50772B54}">
   <ds:schemaRefs>
     <ds:schemaRef ds:uri="http://schemas.microsoft.com/office/2006/documentManagement/types"/>
@@ -6476,14 +6788,6 @@
     <ds:schemaRef ds:uri="http://purl.org/dc/elements/1.1/"/>
     <ds:schemaRef ds:uri="2d3d17f9-0dc7-42f3-8932-8eae37b95599"/>
     <ds:schemaRef ds:uri="http://schemas.microsoft.com/office/2006/metadata/properties"/>
-  </ds:schemaRefs>
-</ds:datastoreItem>
-</file>
-
-<file path=customXml/itemProps2.xml><?xml version="1.0" encoding="utf-8"?>
-<ds:datastoreItem xmlns:ds="http://schemas.openxmlformats.org/officeDocument/2006/customXml" ds:itemID="{F5C704F8-E492-4D0C-B57C-F66B10524C56}">
-  <ds:schemaRefs>
-    <ds:schemaRef ds:uri="http://schemas.microsoft.com/sharepoint/v3/contenttype/forms"/>
   </ds:schemaRefs>
 </ds:datastoreItem>
 </file>

--- a/ui5con2019-mean-stack-ui5.pptx
+++ b/ui5con2019-mean-stack-ui5.pptx
@@ -1818,6 +1818,91 @@
 </file>
 
 <file path=ppt/notesSlides/notesSlide2.xml><?xml version="1.0" encoding="utf-8"?>
+<p:notes xmlns:a="http://schemas.openxmlformats.org/drawingml/2006/main" xmlns:r="http://schemas.openxmlformats.org/officeDocument/2006/relationships" xmlns:p="http://schemas.openxmlformats.org/presentationml/2006/main">
+  <p:cSld>
+    <p:spTree>
+      <p:nvGrpSpPr>
+        <p:cNvPr id="1" name=""/>
+        <p:cNvGrpSpPr/>
+        <p:nvPr/>
+      </p:nvGrpSpPr>
+      <p:grpSpPr>
+        <a:xfrm>
+          <a:off x="0" y="0"/>
+          <a:ext cx="0" cy="0"/>
+          <a:chOff x="0" y="0"/>
+          <a:chExt cx="0" cy="0"/>
+        </a:xfrm>
+      </p:grpSpPr>
+      <p:sp>
+        <p:nvSpPr>
+          <p:cNvPr id="2" name="Slide Image Placeholder 1"/>
+          <p:cNvSpPr>
+            <a:spLocks noGrp="1" noRot="1" noChangeAspect="1"/>
+          </p:cNvSpPr>
+          <p:nvPr>
+            <p:ph type="sldImg"/>
+          </p:nvPr>
+        </p:nvSpPr>
+        <p:spPr/>
+      </p:sp>
+      <p:sp>
+        <p:nvSpPr>
+          <p:cNvPr id="3" name="Notes Placeholder 2"/>
+          <p:cNvSpPr>
+            <a:spLocks noGrp="1"/>
+          </p:cNvSpPr>
+          <p:nvPr>
+            <p:ph type="body" idx="1"/>
+          </p:nvPr>
+        </p:nvSpPr>
+        <p:spPr/>
+        <p:txBody>
+          <a:bodyPr/>
+          <a:lstStyle/>
+          <a:p>
+            <a:endParaRPr lang="en-US" dirty="0"/>
+          </a:p>
+        </p:txBody>
+      </p:sp>
+      <p:sp>
+        <p:nvSpPr>
+          <p:cNvPr id="4" name="Slide Number Placeholder 3"/>
+          <p:cNvSpPr>
+            <a:spLocks noGrp="1"/>
+          </p:cNvSpPr>
+          <p:nvPr>
+            <p:ph type="sldNum" sz="quarter" idx="5"/>
+          </p:nvPr>
+        </p:nvSpPr>
+        <p:spPr/>
+        <p:txBody>
+          <a:bodyPr/>
+          <a:lstStyle/>
+          <a:p>
+            <a:fld id="{7D8C2C35-2B8A-446E-BEC0-FD36716C29AC}" type="slidenum">
+              <a:rPr lang="de-DE" smtClean="0"/>
+              <a:pPr/>
+              <a:t>5</a:t>
+            </a:fld>
+            <a:endParaRPr lang="de-DE"/>
+          </a:p>
+        </p:txBody>
+      </p:sp>
+    </p:spTree>
+    <p:extLst>
+      <p:ext uri="{BB962C8B-B14F-4D97-AF65-F5344CB8AC3E}">
+        <p14:creationId xmlns:p14="http://schemas.microsoft.com/office/powerpoint/2010/main" val="2641670643"/>
+      </p:ext>
+    </p:extLst>
+  </p:cSld>
+  <p:clrMapOvr>
+    <a:masterClrMapping/>
+  </p:clrMapOvr>
+</p:notes>
+</file>
+
+<file path=ppt/notesSlides/notesSlide3.xml><?xml version="1.0" encoding="utf-8"?>
 <p:notes xmlns:a="http://schemas.openxmlformats.org/drawingml/2006/main" xmlns:r="http://schemas.openxmlformats.org/officeDocument/2006/relationships" xmlns:p="http://schemas.openxmlformats.org/presentationml/2006/main">
   <p:cSld>
     <p:spTree>
@@ -5348,28 +5433,11 @@
             <a:pPr lvl="1"/>
             <a:r>
               <a:rPr lang="en-US" dirty="0">
-                <a:hlinkClick r:id="rId2"/>
+                <a:hlinkClick r:id="rId3"/>
               </a:rPr>
               <a:t>https://github.com/SAP/ui5-tooling</a:t>
             </a:r>
             <a:endParaRPr lang="en-US" dirty="0"/>
-          </a:p>
-          <a:p>
-            <a:pPr lvl="1"/>
-            <a:r>
-              <a:rPr lang="en-US" dirty="0">
-                <a:hlinkClick r:id="rId3"/>
-              </a:rPr>
-              <a:t>https://github.com/SAP/ui5-typescript</a:t>
-            </a:r>
-            <a:endParaRPr lang="en-US" dirty="0"/>
-          </a:p>
-          <a:p>
-            <a:pPr lvl="0"/>
-            <a:r>
-              <a:rPr lang="en-US" dirty="0"/>
-              <a:t>TypeScript</a:t>
-            </a:r>
           </a:p>
           <a:p>
             <a:pPr lvl="1"/>
@@ -5377,9 +5445,16 @@
               <a:rPr lang="en-US" dirty="0">
                 <a:hlinkClick r:id="rId4"/>
               </a:rPr>
-              <a:t>https://www.typescriptlang.org/</a:t>
+              <a:t>https://github.com/SAP/ui5-typescript</a:t>
             </a:r>
             <a:endParaRPr lang="en-US" dirty="0"/>
+          </a:p>
+          <a:p>
+            <a:pPr lvl="0"/>
+            <a:r>
+              <a:rPr lang="en-US" dirty="0"/>
+              <a:t>TypeScript</a:t>
+            </a:r>
           </a:p>
           <a:p>
             <a:pPr lvl="1"/>
@@ -5387,15 +5462,7 @@
               <a:rPr lang="en-US" dirty="0">
                 <a:hlinkClick r:id="rId5"/>
               </a:rPr>
-              <a:t>https://palantir.github.io/tslint/</a:t>
-            </a:r>
-            <a:endParaRPr lang="en-US" dirty="0"/>
-          </a:p>
-          <a:p>
-            <a:pPr lvl="0"/>
-            <a:r>
-              <a:rPr lang="en-US" dirty="0" err="1"/>
-              <a:t>GraphQL</a:t>
+              <a:t>https://www.typescriptlang.org/</a:t>
             </a:r>
             <a:endParaRPr lang="en-US" dirty="0"/>
           </a:p>
@@ -5405,32 +5472,22 @@
               <a:rPr lang="en-US" dirty="0">
                 <a:hlinkClick r:id="rId6"/>
               </a:rPr>
-              <a:t>https://graphql.org/</a:t>
+              <a:t>https://palantir.github.io/tslint/</a:t>
             </a:r>
             <a:endParaRPr lang="en-US" dirty="0"/>
+          </a:p>
+          <a:p>
+            <a:pPr lvl="0"/>
+            <a:r>
+              <a:rPr lang="en-US" dirty="0"/>
+              <a:t>PWA</a:t>
+            </a:r>
           </a:p>
           <a:p>
             <a:pPr lvl="1"/>
             <a:r>
               <a:rPr lang="en-US" dirty="0">
                 <a:hlinkClick r:id="rId7"/>
-              </a:rPr>
-              <a:t>https://www.apollographql.com/</a:t>
-            </a:r>
-            <a:endParaRPr lang="en-US" dirty="0"/>
-          </a:p>
-          <a:p>
-            <a:pPr lvl="0"/>
-            <a:r>
-              <a:rPr lang="en-US" dirty="0"/>
-              <a:t>PWA</a:t>
-            </a:r>
-          </a:p>
-          <a:p>
-            <a:pPr lvl="1"/>
-            <a:r>
-              <a:rPr lang="en-US" dirty="0">
-                <a:hlinkClick r:id="rId8"/>
               </a:rPr>
               <a:t>https://developers.google.com/web/progressive-web-apps/</a:t>
             </a:r>
@@ -5673,17 +5730,35 @@
             <a:pPr lvl="1"/>
             <a:r>
               <a:rPr lang="en-US" dirty="0">
+                <a:hlinkClick r:id="rId8"/>
+              </a:rPr>
+              <a:t>https://expressjs.com/</a:t>
+            </a:r>
+            <a:endParaRPr lang="en-US" dirty="0"/>
+          </a:p>
+          <a:p>
+            <a:r>
+              <a:rPr lang="en-US" dirty="0"/>
+              <a:t>MongoDB</a:t>
+            </a:r>
+          </a:p>
+          <a:p>
+            <a:pPr lvl="1"/>
+            <a:r>
+              <a:rPr lang="en-US" dirty="0">
                 <a:hlinkClick r:id="rId9"/>
               </a:rPr>
-              <a:t>https://expressjs.com/</a:t>
+              <a:t>https://www.mongodb.com/</a:t>
             </a:r>
             <a:endParaRPr lang="en-US" dirty="0"/>
           </a:p>
           <a:p>
-            <a:r>
-              <a:rPr lang="en-US" dirty="0"/>
-              <a:t>MongoDB</a:t>
-            </a:r>
+            <a:pPr lvl="0"/>
+            <a:r>
+              <a:rPr lang="en-US" dirty="0" err="1"/>
+              <a:t>GraphQL</a:t>
+            </a:r>
+            <a:endParaRPr lang="en-US" dirty="0"/>
           </a:p>
           <a:p>
             <a:pPr lvl="1"/>
@@ -5691,8 +5766,32 @@
               <a:rPr lang="en-US" dirty="0">
                 <a:hlinkClick r:id="rId10"/>
               </a:rPr>
-              <a:t>https://www.mongodb.com/</a:t>
-            </a:r>
+              <a:t>https://graphql.org/</a:t>
+            </a:r>
+            <a:endParaRPr lang="en-US" dirty="0"/>
+          </a:p>
+          <a:p>
+            <a:pPr lvl="1"/>
+            <a:r>
+              <a:rPr lang="en-US" dirty="0">
+                <a:hlinkClick r:id="rId11"/>
+              </a:rPr>
+              <a:t>https://www.apollographql.com/</a:t>
+            </a:r>
+            <a:endParaRPr lang="en-US" dirty="0"/>
+          </a:p>
+          <a:p>
+            <a:pPr lvl="1"/>
+            <a:r>
+              <a:rPr lang="en-US" dirty="0">
+                <a:hlinkClick r:id="rId12"/>
+              </a:rPr>
+              <a:t>https://medium.freecodecamp.org/how-to-set-up-a-graphql-server-using-node-js-express-mongodb-52421b73f474</a:t>
+            </a:r>
+            <a:endParaRPr lang="en-US" dirty="0"/>
+          </a:p>
+          <a:p>
+            <a:pPr lvl="1"/>
             <a:endParaRPr lang="en-US" dirty="0"/>
           </a:p>
           <a:p>
@@ -6622,21 +6721,6 @@
 </file>
 
 <file path=customXml/item1.xml><?xml version="1.0" encoding="utf-8"?>
-<?mso-contentType ?>
-<FormTemplates xmlns="http://schemas.microsoft.com/sharepoint/v3/contenttype/forms">
-  <Display>DocumentLibraryForm</Display>
-  <Edit>DocumentLibraryForm</Edit>
-  <New>DocumentLibraryForm</New>
-</FormTemplates>
-</file>
-
-<file path=customXml/item2.xml><?xml version="1.0" encoding="utf-8"?>
-<p:properties xmlns:p="http://schemas.microsoft.com/office/2006/metadata/properties" xmlns:xsi="http://www.w3.org/2001/XMLSchema-instance" xmlns:pc="http://schemas.microsoft.com/office/infopath/2007/PartnerControls">
-  <documentManagement/>
-</p:properties>
-</file>
-
-<file path=customXml/item3.xml><?xml version="1.0" encoding="utf-8"?>
 <ct:contentTypeSchema xmlns:ct="http://schemas.microsoft.com/office/2006/metadata/contentType" xmlns:ma="http://schemas.microsoft.com/office/2006/metadata/properties/metaAttributes" ct:_="" ma:_="" ma:contentTypeName="Document" ma:contentTypeID="0x010100DE31C2608C027D4C9CCB72E0D39228BB" ma:contentTypeVersion="2" ma:contentTypeDescription="Create a new document." ma:contentTypeScope="" ma:versionID="fce8bd586bcdb5d0f6a300175c72fa5e">
   <xsd:schema xmlns:xsd="http://www.w3.org/2001/XMLSchema" xmlns:xs="http://www.w3.org/2001/XMLSchema" xmlns:p="http://schemas.microsoft.com/office/2006/metadata/properties" xmlns:ns2="2d3d17f9-0dc7-42f3-8932-8eae37b95599" targetNamespace="http://schemas.microsoft.com/office/2006/metadata/properties" ma:root="true" ma:fieldsID="c1cd4aee4f29687a989812f9cadd6e11" ns2:_="">
     <xsd:import namespace="2d3d17f9-0dc7-42f3-8932-8eae37b95599"/>
@@ -6768,10 +6852,35 @@
 </ct:contentTypeSchema>
 </file>
 
+<file path=customXml/item2.xml><?xml version="1.0" encoding="utf-8"?>
+<p:properties xmlns:p="http://schemas.microsoft.com/office/2006/metadata/properties" xmlns:xsi="http://www.w3.org/2001/XMLSchema-instance" xmlns:pc="http://schemas.microsoft.com/office/infopath/2007/PartnerControls">
+  <documentManagement/>
+</p:properties>
+</file>
+
+<file path=customXml/item3.xml><?xml version="1.0" encoding="utf-8"?>
+<?mso-contentType ?>
+<FormTemplates xmlns="http://schemas.microsoft.com/sharepoint/v3/contenttype/forms">
+  <Display>DocumentLibraryForm</Display>
+  <Edit>DocumentLibraryForm</Edit>
+  <New>DocumentLibraryForm</New>
+</FormTemplates>
+</file>
+
 <file path=customXml/itemProps1.xml><?xml version="1.0" encoding="utf-8"?>
-<ds:datastoreItem xmlns:ds="http://schemas.openxmlformats.org/officeDocument/2006/customXml" ds:itemID="{F5C704F8-E492-4D0C-B57C-F66B10524C56}">
+<ds:datastoreItem xmlns:ds="http://schemas.openxmlformats.org/officeDocument/2006/customXml" ds:itemID="{925AB6CC-A21A-4287-BCB6-9342910F03BB}">
   <ds:schemaRefs>
-    <ds:schemaRef ds:uri="http://schemas.microsoft.com/sharepoint/v3/contenttype/forms"/>
+    <ds:schemaRef ds:uri="http://schemas.microsoft.com/office/2006/metadata/contentType"/>
+    <ds:schemaRef ds:uri="http://schemas.microsoft.com/office/2006/metadata/properties/metaAttributes"/>
+    <ds:schemaRef ds:uri="http://www.w3.org/2001/XMLSchema"/>
+    <ds:schemaRef ds:uri="http://schemas.microsoft.com/office/2006/metadata/properties"/>
+    <ds:schemaRef ds:uri="2d3d17f9-0dc7-42f3-8932-8eae37b95599"/>
+    <ds:schemaRef ds:uri="http://schemas.microsoft.com/office/2006/documentManagement/types"/>
+    <ds:schemaRef ds:uri="http://schemas.microsoft.com/office/infopath/2007/PartnerControls"/>
+    <ds:schemaRef ds:uri="http://schemas.openxmlformats.org/package/2006/metadata/core-properties"/>
+    <ds:schemaRef ds:uri="http://purl.org/dc/elements/1.1/"/>
+    <ds:schemaRef ds:uri="http://purl.org/dc/terms/"/>
+    <ds:schemaRef ds:uri="http://schemas.microsoft.com/internal/obd"/>
   </ds:schemaRefs>
 </ds:datastoreItem>
 </file>
@@ -6793,19 +6902,9 @@
 </file>
 
 <file path=customXml/itemProps3.xml><?xml version="1.0" encoding="utf-8"?>
-<ds:datastoreItem xmlns:ds="http://schemas.openxmlformats.org/officeDocument/2006/customXml" ds:itemID="{925AB6CC-A21A-4287-BCB6-9342910F03BB}">
+<ds:datastoreItem xmlns:ds="http://schemas.openxmlformats.org/officeDocument/2006/customXml" ds:itemID="{F5C704F8-E492-4D0C-B57C-F66B10524C56}">
   <ds:schemaRefs>
-    <ds:schemaRef ds:uri="http://schemas.microsoft.com/office/2006/metadata/contentType"/>
-    <ds:schemaRef ds:uri="http://schemas.microsoft.com/office/2006/metadata/properties/metaAttributes"/>
-    <ds:schemaRef ds:uri="http://www.w3.org/2001/XMLSchema"/>
-    <ds:schemaRef ds:uri="http://schemas.microsoft.com/office/2006/metadata/properties"/>
-    <ds:schemaRef ds:uri="2d3d17f9-0dc7-42f3-8932-8eae37b95599"/>
-    <ds:schemaRef ds:uri="http://schemas.microsoft.com/office/2006/documentManagement/types"/>
-    <ds:schemaRef ds:uri="http://schemas.microsoft.com/office/infopath/2007/PartnerControls"/>
-    <ds:schemaRef ds:uri="http://schemas.openxmlformats.org/package/2006/metadata/core-properties"/>
-    <ds:schemaRef ds:uri="http://purl.org/dc/elements/1.1/"/>
-    <ds:schemaRef ds:uri="http://purl.org/dc/terms/"/>
-    <ds:schemaRef ds:uri="http://schemas.microsoft.com/internal/obd"/>
+    <ds:schemaRef ds:uri="http://schemas.microsoft.com/sharepoint/v3/contenttype/forms"/>
   </ds:schemaRefs>
 </ds:datastoreItem>
 </file>
--- a/ui5con2019-mean-stack-ui5.pptx
+++ b/ui5con2019-mean-stack-ui5.pptx
@@ -5292,7 +5292,7 @@
             <a:pPr lvl="1"/>
             <a:r>
               <a:rPr lang="en-US" dirty="0"/>
-              <a:t>? PWA</a:t>
+              <a:t>PWA</a:t>
             </a:r>
           </a:p>
           <a:p>
@@ -6721,6 +6721,12 @@
 </file>
 
 <file path=customXml/item1.xml><?xml version="1.0" encoding="utf-8"?>
+<p:properties xmlns:p="http://schemas.microsoft.com/office/2006/metadata/properties" xmlns:xsi="http://www.w3.org/2001/XMLSchema-instance" xmlns:pc="http://schemas.microsoft.com/office/infopath/2007/PartnerControls">
+  <documentManagement/>
+</p:properties>
+</file>
+
+<file path=customXml/item2.xml><?xml version="1.0" encoding="utf-8"?>
 <ct:contentTypeSchema xmlns:ct="http://schemas.microsoft.com/office/2006/metadata/contentType" xmlns:ma="http://schemas.microsoft.com/office/2006/metadata/properties/metaAttributes" ct:_="" ma:_="" ma:contentTypeName="Document" ma:contentTypeID="0x010100DE31C2608C027D4C9CCB72E0D39228BB" ma:contentTypeVersion="2" ma:contentTypeDescription="Create a new document." ma:contentTypeScope="" ma:versionID="fce8bd586bcdb5d0f6a300175c72fa5e">
   <xsd:schema xmlns:xsd="http://www.w3.org/2001/XMLSchema" xmlns:xs="http://www.w3.org/2001/XMLSchema" xmlns:p="http://schemas.microsoft.com/office/2006/metadata/properties" xmlns:ns2="2d3d17f9-0dc7-42f3-8932-8eae37b95599" targetNamespace="http://schemas.microsoft.com/office/2006/metadata/properties" ma:root="true" ma:fieldsID="c1cd4aee4f29687a989812f9cadd6e11" ns2:_="">
     <xsd:import namespace="2d3d17f9-0dc7-42f3-8932-8eae37b95599"/>
@@ -6852,12 +6858,6 @@
 </ct:contentTypeSchema>
 </file>
 
-<file path=customXml/item2.xml><?xml version="1.0" encoding="utf-8"?>
-<p:properties xmlns:p="http://schemas.microsoft.com/office/2006/metadata/properties" xmlns:xsi="http://www.w3.org/2001/XMLSchema-instance" xmlns:pc="http://schemas.microsoft.com/office/infopath/2007/PartnerControls">
-  <documentManagement/>
-</p:properties>
-</file>
-
 <file path=customXml/item3.xml><?xml version="1.0" encoding="utf-8"?>
 <?mso-contentType ?>
 <FormTemplates xmlns="http://schemas.microsoft.com/sharepoint/v3/contenttype/forms">
@@ -6868,6 +6868,22 @@
 </file>
 
 <file path=customXml/itemProps1.xml><?xml version="1.0" encoding="utf-8"?>
+<ds:datastoreItem xmlns:ds="http://schemas.openxmlformats.org/officeDocument/2006/customXml" ds:itemID="{44AA3C33-C817-4C29-B68E-48FE50772B54}">
+  <ds:schemaRefs>
+    <ds:schemaRef ds:uri="http://schemas.microsoft.com/office/2006/documentManagement/types"/>
+    <ds:schemaRef ds:uri="http://www.w3.org/XML/1998/namespace"/>
+    <ds:schemaRef ds:uri="http://schemas.microsoft.com/office/infopath/2007/PartnerControls"/>
+    <ds:schemaRef ds:uri="http://purl.org/dc/terms/"/>
+    <ds:schemaRef ds:uri="http://schemas.openxmlformats.org/package/2006/metadata/core-properties"/>
+    <ds:schemaRef ds:uri="http://purl.org/dc/dcmitype/"/>
+    <ds:schemaRef ds:uri="http://purl.org/dc/elements/1.1/"/>
+    <ds:schemaRef ds:uri="2d3d17f9-0dc7-42f3-8932-8eae37b95599"/>
+    <ds:schemaRef ds:uri="http://schemas.microsoft.com/office/2006/metadata/properties"/>
+  </ds:schemaRefs>
+</ds:datastoreItem>
+</file>
+
+<file path=customXml/itemProps2.xml><?xml version="1.0" encoding="utf-8"?>
 <ds:datastoreItem xmlns:ds="http://schemas.openxmlformats.org/officeDocument/2006/customXml" ds:itemID="{925AB6CC-A21A-4287-BCB6-9342910F03BB}">
   <ds:schemaRefs>
     <ds:schemaRef ds:uri="http://schemas.microsoft.com/office/2006/metadata/contentType"/>
@@ -6885,22 +6901,6 @@
 </ds:datastoreItem>
 </file>
 
-<file path=customXml/itemProps2.xml><?xml version="1.0" encoding="utf-8"?>
-<ds:datastoreItem xmlns:ds="http://schemas.openxmlformats.org/officeDocument/2006/customXml" ds:itemID="{44AA3C33-C817-4C29-B68E-48FE50772B54}">
-  <ds:schemaRefs>
-    <ds:schemaRef ds:uri="http://schemas.microsoft.com/office/2006/documentManagement/types"/>
-    <ds:schemaRef ds:uri="http://www.w3.org/XML/1998/namespace"/>
-    <ds:schemaRef ds:uri="http://schemas.microsoft.com/office/infopath/2007/PartnerControls"/>
-    <ds:schemaRef ds:uri="http://purl.org/dc/terms/"/>
-    <ds:schemaRef ds:uri="http://schemas.openxmlformats.org/package/2006/metadata/core-properties"/>
-    <ds:schemaRef ds:uri="http://purl.org/dc/dcmitype/"/>
-    <ds:schemaRef ds:uri="http://purl.org/dc/elements/1.1/"/>
-    <ds:schemaRef ds:uri="2d3d17f9-0dc7-42f3-8932-8eae37b95599"/>
-    <ds:schemaRef ds:uri="http://schemas.microsoft.com/office/2006/metadata/properties"/>
-  </ds:schemaRefs>
-</ds:datastoreItem>
-</file>
-
 <file path=customXml/itemProps3.xml><?xml version="1.0" encoding="utf-8"?>
 <ds:datastoreItem xmlns:ds="http://schemas.openxmlformats.org/officeDocument/2006/customXml" ds:itemID="{F5C704F8-E492-4D0C-B57C-F66B10524C56}">
   <ds:schemaRefs>

--- a/ui5con2019-mean-stack-ui5.pptx
+++ b/ui5con2019-mean-stack-ui5.pptx
@@ -5,18 +5,21 @@
     <p:sldMasterId id="2147483733" r:id="rId4"/>
   </p:sldMasterIdLst>
   <p:notesMasterIdLst>
-    <p:notesMasterId r:id="rId11"/>
+    <p:notesMasterId r:id="rId14"/>
   </p:notesMasterIdLst>
   <p:handoutMasterIdLst>
-    <p:handoutMasterId r:id="rId12"/>
+    <p:handoutMasterId r:id="rId15"/>
   </p:handoutMasterIdLst>
   <p:sldIdLst>
     <p:sldId id="434" r:id="rId5"/>
     <p:sldId id="444" r:id="rId6"/>
-    <p:sldId id="440" r:id="rId7"/>
-    <p:sldId id="443" r:id="rId8"/>
-    <p:sldId id="442" r:id="rId9"/>
-    <p:sldId id="413" r:id="rId10"/>
+    <p:sldId id="443" r:id="rId7"/>
+    <p:sldId id="446" r:id="rId8"/>
+    <p:sldId id="445" r:id="rId9"/>
+    <p:sldId id="447" r:id="rId10"/>
+    <p:sldId id="448" r:id="rId11"/>
+    <p:sldId id="442" r:id="rId12"/>
+    <p:sldId id="413" r:id="rId13"/>
   </p:sldIdLst>
   <p:sldSz cx="12195175" cy="6858000"/>
   <p:notesSz cx="6797675" cy="9928225"/>
@@ -170,14 +173,6 @@
     </p:ext>
   </p:extLst>
 </p:presentation>
-</file>
-
-<file path=ppt/revisionInfo.xml><?xml version="1.0" encoding="utf-8"?>
-<p1510:revInfo xmlns:a="http://schemas.openxmlformats.org/drawingml/2006/main" xmlns:r="http://schemas.openxmlformats.org/officeDocument/2006/relationships" xmlns:p1510="http://schemas.microsoft.com/office/powerpoint/2015/10/main">
-  <p1510:revLst>
-    <p1510:client id="{203D238B-6374-6943-83D5-BAEDCC5B3E2B}" v="84" dt="2019-05-25T11:11:42.658"/>
-  </p1510:revLst>
-</p1510:revInfo>
 </file>
 
 <file path=ppt/changesInfos/changesInfo1.xml><?xml version="1.0" encoding="utf-8"?>
@@ -1883,7 +1878,7 @@
             <a:fld id="{7D8C2C35-2B8A-446E-BEC0-FD36716C29AC}" type="slidenum">
               <a:rPr lang="de-DE" smtClean="0"/>
               <a:pPr/>
-              <a:t>5</a:t>
+              <a:t>3</a:t>
             </a:fld>
             <a:endParaRPr lang="de-DE"/>
           </a:p>
@@ -1892,7 +1887,7 @@
     </p:spTree>
     <p:extLst>
       <p:ext uri="{BB962C8B-B14F-4D97-AF65-F5344CB8AC3E}">
-        <p14:creationId xmlns:p14="http://schemas.microsoft.com/office/powerpoint/2010/main" val="2641670643"/>
+        <p14:creationId xmlns:p14="http://schemas.microsoft.com/office/powerpoint/2010/main" val="215363078"/>
       </p:ext>
     </p:extLst>
   </p:cSld>
@@ -1968,7 +1963,92 @@
             <a:fld id="{7D8C2C35-2B8A-446E-BEC0-FD36716C29AC}" type="slidenum">
               <a:rPr lang="de-DE" smtClean="0"/>
               <a:pPr/>
-              <a:t>6</a:t>
+              <a:t>8</a:t>
+            </a:fld>
+            <a:endParaRPr lang="de-DE"/>
+          </a:p>
+        </p:txBody>
+      </p:sp>
+    </p:spTree>
+    <p:extLst>
+      <p:ext uri="{BB962C8B-B14F-4D97-AF65-F5344CB8AC3E}">
+        <p14:creationId xmlns:p14="http://schemas.microsoft.com/office/powerpoint/2010/main" val="2641670643"/>
+      </p:ext>
+    </p:extLst>
+  </p:cSld>
+  <p:clrMapOvr>
+    <a:masterClrMapping/>
+  </p:clrMapOvr>
+</p:notes>
+</file>
+
+<file path=ppt/notesSlides/notesSlide4.xml><?xml version="1.0" encoding="utf-8"?>
+<p:notes xmlns:a="http://schemas.openxmlformats.org/drawingml/2006/main" xmlns:r="http://schemas.openxmlformats.org/officeDocument/2006/relationships" xmlns:p="http://schemas.openxmlformats.org/presentationml/2006/main">
+  <p:cSld>
+    <p:spTree>
+      <p:nvGrpSpPr>
+        <p:cNvPr id="1" name=""/>
+        <p:cNvGrpSpPr/>
+        <p:nvPr/>
+      </p:nvGrpSpPr>
+      <p:grpSpPr>
+        <a:xfrm>
+          <a:off x="0" y="0"/>
+          <a:ext cx="0" cy="0"/>
+          <a:chOff x="0" y="0"/>
+          <a:chExt cx="0" cy="0"/>
+        </a:xfrm>
+      </p:grpSpPr>
+      <p:sp>
+        <p:nvSpPr>
+          <p:cNvPr id="2" name="Slide Image Placeholder 1"/>
+          <p:cNvSpPr>
+            <a:spLocks noGrp="1" noRot="1" noChangeAspect="1"/>
+          </p:cNvSpPr>
+          <p:nvPr>
+            <p:ph type="sldImg"/>
+          </p:nvPr>
+        </p:nvSpPr>
+        <p:spPr/>
+      </p:sp>
+      <p:sp>
+        <p:nvSpPr>
+          <p:cNvPr id="3" name="Notes Placeholder 2"/>
+          <p:cNvSpPr>
+            <a:spLocks noGrp="1"/>
+          </p:cNvSpPr>
+          <p:nvPr>
+            <p:ph type="body" idx="1"/>
+          </p:nvPr>
+        </p:nvSpPr>
+        <p:spPr/>
+        <p:txBody>
+          <a:bodyPr/>
+          <a:lstStyle/>
+          <a:p>
+            <a:endParaRPr lang="en-US" dirty="0"/>
+          </a:p>
+        </p:txBody>
+      </p:sp>
+      <p:sp>
+        <p:nvSpPr>
+          <p:cNvPr id="4" name="Slide Number Placeholder 3"/>
+          <p:cNvSpPr>
+            <a:spLocks noGrp="1"/>
+          </p:cNvSpPr>
+          <p:nvPr>
+            <p:ph type="sldNum" sz="quarter" idx="5"/>
+          </p:nvPr>
+        </p:nvSpPr>
+        <p:spPr/>
+        <p:txBody>
+          <a:bodyPr/>
+          <a:lstStyle/>
+          <a:p>
+            <a:fld id="{7D8C2C35-2B8A-446E-BEC0-FD36716C29AC}" type="slidenum">
+              <a:rPr lang="de-DE" smtClean="0"/>
+              <a:pPr/>
+              <a:t>9</a:t>
             </a:fld>
             <a:endParaRPr lang="de-DE"/>
           </a:p>
@@ -5061,34 +5141,6 @@
       </p:grpSpPr>
       <p:sp>
         <p:nvSpPr>
-          <p:cNvPr id="11" name="Text Placeholder 10"/>
-          <p:cNvSpPr>
-            <a:spLocks noGrp="1"/>
-          </p:cNvSpPr>
-          <p:nvPr>
-            <p:ph type="body" sz="quarter" idx="10"/>
-          </p:nvPr>
-        </p:nvSpPr>
-        <p:spPr>
-          <a:xfrm>
-            <a:off x="515574" y="1620000"/>
-            <a:ext cx="11186477" cy="4716000"/>
-          </a:xfrm>
-        </p:spPr>
-        <p:txBody>
-          <a:bodyPr/>
-          <a:lstStyle/>
-          <a:p>
-            <a:pPr lvl="0"/>
-            <a:r>
-              <a:rPr lang="en-US" dirty="0"/>
-              <a:t>TODO: Add screenshot</a:t>
-            </a:r>
-          </a:p>
-        </p:txBody>
-      </p:sp>
-      <p:sp>
-        <p:nvSpPr>
           <p:cNvPr id="4" name="Title 3"/>
           <p:cNvSpPr>
             <a:spLocks noGrp="1"/>
@@ -5118,6 +5170,36 @@
           </a:p>
         </p:txBody>
       </p:sp>
+      <p:pic>
+        <p:nvPicPr>
+          <p:cNvPr id="3" name="Picture 2">
+            <a:extLst>
+              <a:ext uri="{FF2B5EF4-FFF2-40B4-BE49-F238E27FC236}">
+                <a16:creationId xmlns:a16="http://schemas.microsoft.com/office/drawing/2014/main" id="{73A69403-BD22-8844-8FD0-344B6B33913C}"/>
+              </a:ext>
+            </a:extLst>
+          </p:cNvPr>
+          <p:cNvPicPr>
+            <a:picLocks noChangeAspect="1"/>
+          </p:cNvPicPr>
+          <p:nvPr/>
+        </p:nvPicPr>
+        <p:blipFill>
+          <a:blip r:embed="rId2"/>
+          <a:stretch>
+            <a:fillRect/>
+          </a:stretch>
+        </p:blipFill>
+        <p:spPr>
+          <a:xfrm>
+            <a:off x="1921718" y="839757"/>
+            <a:ext cx="8351737" cy="6018243"/>
+          </a:xfrm>
+          <a:prstGeom prst="rect">
+            <a:avLst/>
+          </a:prstGeom>
+        </p:spPr>
+      </p:pic>
     </p:spTree>
     <p:extLst>
       <p:ext uri="{BB962C8B-B14F-4D97-AF65-F5344CB8AC3E}">
@@ -5161,7 +5243,7 @@
         <p:spPr>
           <a:xfrm>
             <a:off x="515574" y="1620000"/>
-            <a:ext cx="11186477" cy="4716000"/>
+            <a:ext cx="5582013" cy="4716000"/>
           </a:xfrm>
         </p:spPr>
         <p:txBody>
@@ -5171,7 +5253,82 @@
             <a:pPr lvl="0"/>
             <a:r>
               <a:rPr lang="en-US" dirty="0"/>
-              <a:t>TODO: Add screenshots of GitHub branch comparison</a:t>
+              <a:t>Frontend</a:t>
+            </a:r>
+          </a:p>
+          <a:p>
+            <a:pPr lvl="1"/>
+            <a:r>
+              <a:rPr lang="en-US" dirty="0"/>
+              <a:t>UI5</a:t>
+            </a:r>
+          </a:p>
+          <a:p>
+            <a:pPr lvl="1"/>
+            <a:r>
+              <a:rPr lang="en-US" dirty="0"/>
+              <a:t>TypeScript</a:t>
+            </a:r>
+          </a:p>
+          <a:p>
+            <a:pPr lvl="1"/>
+            <a:r>
+              <a:rPr lang="en-US" dirty="0" err="1"/>
+              <a:t>GraphQL</a:t>
+            </a:r>
+            <a:r>
+              <a:rPr lang="en-US" dirty="0"/>
+              <a:t> Client</a:t>
+            </a:r>
+          </a:p>
+          <a:p>
+            <a:pPr lvl="1"/>
+            <a:r>
+              <a:rPr lang="en-US" dirty="0"/>
+              <a:t>PWA</a:t>
+            </a:r>
+          </a:p>
+          <a:p>
+            <a:pPr lvl="1"/>
+            <a:endParaRPr lang="en-US" dirty="0"/>
+          </a:p>
+          <a:p>
+            <a:pPr lvl="0"/>
+            <a:r>
+              <a:rPr lang="en-US" dirty="0"/>
+              <a:t>Backend</a:t>
+            </a:r>
+          </a:p>
+          <a:p>
+            <a:pPr lvl="1"/>
+            <a:r>
+              <a:rPr lang="en-US" dirty="0"/>
+              <a:t>Node</a:t>
+            </a:r>
+          </a:p>
+          <a:p>
+            <a:pPr lvl="1"/>
+            <a:r>
+              <a:rPr lang="en-US" dirty="0"/>
+              <a:t>Express</a:t>
+            </a:r>
+          </a:p>
+          <a:p>
+            <a:pPr lvl="1"/>
+            <a:r>
+              <a:rPr lang="en-US" dirty="0"/>
+              <a:t>MongoDB</a:t>
+            </a:r>
+          </a:p>
+          <a:p>
+            <a:pPr lvl="1"/>
+            <a:r>
+              <a:rPr lang="en-US" dirty="0" err="1"/>
+              <a:t>GraphQL</a:t>
+            </a:r>
+            <a:r>
+              <a:rPr lang="en-US" dirty="0"/>
+              <a:t> Server</a:t>
             </a:r>
           </a:p>
         </p:txBody>
@@ -5198,19 +5355,290 @@
           <a:p>
             <a:r>
               <a:rPr lang="en-US" dirty="0"/>
-              <a:t>Session Structure</a:t>
+              <a:t>Agenda</a:t>
             </a:r>
             <a:br>
               <a:rPr lang="en-US" dirty="0"/>
             </a:br>
             <a:endParaRPr lang="en-US" sz="1800" b="0" dirty="0"/>
+          </a:p>
+        </p:txBody>
+      </p:sp>
+      <p:sp>
+        <p:nvSpPr>
+          <p:cNvPr id="5" name="Text Placeholder 10">
+            <a:extLst>
+              <a:ext uri="{FF2B5EF4-FFF2-40B4-BE49-F238E27FC236}">
+                <a16:creationId xmlns:a16="http://schemas.microsoft.com/office/drawing/2014/main" id="{05B8DF12-0F24-7C4C-BC84-AD1B2F1F6850}"/>
+              </a:ext>
+            </a:extLst>
+          </p:cNvPr>
+          <p:cNvSpPr txBox="1">
+            <a:spLocks/>
+          </p:cNvSpPr>
+          <p:nvPr/>
+        </p:nvSpPr>
+        <p:spPr bwMode="black">
+          <a:xfrm>
+            <a:off x="6097587" y="1620000"/>
+            <a:ext cx="5582014" cy="4716000"/>
+          </a:xfrm>
+          <a:prstGeom prst="rect">
+            <a:avLst/>
+          </a:prstGeom>
+        </p:spPr>
+        <p:txBody>
+          <a:bodyPr vert="horz" lIns="0" tIns="0" rIns="0" bIns="0" rtlCol="0">
+            <a:noAutofit/>
+          </a:bodyPr>
+          <a:lstStyle>
+            <a:lvl1pPr marL="0" indent="0" algn="l" defTabSz="1088558" rtl="0" eaLnBrk="1" latinLnBrk="0" hangingPunct="1">
+              <a:spcBef>
+                <a:spcPts val="1800"/>
+              </a:spcBef>
+              <a:buClr>
+                <a:schemeClr val="accent1"/>
+              </a:buClr>
+              <a:buSzPct val="80000"/>
+              <a:buFontTx/>
+              <a:buNone/>
+              <a:defRPr sz="2000" b="0" kern="1200">
+                <a:solidFill>
+                  <a:schemeClr val="tx1"/>
+                </a:solidFill>
+                <a:latin typeface="+mn-lt"/>
+                <a:ea typeface="+mn-ea"/>
+                <a:cs typeface="+mn-cs"/>
+              </a:defRPr>
+            </a:lvl1pPr>
+            <a:lvl2pPr marL="179964" indent="-179964" algn="l" defTabSz="1088558" rtl="0" eaLnBrk="1" latinLnBrk="0" hangingPunct="1">
+              <a:spcBef>
+                <a:spcPts val="600"/>
+              </a:spcBef>
+              <a:buClr>
+                <a:schemeClr val="accent1"/>
+              </a:buClr>
+              <a:buSzPct val="100000"/>
+              <a:buFont typeface="Wingdings" pitchFamily="2" charset="2"/>
+              <a:buChar char="§"/>
+              <a:defRPr sz="1800" kern="1200">
+                <a:solidFill>
+                  <a:schemeClr val="tx1"/>
+                </a:solidFill>
+                <a:latin typeface="+mn-lt"/>
+                <a:ea typeface="+mn-ea"/>
+                <a:cs typeface="+mn-cs"/>
+              </a:defRPr>
+            </a:lvl2pPr>
+            <a:lvl3pPr marL="358775" indent="-179388" algn="l" defTabSz="1088558" rtl="0" eaLnBrk="1" latinLnBrk="0" hangingPunct="1">
+              <a:spcBef>
+                <a:spcPts val="300"/>
+              </a:spcBef>
+              <a:buClr>
+                <a:schemeClr val="tx1"/>
+              </a:buClr>
+              <a:buSzPct val="100000"/>
+              <a:buFont typeface="Arial" panose="020B0604020202020204" pitchFamily="34" charset="0"/>
+              <a:buChar char="–"/>
+              <a:defRPr lang="en-US" sz="1800" kern="1200" noProof="0" dirty="0" smtClean="0">
+                <a:solidFill>
+                  <a:schemeClr val="tx1"/>
+                </a:solidFill>
+                <a:latin typeface="+mn-lt"/>
+                <a:ea typeface="+mn-ea"/>
+                <a:cs typeface="+mn-cs"/>
+              </a:defRPr>
+            </a:lvl3pPr>
+            <a:lvl4pPr marL="539892" indent="-179964" algn="l" defTabSz="1088558" rtl="0" eaLnBrk="1" latinLnBrk="0" hangingPunct="1">
+              <a:spcBef>
+                <a:spcPts val="300"/>
+              </a:spcBef>
+              <a:buClr>
+                <a:schemeClr val="tx1"/>
+              </a:buClr>
+              <a:buSzPct val="120000"/>
+              <a:buFont typeface="Arial" pitchFamily="34" charset="0"/>
+              <a:buChar char="▫"/>
+              <a:defRPr sz="1600" kern="1200">
+                <a:solidFill>
+                  <a:schemeClr val="tx1"/>
+                </a:solidFill>
+                <a:latin typeface="+mn-lt"/>
+                <a:ea typeface="+mn-ea"/>
+                <a:cs typeface="+mn-cs"/>
+              </a:defRPr>
+            </a:lvl4pPr>
+            <a:lvl5pPr marL="719856" indent="-179964" algn="l" defTabSz="1088558" rtl="0" eaLnBrk="1" latinLnBrk="0" hangingPunct="1">
+              <a:spcBef>
+                <a:spcPts val="100"/>
+              </a:spcBef>
+              <a:buClr>
+                <a:schemeClr val="tx1"/>
+              </a:buClr>
+              <a:buSzPct val="100000"/>
+              <a:buFont typeface="Symbol" panose="05050102010706020507" pitchFamily="18" charset="2"/>
+              <a:buChar char="-"/>
+              <a:defRPr sz="1400" kern="1200" baseline="0">
+                <a:solidFill>
+                  <a:schemeClr val="tx1"/>
+                </a:solidFill>
+                <a:latin typeface="+mn-lt"/>
+                <a:ea typeface="+mn-ea"/>
+                <a:cs typeface="+mn-cs"/>
+              </a:defRPr>
+            </a:lvl5pPr>
+            <a:lvl6pPr marL="2993535" indent="-272140" algn="l" defTabSz="1088558" rtl="0" eaLnBrk="1" latinLnBrk="0" hangingPunct="1">
+              <a:spcBef>
+                <a:spcPct val="20000"/>
+              </a:spcBef>
+              <a:buFont typeface="Arial" pitchFamily="34" charset="0"/>
+              <a:buChar char="•"/>
+              <a:defRPr sz="2400" kern="1200">
+                <a:solidFill>
+                  <a:schemeClr val="tx1"/>
+                </a:solidFill>
+                <a:latin typeface="+mn-lt"/>
+                <a:ea typeface="+mn-ea"/>
+                <a:cs typeface="+mn-cs"/>
+              </a:defRPr>
+            </a:lvl6pPr>
+            <a:lvl7pPr marL="3537814" indent="-272140" algn="l" defTabSz="1088558" rtl="0" eaLnBrk="1" latinLnBrk="0" hangingPunct="1">
+              <a:spcBef>
+                <a:spcPct val="20000"/>
+              </a:spcBef>
+              <a:buFont typeface="Arial" pitchFamily="34" charset="0"/>
+              <a:buChar char="•"/>
+              <a:defRPr sz="2400" kern="1200">
+                <a:solidFill>
+                  <a:schemeClr val="tx1"/>
+                </a:solidFill>
+                <a:latin typeface="+mn-lt"/>
+                <a:ea typeface="+mn-ea"/>
+                <a:cs typeface="+mn-cs"/>
+              </a:defRPr>
+            </a:lvl7pPr>
+            <a:lvl8pPr marL="4082093" indent="-272140" algn="l" defTabSz="1088558" rtl="0" eaLnBrk="1" latinLnBrk="0" hangingPunct="1">
+              <a:spcBef>
+                <a:spcPct val="20000"/>
+              </a:spcBef>
+              <a:buFont typeface="Arial" pitchFamily="34" charset="0"/>
+              <a:buChar char="•"/>
+              <a:defRPr sz="2400" kern="1200">
+                <a:solidFill>
+                  <a:schemeClr val="tx1"/>
+                </a:solidFill>
+                <a:latin typeface="+mn-lt"/>
+                <a:ea typeface="+mn-ea"/>
+                <a:cs typeface="+mn-cs"/>
+              </a:defRPr>
+            </a:lvl8pPr>
+            <a:lvl9pPr marL="4626373" indent="-272140" algn="l" defTabSz="1088558" rtl="0" eaLnBrk="1" latinLnBrk="0" hangingPunct="1">
+              <a:spcBef>
+                <a:spcPct val="20000"/>
+              </a:spcBef>
+              <a:buFont typeface="Arial" pitchFamily="34" charset="0"/>
+              <a:buChar char="•"/>
+              <a:defRPr sz="2400" kern="1200">
+                <a:solidFill>
+                  <a:schemeClr val="tx1"/>
+                </a:solidFill>
+                <a:latin typeface="+mn-lt"/>
+                <a:ea typeface="+mn-ea"/>
+                <a:cs typeface="+mn-cs"/>
+              </a:defRPr>
+            </a:lvl9pPr>
+          </a:lstStyle>
+          <a:p>
+            <a:pPr marL="0" lvl="1" indent="0">
+              <a:buNone/>
+            </a:pPr>
+            <a:r>
+              <a:rPr lang="en-US" sz="2000" dirty="0"/>
+              <a:t>Steps</a:t>
+            </a:r>
+          </a:p>
+          <a:p>
+            <a:pPr marL="342900" lvl="1" indent="-342900">
+              <a:buFont typeface="+mj-lt"/>
+              <a:buAutoNum type="arabicPeriod"/>
+            </a:pPr>
+            <a:r>
+              <a:rPr lang="en-US" dirty="0"/>
+              <a:t>Bootstrap- initial project with dependencies.</a:t>
+            </a:r>
+          </a:p>
+          <a:p>
+            <a:pPr marL="342900" lvl="1" indent="-342900">
+              <a:buFont typeface="+mj-lt"/>
+              <a:buAutoNum type="arabicPeriod"/>
+            </a:pPr>
+            <a:r>
+              <a:rPr lang="en-US" dirty="0"/>
+              <a:t>Build a simple static server.</a:t>
+            </a:r>
+          </a:p>
+          <a:p>
+            <a:pPr marL="342900" lvl="1" indent="-342900">
+              <a:buFont typeface="+mj-lt"/>
+              <a:buAutoNum type="arabicPeriod"/>
+            </a:pPr>
+            <a:r>
+              <a:rPr lang="en-US" dirty="0"/>
+              <a:t>Frontend codding</a:t>
+            </a:r>
+            <a:endParaRPr lang="en-US" b="1" dirty="0"/>
+          </a:p>
+          <a:p>
+            <a:pPr marL="342900" lvl="1" indent="-342900">
+              <a:buFont typeface="+mj-lt"/>
+              <a:buAutoNum type="arabicPeriod"/>
+            </a:pPr>
+            <a:r>
+              <a:rPr lang="en-US" dirty="0"/>
+              <a:t>Backend + </a:t>
+            </a:r>
+            <a:r>
+              <a:rPr lang="en-US" dirty="0" err="1"/>
+              <a:t>GraphQL</a:t>
+            </a:r>
+            <a:endParaRPr lang="en-US" dirty="0"/>
+          </a:p>
+          <a:p>
+            <a:pPr marL="342900" lvl="1" indent="-342900">
+              <a:buFont typeface="+mj-lt"/>
+              <a:buAutoNum type="arabicPeriod"/>
+            </a:pPr>
+            <a:r>
+              <a:rPr lang="en-US" dirty="0"/>
+              <a:t>Build a self-containing UI5 app</a:t>
+            </a:r>
+          </a:p>
+          <a:p>
+            <a:pPr marL="342900" lvl="1" indent="-342900">
+              <a:buFont typeface="+mj-lt"/>
+              <a:buAutoNum type="arabicPeriod"/>
+            </a:pPr>
+            <a:r>
+              <a:rPr lang="en-US" dirty="0"/>
+              <a:t>UI5 as Progressive Web App</a:t>
+            </a:r>
+          </a:p>
+          <a:p>
+            <a:pPr marL="342900" lvl="1" indent="-342900">
+              <a:buFont typeface="+mj-lt"/>
+              <a:buAutoNum type="arabicPeriod"/>
+            </a:pPr>
+            <a:r>
+              <a:rPr lang="en-US" dirty="0"/>
+              <a:t>* Bonus</a:t>
+            </a:r>
           </a:p>
         </p:txBody>
       </p:sp>
     </p:spTree>
     <p:extLst>
       <p:ext uri="{BB962C8B-B14F-4D97-AF65-F5344CB8AC3E}">
-        <p14:creationId xmlns:p14="http://schemas.microsoft.com/office/powerpoint/2010/main" val="662703932"/>
+        <p14:creationId xmlns:p14="http://schemas.microsoft.com/office/powerpoint/2010/main" val="3249118686"/>
       </p:ext>
     </p:extLst>
   </p:cSld>
@@ -5239,107 +5667,95 @@
       </p:grpSpPr>
       <p:sp>
         <p:nvSpPr>
-          <p:cNvPr id="11" name="Text Placeholder 10"/>
+          <p:cNvPr id="4" name="Title 3"/>
           <p:cNvSpPr>
             <a:spLocks noGrp="1"/>
           </p:cNvSpPr>
           <p:nvPr>
-            <p:ph type="body" sz="quarter" idx="10"/>
+            <p:ph type="title"/>
           </p:nvPr>
         </p:nvSpPr>
         <p:spPr>
           <a:xfrm>
-            <a:off x="515574" y="1620000"/>
-            <a:ext cx="11186477" cy="4716000"/>
+            <a:off x="504001" y="504000"/>
+            <a:ext cx="11186476" cy="646331"/>
           </a:xfrm>
         </p:spPr>
         <p:txBody>
           <a:bodyPr/>
           <a:lstStyle/>
           <a:p>
-            <a:pPr lvl="0"/>
             <a:r>
               <a:rPr lang="en-US" dirty="0"/>
-              <a:t>Frontend</a:t>
-            </a:r>
-          </a:p>
-          <a:p>
-            <a:pPr lvl="1"/>
-            <a:r>
+              <a:t>Session Structure</a:t>
+            </a:r>
+            <a:br>
               <a:rPr lang="en-US" dirty="0"/>
-              <a:t>UI5</a:t>
-            </a:r>
-          </a:p>
-          <a:p>
-            <a:pPr lvl="1"/>
-            <a:r>
-              <a:rPr lang="en-US" dirty="0"/>
-              <a:t>TypeScript</a:t>
-            </a:r>
-          </a:p>
-          <a:p>
-            <a:pPr lvl="1"/>
-            <a:r>
-              <a:rPr lang="en-US" dirty="0" err="1"/>
-              <a:t>GraphQL</a:t>
-            </a:r>
-            <a:r>
-              <a:rPr lang="en-US" dirty="0"/>
-              <a:t> Client</a:t>
-            </a:r>
-          </a:p>
-          <a:p>
-            <a:pPr lvl="1"/>
-            <a:r>
-              <a:rPr lang="en-US" dirty="0"/>
-              <a:t>PWA</a:t>
-            </a:r>
-          </a:p>
-          <a:p>
-            <a:pPr lvl="1"/>
-            <a:endParaRPr lang="en-US" dirty="0"/>
-          </a:p>
-          <a:p>
-            <a:pPr lvl="0"/>
-            <a:r>
-              <a:rPr lang="en-US" dirty="0"/>
-              <a:t>Backend</a:t>
-            </a:r>
-          </a:p>
-          <a:p>
-            <a:pPr lvl="1"/>
-            <a:r>
-              <a:rPr lang="en-US" dirty="0"/>
-              <a:t>Node</a:t>
-            </a:r>
-          </a:p>
-          <a:p>
-            <a:pPr lvl="1"/>
-            <a:r>
-              <a:rPr lang="en-US" dirty="0"/>
-              <a:t>Express</a:t>
-            </a:r>
-          </a:p>
-          <a:p>
-            <a:pPr lvl="1"/>
-            <a:r>
-              <a:rPr lang="en-US" dirty="0"/>
-              <a:t>MongoDB</a:t>
-            </a:r>
-          </a:p>
-          <a:p>
-            <a:pPr lvl="1"/>
-            <a:r>
-              <a:rPr lang="en-US" dirty="0" err="1"/>
-              <a:t>GraphQL</a:t>
-            </a:r>
-            <a:r>
-              <a:rPr lang="en-US" dirty="0"/>
-              <a:t> Server</a:t>
-            </a:r>
+            </a:br>
+            <a:endParaRPr lang="en-US" sz="1800" b="0" dirty="0"/>
           </a:p>
         </p:txBody>
       </p:sp>
+      <p:pic>
+        <p:nvPicPr>
+          <p:cNvPr id="8" name="Picture 7">
+            <a:extLst>
+              <a:ext uri="{FF2B5EF4-FFF2-40B4-BE49-F238E27FC236}">
+                <a16:creationId xmlns:a16="http://schemas.microsoft.com/office/drawing/2014/main" id="{59F5A854-2727-3347-843E-6AA942F09986}"/>
+              </a:ext>
+            </a:extLst>
+          </p:cNvPr>
+          <p:cNvPicPr>
+            <a:picLocks noChangeAspect="1"/>
+          </p:cNvPicPr>
+          <p:nvPr/>
+        </p:nvPicPr>
+        <p:blipFill>
+          <a:blip r:embed="rId2"/>
+          <a:stretch>
+            <a:fillRect/>
+          </a:stretch>
+        </p:blipFill>
+        <p:spPr>
+          <a:xfrm>
+            <a:off x="0" y="29631"/>
+            <a:ext cx="12195175" cy="6852987"/>
+          </a:xfrm>
+          <a:prstGeom prst="rect">
+            <a:avLst/>
+          </a:prstGeom>
+        </p:spPr>
+      </p:pic>
+    </p:spTree>
+    <p:extLst>
+      <p:ext uri="{BB962C8B-B14F-4D97-AF65-F5344CB8AC3E}">
+        <p14:creationId xmlns:p14="http://schemas.microsoft.com/office/powerpoint/2010/main" val="74895801"/>
+      </p:ext>
+    </p:extLst>
+  </p:cSld>
+  <p:clrMapOvr>
+    <a:masterClrMapping/>
+  </p:clrMapOvr>
+</p:sld>
+</file>
+
+<file path=ppt/slides/slide5.xml><?xml version="1.0" encoding="utf-8"?>
+<p:sld xmlns:a="http://schemas.openxmlformats.org/drawingml/2006/main" xmlns:r="http://schemas.openxmlformats.org/officeDocument/2006/relationships" xmlns:p="http://schemas.openxmlformats.org/presentationml/2006/main">
+  <p:cSld>
+    <p:spTree>
+      <p:nvGrpSpPr>
+        <p:cNvPr id="1" name=""/>
+        <p:cNvGrpSpPr/>
+        <p:nvPr/>
+      </p:nvGrpSpPr>
+      <p:grpSpPr>
+        <a:xfrm>
+          <a:off x="0" y="0"/>
+          <a:ext cx="0" cy="0"/>
+          <a:chOff x="0" y="0"/>
+          <a:chExt cx="0" cy="0"/>
+        </a:xfrm>
+      </p:grpSpPr>
       <p:sp>
         <p:nvSpPr>
           <p:cNvPr id="4" name="Title 3"/>
@@ -5362,7 +5778,7 @@
           <a:p>
             <a:r>
               <a:rPr lang="en-US" dirty="0"/>
-              <a:t>Agenda</a:t>
+              <a:t>Session Structure</a:t>
             </a:r>
             <a:br>
               <a:rPr lang="en-US" dirty="0"/>
@@ -5371,10 +5787,40 @@
           </a:p>
         </p:txBody>
       </p:sp>
+      <p:pic>
+        <p:nvPicPr>
+          <p:cNvPr id="6" name="Picture 5">
+            <a:extLst>
+              <a:ext uri="{FF2B5EF4-FFF2-40B4-BE49-F238E27FC236}">
+                <a16:creationId xmlns:a16="http://schemas.microsoft.com/office/drawing/2014/main" id="{70675E82-7521-E54B-9535-79BBDF961C99}"/>
+              </a:ext>
+            </a:extLst>
+          </p:cNvPr>
+          <p:cNvPicPr>
+            <a:picLocks noChangeAspect="1"/>
+          </p:cNvPicPr>
+          <p:nvPr/>
+        </p:nvPicPr>
+        <p:blipFill>
+          <a:blip r:embed="rId2"/>
+          <a:stretch>
+            <a:fillRect/>
+          </a:stretch>
+        </p:blipFill>
+        <p:spPr>
+          <a:xfrm>
+            <a:off x="0" y="111195"/>
+            <a:ext cx="12195175" cy="6635610"/>
+          </a:xfrm>
+          <a:prstGeom prst="rect">
+            <a:avLst/>
+          </a:prstGeom>
+        </p:spPr>
+      </p:pic>
     </p:spTree>
     <p:extLst>
       <p:ext uri="{BB962C8B-B14F-4D97-AF65-F5344CB8AC3E}">
-        <p14:creationId xmlns:p14="http://schemas.microsoft.com/office/powerpoint/2010/main" val="3249118686"/>
+        <p14:creationId xmlns:p14="http://schemas.microsoft.com/office/powerpoint/2010/main" val="1123086846"/>
       </p:ext>
     </p:extLst>
   </p:cSld>
@@ -5384,7 +5830,189 @@
 </p:sld>
 </file>
 
-<file path=ppt/slides/slide5.xml><?xml version="1.0" encoding="utf-8"?>
+<file path=ppt/slides/slide6.xml><?xml version="1.0" encoding="utf-8"?>
+<p:sld xmlns:a="http://schemas.openxmlformats.org/drawingml/2006/main" xmlns:r="http://schemas.openxmlformats.org/officeDocument/2006/relationships" xmlns:p="http://schemas.openxmlformats.org/presentationml/2006/main">
+  <p:cSld>
+    <p:spTree>
+      <p:nvGrpSpPr>
+        <p:cNvPr id="1" name=""/>
+        <p:cNvGrpSpPr/>
+        <p:nvPr/>
+      </p:nvGrpSpPr>
+      <p:grpSpPr>
+        <a:xfrm>
+          <a:off x="0" y="0"/>
+          <a:ext cx="0" cy="0"/>
+          <a:chOff x="0" y="0"/>
+          <a:chExt cx="0" cy="0"/>
+        </a:xfrm>
+      </p:grpSpPr>
+      <p:sp>
+        <p:nvSpPr>
+          <p:cNvPr id="4" name="Title 3"/>
+          <p:cNvSpPr>
+            <a:spLocks noGrp="1"/>
+          </p:cNvSpPr>
+          <p:nvPr>
+            <p:ph type="title"/>
+          </p:nvPr>
+        </p:nvSpPr>
+        <p:spPr>
+          <a:xfrm>
+            <a:off x="504001" y="504000"/>
+            <a:ext cx="11186476" cy="646331"/>
+          </a:xfrm>
+        </p:spPr>
+        <p:txBody>
+          <a:bodyPr/>
+          <a:lstStyle/>
+          <a:p>
+            <a:r>
+              <a:rPr lang="en-US" dirty="0"/>
+              <a:t>Session Structure</a:t>
+            </a:r>
+            <a:br>
+              <a:rPr lang="en-US" dirty="0"/>
+            </a:br>
+            <a:endParaRPr lang="en-US" sz="1800" b="0" dirty="0"/>
+          </a:p>
+        </p:txBody>
+      </p:sp>
+      <p:pic>
+        <p:nvPicPr>
+          <p:cNvPr id="10" name="Picture 9">
+            <a:extLst>
+              <a:ext uri="{FF2B5EF4-FFF2-40B4-BE49-F238E27FC236}">
+                <a16:creationId xmlns:a16="http://schemas.microsoft.com/office/drawing/2014/main" id="{A127A165-E041-0045-80AD-8B454E6B5DE8}"/>
+              </a:ext>
+            </a:extLst>
+          </p:cNvPr>
+          <p:cNvPicPr>
+            <a:picLocks noChangeAspect="1"/>
+          </p:cNvPicPr>
+          <p:nvPr/>
+        </p:nvPicPr>
+        <p:blipFill>
+          <a:blip r:embed="rId2"/>
+          <a:stretch>
+            <a:fillRect/>
+          </a:stretch>
+        </p:blipFill>
+        <p:spPr>
+          <a:xfrm>
+            <a:off x="48479" y="1406746"/>
+            <a:ext cx="12195175" cy="4044507"/>
+          </a:xfrm>
+          <a:prstGeom prst="rect">
+            <a:avLst/>
+          </a:prstGeom>
+        </p:spPr>
+      </p:pic>
+    </p:spTree>
+    <p:extLst>
+      <p:ext uri="{BB962C8B-B14F-4D97-AF65-F5344CB8AC3E}">
+        <p14:creationId xmlns:p14="http://schemas.microsoft.com/office/powerpoint/2010/main" val="30493851"/>
+      </p:ext>
+    </p:extLst>
+  </p:cSld>
+  <p:clrMapOvr>
+    <a:masterClrMapping/>
+  </p:clrMapOvr>
+</p:sld>
+</file>
+
+<file path=ppt/slides/slide7.xml><?xml version="1.0" encoding="utf-8"?>
+<p:sld xmlns:a="http://schemas.openxmlformats.org/drawingml/2006/main" xmlns:r="http://schemas.openxmlformats.org/officeDocument/2006/relationships" xmlns:p="http://schemas.openxmlformats.org/presentationml/2006/main">
+  <p:cSld>
+    <p:spTree>
+      <p:nvGrpSpPr>
+        <p:cNvPr id="1" name=""/>
+        <p:cNvGrpSpPr/>
+        <p:nvPr/>
+      </p:nvGrpSpPr>
+      <p:grpSpPr>
+        <a:xfrm>
+          <a:off x="0" y="0"/>
+          <a:ext cx="0" cy="0"/>
+          <a:chOff x="0" y="0"/>
+          <a:chExt cx="0" cy="0"/>
+        </a:xfrm>
+      </p:grpSpPr>
+      <p:sp>
+        <p:nvSpPr>
+          <p:cNvPr id="4" name="Title 3"/>
+          <p:cNvSpPr>
+            <a:spLocks noGrp="1"/>
+          </p:cNvSpPr>
+          <p:nvPr>
+            <p:ph type="title"/>
+          </p:nvPr>
+        </p:nvSpPr>
+        <p:spPr>
+          <a:xfrm>
+            <a:off x="504001" y="504000"/>
+            <a:ext cx="11186476" cy="646331"/>
+          </a:xfrm>
+        </p:spPr>
+        <p:txBody>
+          <a:bodyPr/>
+          <a:lstStyle/>
+          <a:p>
+            <a:r>
+              <a:rPr lang="en-US" dirty="0"/>
+              <a:t>Session Structure</a:t>
+            </a:r>
+            <a:br>
+              <a:rPr lang="en-US" dirty="0"/>
+            </a:br>
+            <a:endParaRPr lang="en-US" sz="1800" b="0" dirty="0"/>
+          </a:p>
+        </p:txBody>
+      </p:sp>
+      <p:pic>
+        <p:nvPicPr>
+          <p:cNvPr id="13" name="Picture 12">
+            <a:extLst>
+              <a:ext uri="{FF2B5EF4-FFF2-40B4-BE49-F238E27FC236}">
+                <a16:creationId xmlns:a16="http://schemas.microsoft.com/office/drawing/2014/main" id="{130C5DD1-B284-9442-8D79-727BEBA9EC0D}"/>
+              </a:ext>
+            </a:extLst>
+          </p:cNvPr>
+          <p:cNvPicPr>
+            <a:picLocks noChangeAspect="1"/>
+          </p:cNvPicPr>
+          <p:nvPr/>
+        </p:nvPicPr>
+        <p:blipFill>
+          <a:blip r:embed="rId2"/>
+          <a:stretch>
+            <a:fillRect/>
+          </a:stretch>
+        </p:blipFill>
+        <p:spPr>
+          <a:xfrm>
+            <a:off x="-349" y="2114883"/>
+            <a:ext cx="12195175" cy="2291141"/>
+          </a:xfrm>
+          <a:prstGeom prst="rect">
+            <a:avLst/>
+          </a:prstGeom>
+        </p:spPr>
+      </p:pic>
+    </p:spTree>
+    <p:extLst>
+      <p:ext uri="{BB962C8B-B14F-4D97-AF65-F5344CB8AC3E}">
+        <p14:creationId xmlns:p14="http://schemas.microsoft.com/office/powerpoint/2010/main" val="1013782546"/>
+      </p:ext>
+    </p:extLst>
+  </p:cSld>
+  <p:clrMapOvr>
+    <a:masterClrMapping/>
+  </p:clrMapOvr>
+</p:sld>
+</file>
+
+<file path=ppt/slides/slide8.xml><?xml version="1.0" encoding="utf-8"?>
 <p:sld xmlns:a="http://schemas.openxmlformats.org/drawingml/2006/main" xmlns:r="http://schemas.openxmlformats.org/officeDocument/2006/relationships" xmlns:p="http://schemas.openxmlformats.org/presentationml/2006/main">
   <p:cSld>
     <p:spTree>
@@ -5833,7 +6461,7 @@
 </p:sld>
 </file>
 
-<file path=ppt/slides/slide6.xml><?xml version="1.0" encoding="utf-8"?>
+<file path=ppt/slides/slide9.xml><?xml version="1.0" encoding="utf-8"?>
 <p:sld xmlns:a="http://schemas.openxmlformats.org/drawingml/2006/main" xmlns:r="http://schemas.openxmlformats.org/officeDocument/2006/relationships" xmlns:p="http://schemas.openxmlformats.org/presentationml/2006/main">
   <p:cSld>
     <p:spTree>
@@ -6721,12 +7349,6 @@
 </file>
 
 <file path=customXml/item1.xml><?xml version="1.0" encoding="utf-8"?>
-<p:properties xmlns:p="http://schemas.microsoft.com/office/2006/metadata/properties" xmlns:xsi="http://www.w3.org/2001/XMLSchema-instance" xmlns:pc="http://schemas.microsoft.com/office/infopath/2007/PartnerControls">
-  <documentManagement/>
-</p:properties>
-</file>
-
-<file path=customXml/item2.xml><?xml version="1.0" encoding="utf-8"?>
 <ct:contentTypeSchema xmlns:ct="http://schemas.microsoft.com/office/2006/metadata/contentType" xmlns:ma="http://schemas.microsoft.com/office/2006/metadata/properties/metaAttributes" ct:_="" ma:_="" ma:contentTypeName="Document" ma:contentTypeID="0x010100DE31C2608C027D4C9CCB72E0D39228BB" ma:contentTypeVersion="2" ma:contentTypeDescription="Create a new document." ma:contentTypeScope="" ma:versionID="fce8bd586bcdb5d0f6a300175c72fa5e">
   <xsd:schema xmlns:xsd="http://www.w3.org/2001/XMLSchema" xmlns:xs="http://www.w3.org/2001/XMLSchema" xmlns:p="http://schemas.microsoft.com/office/2006/metadata/properties" xmlns:ns2="2d3d17f9-0dc7-42f3-8932-8eae37b95599" targetNamespace="http://schemas.microsoft.com/office/2006/metadata/properties" ma:root="true" ma:fieldsID="c1cd4aee4f29687a989812f9cadd6e11" ns2:_="">
     <xsd:import namespace="2d3d17f9-0dc7-42f3-8932-8eae37b95599"/>
@@ -6858,6 +7480,12 @@
 </ct:contentTypeSchema>
 </file>
 
+<file path=customXml/item2.xml><?xml version="1.0" encoding="utf-8"?>
+<p:properties xmlns:p="http://schemas.microsoft.com/office/2006/metadata/properties" xmlns:xsi="http://www.w3.org/2001/XMLSchema-instance" xmlns:pc="http://schemas.microsoft.com/office/infopath/2007/PartnerControls">
+  <documentManagement/>
+</p:properties>
+</file>
+
 <file path=customXml/item3.xml><?xml version="1.0" encoding="utf-8"?>
 <?mso-contentType ?>
 <FormTemplates xmlns="http://schemas.microsoft.com/sharepoint/v3/contenttype/forms">
@@ -6868,22 +7496,6 @@
 </file>
 
 <file path=customXml/itemProps1.xml><?xml version="1.0" encoding="utf-8"?>
-<ds:datastoreItem xmlns:ds="http://schemas.openxmlformats.org/officeDocument/2006/customXml" ds:itemID="{44AA3C33-C817-4C29-B68E-48FE50772B54}">
-  <ds:schemaRefs>
-    <ds:schemaRef ds:uri="http://schemas.microsoft.com/office/2006/documentManagement/types"/>
-    <ds:schemaRef ds:uri="http://www.w3.org/XML/1998/namespace"/>
-    <ds:schemaRef ds:uri="http://schemas.microsoft.com/office/infopath/2007/PartnerControls"/>
-    <ds:schemaRef ds:uri="http://purl.org/dc/terms/"/>
-    <ds:schemaRef ds:uri="http://schemas.openxmlformats.org/package/2006/metadata/core-properties"/>
-    <ds:schemaRef ds:uri="http://purl.org/dc/dcmitype/"/>
-    <ds:schemaRef ds:uri="http://purl.org/dc/elements/1.1/"/>
-    <ds:schemaRef ds:uri="2d3d17f9-0dc7-42f3-8932-8eae37b95599"/>
-    <ds:schemaRef ds:uri="http://schemas.microsoft.com/office/2006/metadata/properties"/>
-  </ds:schemaRefs>
-</ds:datastoreItem>
-</file>
-
-<file path=customXml/itemProps2.xml><?xml version="1.0" encoding="utf-8"?>
 <ds:datastoreItem xmlns:ds="http://schemas.openxmlformats.org/officeDocument/2006/customXml" ds:itemID="{925AB6CC-A21A-4287-BCB6-9342910F03BB}">
   <ds:schemaRefs>
     <ds:schemaRef ds:uri="http://schemas.microsoft.com/office/2006/metadata/contentType"/>
@@ -6901,6 +7513,22 @@
 </ds:datastoreItem>
 </file>
 
+<file path=customXml/itemProps2.xml><?xml version="1.0" encoding="utf-8"?>
+<ds:datastoreItem xmlns:ds="http://schemas.openxmlformats.org/officeDocument/2006/customXml" ds:itemID="{44AA3C33-C817-4C29-B68E-48FE50772B54}">
+  <ds:schemaRefs>
+    <ds:schemaRef ds:uri="http://schemas.microsoft.com/office/2006/documentManagement/types"/>
+    <ds:schemaRef ds:uri="http://www.w3.org/XML/1998/namespace"/>
+    <ds:schemaRef ds:uri="http://schemas.microsoft.com/office/infopath/2007/PartnerControls"/>
+    <ds:schemaRef ds:uri="http://purl.org/dc/terms/"/>
+    <ds:schemaRef ds:uri="http://schemas.openxmlformats.org/package/2006/metadata/core-properties"/>
+    <ds:schemaRef ds:uri="http://purl.org/dc/dcmitype/"/>
+    <ds:schemaRef ds:uri="http://purl.org/dc/elements/1.1/"/>
+    <ds:schemaRef ds:uri="2d3d17f9-0dc7-42f3-8932-8eae37b95599"/>
+    <ds:schemaRef ds:uri="http://schemas.microsoft.com/office/2006/metadata/properties"/>
+  </ds:schemaRefs>
+</ds:datastoreItem>
+</file>
+
 <file path=customXml/itemProps3.xml><?xml version="1.0" encoding="utf-8"?>
 <ds:datastoreItem xmlns:ds="http://schemas.openxmlformats.org/officeDocument/2006/customXml" ds:itemID="{F5C704F8-E492-4D0C-B57C-F66B10524C56}">
   <ds:schemaRefs>

--- a/ui5con2019-mean-stack-ui5.pptx
+++ b/ui5con2019-mean-stack-ui5.pptx
@@ -5,10 +5,10 @@
     <p:sldMasterId id="2147483733" r:id="rId4"/>
   </p:sldMasterIdLst>
   <p:notesMasterIdLst>
-    <p:notesMasterId r:id="rId14"/>
+    <p:notesMasterId r:id="rId16"/>
   </p:notesMasterIdLst>
   <p:handoutMasterIdLst>
-    <p:handoutMasterId r:id="rId15"/>
+    <p:handoutMasterId r:id="rId17"/>
   </p:handoutMasterIdLst>
   <p:sldIdLst>
     <p:sldId id="434" r:id="rId5"/>
@@ -18,8 +18,10 @@
     <p:sldId id="445" r:id="rId9"/>
     <p:sldId id="447" r:id="rId10"/>
     <p:sldId id="448" r:id="rId11"/>
-    <p:sldId id="442" r:id="rId12"/>
-    <p:sldId id="413" r:id="rId13"/>
+    <p:sldId id="449" r:id="rId12"/>
+    <p:sldId id="450" r:id="rId13"/>
+    <p:sldId id="442" r:id="rId14"/>
+    <p:sldId id="413" r:id="rId15"/>
   </p:sldIdLst>
   <p:sldSz cx="12195175" cy="6858000"/>
   <p:notesSz cx="6797675" cy="9928225"/>
@@ -1963,7 +1965,7 @@
             <a:fld id="{7D8C2C35-2B8A-446E-BEC0-FD36716C29AC}" type="slidenum">
               <a:rPr lang="de-DE" smtClean="0"/>
               <a:pPr/>
-              <a:t>8</a:t>
+              <a:t>10</a:t>
             </a:fld>
             <a:endParaRPr lang="de-DE"/>
           </a:p>
@@ -2048,7 +2050,7 @@
             <a:fld id="{7D8C2C35-2B8A-446E-BEC0-FD36716C29AC}" type="slidenum">
               <a:rPr lang="de-DE" smtClean="0"/>
               <a:pPr/>
-              <a:t>9</a:t>
+              <a:t>11</a:t>
             </a:fld>
             <a:endParaRPr lang="de-DE"/>
           </a:p>
@@ -5122,6 +5124,680 @@
 </p:sld>
 </file>
 
+<file path=ppt/slides/slide10.xml><?xml version="1.0" encoding="utf-8"?>
+<p:sld xmlns:a="http://schemas.openxmlformats.org/drawingml/2006/main" xmlns:r="http://schemas.openxmlformats.org/officeDocument/2006/relationships" xmlns:p="http://schemas.openxmlformats.org/presentationml/2006/main">
+  <p:cSld>
+    <p:spTree>
+      <p:nvGrpSpPr>
+        <p:cNvPr id="1" name=""/>
+        <p:cNvGrpSpPr/>
+        <p:nvPr/>
+      </p:nvGrpSpPr>
+      <p:grpSpPr>
+        <a:xfrm>
+          <a:off x="0" y="0"/>
+          <a:ext cx="0" cy="0"/>
+          <a:chOff x="0" y="0"/>
+          <a:chExt cx="0" cy="0"/>
+        </a:xfrm>
+      </p:grpSpPr>
+      <p:sp>
+        <p:nvSpPr>
+          <p:cNvPr id="11" name="Text Placeholder 10"/>
+          <p:cNvSpPr>
+            <a:spLocks noGrp="1"/>
+          </p:cNvSpPr>
+          <p:nvPr>
+            <p:ph type="body" sz="quarter" idx="10"/>
+          </p:nvPr>
+        </p:nvSpPr>
+        <p:spPr>
+          <a:xfrm>
+            <a:off x="515574" y="1620000"/>
+            <a:ext cx="5475570" cy="4716000"/>
+          </a:xfrm>
+        </p:spPr>
+        <p:txBody>
+          <a:bodyPr>
+            <a:normAutofit/>
+          </a:bodyPr>
+          <a:lstStyle/>
+          <a:p>
+            <a:pPr lvl="0"/>
+            <a:r>
+              <a:rPr lang="en-US" dirty="0"/>
+              <a:t>UI5 Tooling</a:t>
+            </a:r>
+          </a:p>
+          <a:p>
+            <a:pPr lvl="1"/>
+            <a:r>
+              <a:rPr lang="en-US" dirty="0">
+                <a:hlinkClick r:id="rId3"/>
+              </a:rPr>
+              <a:t>https://github.com/SAP/ui5-tooling</a:t>
+            </a:r>
+            <a:endParaRPr lang="en-US" dirty="0"/>
+          </a:p>
+          <a:p>
+            <a:pPr lvl="1"/>
+            <a:r>
+              <a:rPr lang="en-US" dirty="0">
+                <a:hlinkClick r:id="rId4"/>
+              </a:rPr>
+              <a:t>https://github.com/SAP/ui5-typescript</a:t>
+            </a:r>
+            <a:endParaRPr lang="en-US" dirty="0"/>
+          </a:p>
+          <a:p>
+            <a:pPr lvl="0"/>
+            <a:r>
+              <a:rPr lang="en-US" dirty="0"/>
+              <a:t>TypeScript</a:t>
+            </a:r>
+          </a:p>
+          <a:p>
+            <a:pPr lvl="1"/>
+            <a:r>
+              <a:rPr lang="en-US" dirty="0">
+                <a:hlinkClick r:id="rId5"/>
+              </a:rPr>
+              <a:t>https://www.typescriptlang.org/</a:t>
+            </a:r>
+            <a:endParaRPr lang="en-US" dirty="0"/>
+          </a:p>
+          <a:p>
+            <a:pPr lvl="1"/>
+            <a:r>
+              <a:rPr lang="en-US" dirty="0">
+                <a:hlinkClick r:id="rId6"/>
+              </a:rPr>
+              <a:t>https://palantir.github.io/tslint/</a:t>
+            </a:r>
+            <a:endParaRPr lang="en-US" dirty="0"/>
+          </a:p>
+          <a:p>
+            <a:pPr lvl="0"/>
+            <a:r>
+              <a:rPr lang="en-US" dirty="0"/>
+              <a:t>PWA</a:t>
+            </a:r>
+          </a:p>
+          <a:p>
+            <a:pPr lvl="1"/>
+            <a:r>
+              <a:rPr lang="en-US" dirty="0">
+                <a:hlinkClick r:id="rId7"/>
+              </a:rPr>
+              <a:t>https://developers.google.com/web/progressive-web-apps/</a:t>
+            </a:r>
+            <a:endParaRPr lang="en-US" dirty="0"/>
+          </a:p>
+          <a:p>
+            <a:pPr marL="0" lvl="1" indent="0">
+              <a:buNone/>
+            </a:pPr>
+            <a:endParaRPr lang="en-US" dirty="0"/>
+          </a:p>
+          <a:p>
+            <a:pPr lvl="1"/>
+            <a:endParaRPr lang="en-US" dirty="0"/>
+          </a:p>
+        </p:txBody>
+      </p:sp>
+      <p:sp>
+        <p:nvSpPr>
+          <p:cNvPr id="4" name="Title 3"/>
+          <p:cNvSpPr>
+            <a:spLocks noGrp="1"/>
+          </p:cNvSpPr>
+          <p:nvPr>
+            <p:ph type="title"/>
+          </p:nvPr>
+        </p:nvSpPr>
+        <p:spPr>
+          <a:xfrm>
+            <a:off x="504001" y="504000"/>
+            <a:ext cx="11186476" cy="646331"/>
+          </a:xfrm>
+        </p:spPr>
+        <p:txBody>
+          <a:bodyPr/>
+          <a:lstStyle/>
+          <a:p>
+            <a:r>
+              <a:rPr lang="en-US" dirty="0"/>
+              <a:t>Resources</a:t>
+            </a:r>
+            <a:br>
+              <a:rPr lang="en-US" dirty="0"/>
+            </a:br>
+            <a:endParaRPr lang="en-US" sz="1800" b="0" dirty="0"/>
+          </a:p>
+        </p:txBody>
+      </p:sp>
+      <p:sp>
+        <p:nvSpPr>
+          <p:cNvPr id="5" name="Text Placeholder 10">
+            <a:extLst>
+              <a:ext uri="{FF2B5EF4-FFF2-40B4-BE49-F238E27FC236}">
+                <a16:creationId xmlns:a16="http://schemas.microsoft.com/office/drawing/2014/main" id="{F15FE020-BD89-204E-89FB-8A89B616DE77}"/>
+              </a:ext>
+            </a:extLst>
+          </p:cNvPr>
+          <p:cNvSpPr txBox="1">
+            <a:spLocks/>
+          </p:cNvSpPr>
+          <p:nvPr/>
+        </p:nvSpPr>
+        <p:spPr bwMode="black">
+          <a:xfrm>
+            <a:off x="6204031" y="1620000"/>
+            <a:ext cx="5475572" cy="4716000"/>
+          </a:xfrm>
+          <a:prstGeom prst="rect">
+            <a:avLst/>
+          </a:prstGeom>
+        </p:spPr>
+        <p:txBody>
+          <a:bodyPr vert="horz" lIns="0" tIns="0" rIns="0" bIns="0" rtlCol="0">
+            <a:normAutofit/>
+          </a:bodyPr>
+          <a:lstStyle>
+            <a:lvl1pPr marL="0" indent="0" algn="l" defTabSz="1088558" rtl="0" eaLnBrk="1" latinLnBrk="0" hangingPunct="1">
+              <a:spcBef>
+                <a:spcPts val="1800"/>
+              </a:spcBef>
+              <a:buClr>
+                <a:schemeClr val="accent1"/>
+              </a:buClr>
+              <a:buSzPct val="80000"/>
+              <a:buFontTx/>
+              <a:buNone/>
+              <a:defRPr sz="2000" b="0" kern="1200">
+                <a:solidFill>
+                  <a:schemeClr val="tx1"/>
+                </a:solidFill>
+                <a:latin typeface="+mn-lt"/>
+                <a:ea typeface="+mn-ea"/>
+                <a:cs typeface="+mn-cs"/>
+              </a:defRPr>
+            </a:lvl1pPr>
+            <a:lvl2pPr marL="179964" indent="-179964" algn="l" defTabSz="1088558" rtl="0" eaLnBrk="1" latinLnBrk="0" hangingPunct="1">
+              <a:spcBef>
+                <a:spcPts val="600"/>
+              </a:spcBef>
+              <a:buClr>
+                <a:schemeClr val="accent1"/>
+              </a:buClr>
+              <a:buSzPct val="100000"/>
+              <a:buFont typeface="Wingdings" pitchFamily="2" charset="2"/>
+              <a:buChar char="§"/>
+              <a:defRPr sz="1800" kern="1200">
+                <a:solidFill>
+                  <a:schemeClr val="tx1"/>
+                </a:solidFill>
+                <a:latin typeface="+mn-lt"/>
+                <a:ea typeface="+mn-ea"/>
+                <a:cs typeface="+mn-cs"/>
+              </a:defRPr>
+            </a:lvl2pPr>
+            <a:lvl3pPr marL="358775" indent="-179388" algn="l" defTabSz="1088558" rtl="0" eaLnBrk="1" latinLnBrk="0" hangingPunct="1">
+              <a:spcBef>
+                <a:spcPts val="300"/>
+              </a:spcBef>
+              <a:buClr>
+                <a:schemeClr val="tx1"/>
+              </a:buClr>
+              <a:buSzPct val="100000"/>
+              <a:buFont typeface="Arial" panose="020B0604020202020204" pitchFamily="34" charset="0"/>
+              <a:buChar char="–"/>
+              <a:defRPr lang="en-US" sz="1800" kern="1200" noProof="0" dirty="0" smtClean="0">
+                <a:solidFill>
+                  <a:schemeClr val="tx1"/>
+                </a:solidFill>
+                <a:latin typeface="+mn-lt"/>
+                <a:ea typeface="+mn-ea"/>
+                <a:cs typeface="+mn-cs"/>
+              </a:defRPr>
+            </a:lvl3pPr>
+            <a:lvl4pPr marL="539892" indent="-179964" algn="l" defTabSz="1088558" rtl="0" eaLnBrk="1" latinLnBrk="0" hangingPunct="1">
+              <a:spcBef>
+                <a:spcPts val="300"/>
+              </a:spcBef>
+              <a:buClr>
+                <a:schemeClr val="tx1"/>
+              </a:buClr>
+              <a:buSzPct val="120000"/>
+              <a:buFont typeface="Arial" pitchFamily="34" charset="0"/>
+              <a:buChar char="▫"/>
+              <a:defRPr sz="1600" kern="1200">
+                <a:solidFill>
+                  <a:schemeClr val="tx1"/>
+                </a:solidFill>
+                <a:latin typeface="+mn-lt"/>
+                <a:ea typeface="+mn-ea"/>
+                <a:cs typeface="+mn-cs"/>
+              </a:defRPr>
+            </a:lvl4pPr>
+            <a:lvl5pPr marL="719856" indent="-179964" algn="l" defTabSz="1088558" rtl="0" eaLnBrk="1" latinLnBrk="0" hangingPunct="1">
+              <a:spcBef>
+                <a:spcPts val="100"/>
+              </a:spcBef>
+              <a:buClr>
+                <a:schemeClr val="tx1"/>
+              </a:buClr>
+              <a:buSzPct val="100000"/>
+              <a:buFont typeface="Symbol" panose="05050102010706020507" pitchFamily="18" charset="2"/>
+              <a:buChar char="-"/>
+              <a:defRPr sz="1400" kern="1200" baseline="0">
+                <a:solidFill>
+                  <a:schemeClr val="tx1"/>
+                </a:solidFill>
+                <a:latin typeface="+mn-lt"/>
+                <a:ea typeface="+mn-ea"/>
+                <a:cs typeface="+mn-cs"/>
+              </a:defRPr>
+            </a:lvl5pPr>
+            <a:lvl6pPr marL="2993535" indent="-272140" algn="l" defTabSz="1088558" rtl="0" eaLnBrk="1" latinLnBrk="0" hangingPunct="1">
+              <a:spcBef>
+                <a:spcPct val="20000"/>
+              </a:spcBef>
+              <a:buFont typeface="Arial" pitchFamily="34" charset="0"/>
+              <a:buChar char="•"/>
+              <a:defRPr sz="2400" kern="1200">
+                <a:solidFill>
+                  <a:schemeClr val="tx1"/>
+                </a:solidFill>
+                <a:latin typeface="+mn-lt"/>
+                <a:ea typeface="+mn-ea"/>
+                <a:cs typeface="+mn-cs"/>
+              </a:defRPr>
+            </a:lvl6pPr>
+            <a:lvl7pPr marL="3537814" indent="-272140" algn="l" defTabSz="1088558" rtl="0" eaLnBrk="1" latinLnBrk="0" hangingPunct="1">
+              <a:spcBef>
+                <a:spcPct val="20000"/>
+              </a:spcBef>
+              <a:buFont typeface="Arial" pitchFamily="34" charset="0"/>
+              <a:buChar char="•"/>
+              <a:defRPr sz="2400" kern="1200">
+                <a:solidFill>
+                  <a:schemeClr val="tx1"/>
+                </a:solidFill>
+                <a:latin typeface="+mn-lt"/>
+                <a:ea typeface="+mn-ea"/>
+                <a:cs typeface="+mn-cs"/>
+              </a:defRPr>
+            </a:lvl7pPr>
+            <a:lvl8pPr marL="4082093" indent="-272140" algn="l" defTabSz="1088558" rtl="0" eaLnBrk="1" latinLnBrk="0" hangingPunct="1">
+              <a:spcBef>
+                <a:spcPct val="20000"/>
+              </a:spcBef>
+              <a:buFont typeface="Arial" pitchFamily="34" charset="0"/>
+              <a:buChar char="•"/>
+              <a:defRPr sz="2400" kern="1200">
+                <a:solidFill>
+                  <a:schemeClr val="tx1"/>
+                </a:solidFill>
+                <a:latin typeface="+mn-lt"/>
+                <a:ea typeface="+mn-ea"/>
+                <a:cs typeface="+mn-cs"/>
+              </a:defRPr>
+            </a:lvl8pPr>
+            <a:lvl9pPr marL="4626373" indent="-272140" algn="l" defTabSz="1088558" rtl="0" eaLnBrk="1" latinLnBrk="0" hangingPunct="1">
+              <a:spcBef>
+                <a:spcPct val="20000"/>
+              </a:spcBef>
+              <a:buFont typeface="Arial" pitchFamily="34" charset="0"/>
+              <a:buChar char="•"/>
+              <a:defRPr sz="2400" kern="1200">
+                <a:solidFill>
+                  <a:schemeClr val="tx1"/>
+                </a:solidFill>
+                <a:latin typeface="+mn-lt"/>
+                <a:ea typeface="+mn-ea"/>
+                <a:cs typeface="+mn-cs"/>
+              </a:defRPr>
+            </a:lvl9pPr>
+          </a:lstStyle>
+          <a:p>
+            <a:r>
+              <a:rPr lang="en-US" dirty="0"/>
+              <a:t>Express</a:t>
+            </a:r>
+          </a:p>
+          <a:p>
+            <a:pPr lvl="1"/>
+            <a:r>
+              <a:rPr lang="en-US" dirty="0">
+                <a:hlinkClick r:id="rId8"/>
+              </a:rPr>
+              <a:t>https://expressjs.com/</a:t>
+            </a:r>
+            <a:endParaRPr lang="en-US" dirty="0"/>
+          </a:p>
+          <a:p>
+            <a:r>
+              <a:rPr lang="en-US" dirty="0"/>
+              <a:t>MongoDB</a:t>
+            </a:r>
+          </a:p>
+          <a:p>
+            <a:pPr lvl="1"/>
+            <a:r>
+              <a:rPr lang="en-US" dirty="0">
+                <a:hlinkClick r:id="rId9"/>
+              </a:rPr>
+              <a:t>https://www.mongodb.com/</a:t>
+            </a:r>
+            <a:endParaRPr lang="en-US" dirty="0"/>
+          </a:p>
+          <a:p>
+            <a:pPr lvl="0"/>
+            <a:r>
+              <a:rPr lang="en-US" dirty="0" err="1"/>
+              <a:t>GraphQL</a:t>
+            </a:r>
+            <a:endParaRPr lang="en-US" dirty="0"/>
+          </a:p>
+          <a:p>
+            <a:pPr lvl="1"/>
+            <a:r>
+              <a:rPr lang="en-US" dirty="0">
+                <a:hlinkClick r:id="rId10"/>
+              </a:rPr>
+              <a:t>https://graphql.org/</a:t>
+            </a:r>
+            <a:endParaRPr lang="en-US" dirty="0"/>
+          </a:p>
+          <a:p>
+            <a:pPr lvl="1"/>
+            <a:r>
+              <a:rPr lang="en-US" dirty="0">
+                <a:hlinkClick r:id="rId11"/>
+              </a:rPr>
+              <a:t>https://www.apollographql.com/</a:t>
+            </a:r>
+            <a:endParaRPr lang="en-US" dirty="0"/>
+          </a:p>
+          <a:p>
+            <a:pPr lvl="1"/>
+            <a:r>
+              <a:rPr lang="en-US" dirty="0">
+                <a:hlinkClick r:id="rId12"/>
+              </a:rPr>
+              <a:t>https://medium.freecodecamp.org/how-to-set-up-a-graphql-server-using-node-js-express-mongodb-52421b73f474</a:t>
+            </a:r>
+            <a:endParaRPr lang="en-US" dirty="0"/>
+          </a:p>
+          <a:p>
+            <a:pPr lvl="1"/>
+            <a:endParaRPr lang="en-US" dirty="0"/>
+          </a:p>
+          <a:p>
+            <a:pPr lvl="1"/>
+            <a:endParaRPr lang="en-US" dirty="0"/>
+          </a:p>
+          <a:p>
+            <a:pPr lvl="1"/>
+            <a:endParaRPr lang="en-US" dirty="0"/>
+          </a:p>
+          <a:p>
+            <a:pPr marL="0" lvl="1" indent="0">
+              <a:buNone/>
+            </a:pPr>
+            <a:endParaRPr lang="en-US" dirty="0"/>
+          </a:p>
+          <a:p>
+            <a:pPr lvl="1"/>
+            <a:endParaRPr lang="en-US" dirty="0"/>
+          </a:p>
+          <a:p>
+            <a:pPr marL="0" lvl="1" indent="0">
+              <a:buNone/>
+            </a:pPr>
+            <a:endParaRPr lang="en-US" dirty="0"/>
+          </a:p>
+        </p:txBody>
+      </p:sp>
+    </p:spTree>
+    <p:extLst>
+      <p:ext uri="{BB962C8B-B14F-4D97-AF65-F5344CB8AC3E}">
+        <p14:creationId xmlns:p14="http://schemas.microsoft.com/office/powerpoint/2010/main" val="2320338845"/>
+      </p:ext>
+    </p:extLst>
+  </p:cSld>
+  <p:clrMapOvr>
+    <a:masterClrMapping/>
+  </p:clrMapOvr>
+</p:sld>
+</file>
+
+<file path=ppt/slides/slide11.xml><?xml version="1.0" encoding="utf-8"?>
+<p:sld xmlns:a="http://schemas.openxmlformats.org/drawingml/2006/main" xmlns:r="http://schemas.openxmlformats.org/officeDocument/2006/relationships" xmlns:p="http://schemas.openxmlformats.org/presentationml/2006/main">
+  <p:cSld>
+    <p:spTree>
+      <p:nvGrpSpPr>
+        <p:cNvPr id="1" name=""/>
+        <p:cNvGrpSpPr/>
+        <p:nvPr/>
+      </p:nvGrpSpPr>
+      <p:grpSpPr>
+        <a:xfrm>
+          <a:off x="0" y="0"/>
+          <a:ext cx="0" cy="0"/>
+          <a:chOff x="0" y="0"/>
+          <a:chExt cx="0" cy="0"/>
+        </a:xfrm>
+      </p:grpSpPr>
+      <p:sp>
+        <p:nvSpPr>
+          <p:cNvPr id="2" name="Thank you"/>
+          <p:cNvSpPr>
+            <a:spLocks noGrp="1"/>
+          </p:cNvSpPr>
+          <p:nvPr>
+            <p:ph type="ctrTitle"/>
+          </p:nvPr>
+        </p:nvSpPr>
+        <p:spPr/>
+        <p:txBody>
+          <a:bodyPr/>
+          <a:lstStyle/>
+          <a:p>
+            <a:r>
+              <a:rPr lang="en-US"/>
+              <a:t>Thank you.</a:t>
+            </a:r>
+          </a:p>
+        </p:txBody>
+      </p:sp>
+      <p:sp>
+        <p:nvSpPr>
+          <p:cNvPr id="3" name="Contact information"/>
+          <p:cNvSpPr>
+            <a:spLocks noGrp="1"/>
+          </p:cNvSpPr>
+          <p:nvPr>
+            <p:ph type="body" sz="quarter" idx="10"/>
+          </p:nvPr>
+        </p:nvSpPr>
+        <p:spPr>
+          <a:xfrm>
+            <a:off x="504000" y="2905487"/>
+            <a:ext cx="5593588" cy="2501010"/>
+          </a:xfrm>
+        </p:spPr>
+        <p:txBody>
+          <a:bodyPr/>
+          <a:lstStyle/>
+          <a:p>
+            <a:r>
+              <a:rPr lang="en-US" dirty="0"/>
+              <a:t>Contact information:</a:t>
+            </a:r>
+          </a:p>
+          <a:p>
+            <a:pPr lvl="1"/>
+            <a:r>
+              <a:rPr lang="en-US" b="1" dirty="0" err="1"/>
+              <a:t>Yavor</a:t>
+            </a:r>
+            <a:r>
+              <a:rPr lang="en-US" b="1" dirty="0"/>
+              <a:t> Ivanov</a:t>
+            </a:r>
+          </a:p>
+          <a:p>
+            <a:pPr lvl="1"/>
+            <a:r>
+              <a:rPr lang="en-US" dirty="0" err="1"/>
+              <a:t>yavor.Ivanov@sap.com</a:t>
+            </a:r>
+            <a:endParaRPr lang="en-US" dirty="0"/>
+          </a:p>
+          <a:p>
+            <a:pPr lvl="1"/>
+            <a:r>
+              <a:rPr lang="en-US" dirty="0"/>
+              <a:t>     @d3xter666         d3xter666</a:t>
+            </a:r>
+          </a:p>
+          <a:p>
+            <a:pPr lvl="1"/>
+            <a:endParaRPr lang="en-US" b="1" dirty="0"/>
+          </a:p>
+          <a:p>
+            <a:pPr lvl="1"/>
+            <a:r>
+              <a:rPr lang="en-US" b="1" dirty="0"/>
+              <a:t>Petya Markova-</a:t>
+            </a:r>
+            <a:r>
+              <a:rPr lang="en-US" b="1" dirty="0" err="1"/>
+              <a:t>Bogdanova</a:t>
+            </a:r>
+            <a:endParaRPr lang="en-US" b="1" dirty="0"/>
+          </a:p>
+          <a:p>
+            <a:pPr lvl="1"/>
+            <a:r>
+              <a:rPr lang="en-US" dirty="0" err="1"/>
+              <a:t>petya.markova-bogdanova@sap.com</a:t>
+            </a:r>
+            <a:endParaRPr lang="en-US" dirty="0"/>
+          </a:p>
+        </p:txBody>
+      </p:sp>
+      <p:pic>
+        <p:nvPicPr>
+          <p:cNvPr id="5" name="Picture 4"/>
+          <p:cNvPicPr>
+            <a:picLocks noChangeAspect="1"/>
+          </p:cNvPicPr>
+          <p:nvPr/>
+        </p:nvPicPr>
+        <p:blipFill>
+          <a:blip r:embed="rId3"/>
+          <a:stretch>
+            <a:fillRect/>
+          </a:stretch>
+        </p:blipFill>
+        <p:spPr>
+          <a:xfrm>
+            <a:off x="5718587" y="2217109"/>
+            <a:ext cx="6029396" cy="2343272"/>
+          </a:xfrm>
+          <a:prstGeom prst="rect">
+            <a:avLst/>
+          </a:prstGeom>
+        </p:spPr>
+      </p:pic>
+      <p:pic>
+        <p:nvPicPr>
+          <p:cNvPr id="14" name="Graphic 13">
+            <a:extLst>
+              <a:ext uri="{FF2B5EF4-FFF2-40B4-BE49-F238E27FC236}">
+                <a16:creationId xmlns:a16="http://schemas.microsoft.com/office/drawing/2014/main" id="{3A32D6B2-E933-944B-8492-89AF5109E6B8}"/>
+              </a:ext>
+            </a:extLst>
+          </p:cNvPr>
+          <p:cNvPicPr>
+            <a:picLocks noChangeAspect="1"/>
+          </p:cNvPicPr>
+          <p:nvPr/>
+        </p:nvPicPr>
+        <p:blipFill>
+          <a:blip r:embed="rId4">
+            <a:extLst>
+              <a:ext uri="{96DAC541-7B7A-43D3-8B79-37D633B846F1}">
+                <asvg:svgBlip xmlns:asvg="http://schemas.microsoft.com/office/drawing/2016/SVG/main" r:embed="rId5"/>
+              </a:ext>
+            </a:extLst>
+          </a:blip>
+          <a:stretch>
+            <a:fillRect/>
+          </a:stretch>
+        </p:blipFill>
+        <p:spPr>
+          <a:xfrm>
+            <a:off x="504000" y="3807628"/>
+            <a:ext cx="250602" cy="250602"/>
+          </a:xfrm>
+          <a:prstGeom prst="rect">
+            <a:avLst/>
+          </a:prstGeom>
+        </p:spPr>
+      </p:pic>
+      <p:pic>
+        <p:nvPicPr>
+          <p:cNvPr id="16" name="Graphic 15">
+            <a:extLst>
+              <a:ext uri="{FF2B5EF4-FFF2-40B4-BE49-F238E27FC236}">
+                <a16:creationId xmlns:a16="http://schemas.microsoft.com/office/drawing/2014/main" id="{36510613-63FD-7143-B55B-E8E2C6CCCB89}"/>
+              </a:ext>
+            </a:extLst>
+          </p:cNvPr>
+          <p:cNvPicPr>
+            <a:picLocks noChangeAspect="1"/>
+          </p:cNvPicPr>
+          <p:nvPr/>
+        </p:nvPicPr>
+        <p:blipFill>
+          <a:blip r:embed="rId6">
+            <a:extLst>
+              <a:ext uri="{96DAC541-7B7A-43D3-8B79-37D633B846F1}">
+                <asvg:svgBlip xmlns:asvg="http://schemas.microsoft.com/office/drawing/2016/SVG/main" r:embed="rId7"/>
+              </a:ext>
+            </a:extLst>
+          </a:blip>
+          <a:stretch>
+            <a:fillRect/>
+          </a:stretch>
+        </p:blipFill>
+        <p:spPr>
+          <a:xfrm>
+            <a:off x="2095799" y="3807628"/>
+            <a:ext cx="250602" cy="250602"/>
+          </a:xfrm>
+          <a:prstGeom prst="rect">
+            <a:avLst/>
+          </a:prstGeom>
+        </p:spPr>
+      </p:pic>
+    </p:spTree>
+    <p:extLst>
+      <p:ext uri="{BB962C8B-B14F-4D97-AF65-F5344CB8AC3E}">
+        <p14:creationId xmlns:p14="http://schemas.microsoft.com/office/powerpoint/2010/main" val="1881851238"/>
+      </p:ext>
+    </p:extLst>
+  </p:cSld>
+  <p:clrMapOvr>
+    <a:masterClrMapping/>
+  </p:clrMapOvr>
+</p:sld>
+</file>
+
 <file path=ppt/slides/slide2.xml><?xml version="1.0" encoding="utf-8"?>
 <p:sld xmlns:a="http://schemas.openxmlformats.org/drawingml/2006/main" xmlns:r="http://schemas.openxmlformats.org/officeDocument/2006/relationships" xmlns:p="http://schemas.openxmlformats.org/presentationml/2006/main">
   <p:cSld>
@@ -6031,110 +6707,6 @@
       </p:grpSpPr>
       <p:sp>
         <p:nvSpPr>
-          <p:cNvPr id="11" name="Text Placeholder 10"/>
-          <p:cNvSpPr>
-            <a:spLocks noGrp="1"/>
-          </p:cNvSpPr>
-          <p:nvPr>
-            <p:ph type="body" sz="quarter" idx="10"/>
-          </p:nvPr>
-        </p:nvSpPr>
-        <p:spPr>
-          <a:xfrm>
-            <a:off x="515574" y="1620000"/>
-            <a:ext cx="5475570" cy="4716000"/>
-          </a:xfrm>
-        </p:spPr>
-        <p:txBody>
-          <a:bodyPr>
-            <a:normAutofit/>
-          </a:bodyPr>
-          <a:lstStyle/>
-          <a:p>
-            <a:pPr lvl="0"/>
-            <a:r>
-              <a:rPr lang="en-US" dirty="0"/>
-              <a:t>UI5 Tooling</a:t>
-            </a:r>
-          </a:p>
-          <a:p>
-            <a:pPr lvl="1"/>
-            <a:r>
-              <a:rPr lang="en-US" dirty="0">
-                <a:hlinkClick r:id="rId3"/>
-              </a:rPr>
-              <a:t>https://github.com/SAP/ui5-tooling</a:t>
-            </a:r>
-            <a:endParaRPr lang="en-US" dirty="0"/>
-          </a:p>
-          <a:p>
-            <a:pPr lvl="1"/>
-            <a:r>
-              <a:rPr lang="en-US" dirty="0">
-                <a:hlinkClick r:id="rId4"/>
-              </a:rPr>
-              <a:t>https://github.com/SAP/ui5-typescript</a:t>
-            </a:r>
-            <a:endParaRPr lang="en-US" dirty="0"/>
-          </a:p>
-          <a:p>
-            <a:pPr lvl="0"/>
-            <a:r>
-              <a:rPr lang="en-US" dirty="0"/>
-              <a:t>TypeScript</a:t>
-            </a:r>
-          </a:p>
-          <a:p>
-            <a:pPr lvl="1"/>
-            <a:r>
-              <a:rPr lang="en-US" dirty="0">
-                <a:hlinkClick r:id="rId5"/>
-              </a:rPr>
-              <a:t>https://www.typescriptlang.org/</a:t>
-            </a:r>
-            <a:endParaRPr lang="en-US" dirty="0"/>
-          </a:p>
-          <a:p>
-            <a:pPr lvl="1"/>
-            <a:r>
-              <a:rPr lang="en-US" dirty="0">
-                <a:hlinkClick r:id="rId6"/>
-              </a:rPr>
-              <a:t>https://palantir.github.io/tslint/</a:t>
-            </a:r>
-            <a:endParaRPr lang="en-US" dirty="0"/>
-          </a:p>
-          <a:p>
-            <a:pPr lvl="0"/>
-            <a:r>
-              <a:rPr lang="en-US" dirty="0"/>
-              <a:t>PWA</a:t>
-            </a:r>
-          </a:p>
-          <a:p>
-            <a:pPr lvl="1"/>
-            <a:r>
-              <a:rPr lang="en-US" dirty="0">
-                <a:hlinkClick r:id="rId7"/>
-              </a:rPr>
-              <a:t>https://developers.google.com/web/progressive-web-apps/</a:t>
-            </a:r>
-            <a:endParaRPr lang="en-US" dirty="0"/>
-          </a:p>
-          <a:p>
-            <a:pPr marL="0" lvl="1" indent="0">
-              <a:buNone/>
-            </a:pPr>
-            <a:endParaRPr lang="en-US" dirty="0"/>
-          </a:p>
-          <a:p>
-            <a:pPr lvl="1"/>
-            <a:endParaRPr lang="en-US" dirty="0"/>
-          </a:p>
-        </p:txBody>
-      </p:sp>
-      <p:sp>
-        <p:nvSpPr>
           <p:cNvPr id="4" name="Title 3"/>
           <p:cNvSpPr>
             <a:spLocks noGrp="1"/>
@@ -6146,7 +6718,7 @@
         <p:spPr>
           <a:xfrm>
             <a:off x="504001" y="504000"/>
-            <a:ext cx="11186476" cy="646331"/>
+            <a:ext cx="11186476" cy="369332"/>
           </a:xfrm>
         </p:spPr>
         <p:txBody>
@@ -6155,303 +6727,16 @@
           <a:p>
             <a:r>
               <a:rPr lang="en-US" dirty="0"/>
-              <a:t>Resources</a:t>
-            </a:r>
-            <a:br>
-              <a:rPr lang="en-US" dirty="0"/>
-            </a:br>
+              <a:t>TypeScript</a:t>
+            </a:r>
             <a:endParaRPr lang="en-US" sz="1800" b="0" dirty="0"/>
-          </a:p>
-        </p:txBody>
-      </p:sp>
-      <p:sp>
-        <p:nvSpPr>
-          <p:cNvPr id="5" name="Text Placeholder 10">
-            <a:extLst>
-              <a:ext uri="{FF2B5EF4-FFF2-40B4-BE49-F238E27FC236}">
-                <a16:creationId xmlns:a16="http://schemas.microsoft.com/office/drawing/2014/main" id="{F15FE020-BD89-204E-89FB-8A89B616DE77}"/>
-              </a:ext>
-            </a:extLst>
-          </p:cNvPr>
-          <p:cNvSpPr txBox="1">
-            <a:spLocks/>
-          </p:cNvSpPr>
-          <p:nvPr/>
-        </p:nvSpPr>
-        <p:spPr bwMode="black">
-          <a:xfrm>
-            <a:off x="6204031" y="1620000"/>
-            <a:ext cx="5475572" cy="4716000"/>
-          </a:xfrm>
-          <a:prstGeom prst="rect">
-            <a:avLst/>
-          </a:prstGeom>
-        </p:spPr>
-        <p:txBody>
-          <a:bodyPr vert="horz" lIns="0" tIns="0" rIns="0" bIns="0" rtlCol="0">
-            <a:normAutofit/>
-          </a:bodyPr>
-          <a:lstStyle>
-            <a:lvl1pPr marL="0" indent="0" algn="l" defTabSz="1088558" rtl="0" eaLnBrk="1" latinLnBrk="0" hangingPunct="1">
-              <a:spcBef>
-                <a:spcPts val="1800"/>
-              </a:spcBef>
-              <a:buClr>
-                <a:schemeClr val="accent1"/>
-              </a:buClr>
-              <a:buSzPct val="80000"/>
-              <a:buFontTx/>
-              <a:buNone/>
-              <a:defRPr sz="2000" b="0" kern="1200">
-                <a:solidFill>
-                  <a:schemeClr val="tx1"/>
-                </a:solidFill>
-                <a:latin typeface="+mn-lt"/>
-                <a:ea typeface="+mn-ea"/>
-                <a:cs typeface="+mn-cs"/>
-              </a:defRPr>
-            </a:lvl1pPr>
-            <a:lvl2pPr marL="179964" indent="-179964" algn="l" defTabSz="1088558" rtl="0" eaLnBrk="1" latinLnBrk="0" hangingPunct="1">
-              <a:spcBef>
-                <a:spcPts val="600"/>
-              </a:spcBef>
-              <a:buClr>
-                <a:schemeClr val="accent1"/>
-              </a:buClr>
-              <a:buSzPct val="100000"/>
-              <a:buFont typeface="Wingdings" pitchFamily="2" charset="2"/>
-              <a:buChar char="§"/>
-              <a:defRPr sz="1800" kern="1200">
-                <a:solidFill>
-                  <a:schemeClr val="tx1"/>
-                </a:solidFill>
-                <a:latin typeface="+mn-lt"/>
-                <a:ea typeface="+mn-ea"/>
-                <a:cs typeface="+mn-cs"/>
-              </a:defRPr>
-            </a:lvl2pPr>
-            <a:lvl3pPr marL="358775" indent="-179388" algn="l" defTabSz="1088558" rtl="0" eaLnBrk="1" latinLnBrk="0" hangingPunct="1">
-              <a:spcBef>
-                <a:spcPts val="300"/>
-              </a:spcBef>
-              <a:buClr>
-                <a:schemeClr val="tx1"/>
-              </a:buClr>
-              <a:buSzPct val="100000"/>
-              <a:buFont typeface="Arial" panose="020B0604020202020204" pitchFamily="34" charset="0"/>
-              <a:buChar char="–"/>
-              <a:defRPr lang="en-US" sz="1800" kern="1200" noProof="0" dirty="0" smtClean="0">
-                <a:solidFill>
-                  <a:schemeClr val="tx1"/>
-                </a:solidFill>
-                <a:latin typeface="+mn-lt"/>
-                <a:ea typeface="+mn-ea"/>
-                <a:cs typeface="+mn-cs"/>
-              </a:defRPr>
-            </a:lvl3pPr>
-            <a:lvl4pPr marL="539892" indent="-179964" algn="l" defTabSz="1088558" rtl="0" eaLnBrk="1" latinLnBrk="0" hangingPunct="1">
-              <a:spcBef>
-                <a:spcPts val="300"/>
-              </a:spcBef>
-              <a:buClr>
-                <a:schemeClr val="tx1"/>
-              </a:buClr>
-              <a:buSzPct val="120000"/>
-              <a:buFont typeface="Arial" pitchFamily="34" charset="0"/>
-              <a:buChar char="▫"/>
-              <a:defRPr sz="1600" kern="1200">
-                <a:solidFill>
-                  <a:schemeClr val="tx1"/>
-                </a:solidFill>
-                <a:latin typeface="+mn-lt"/>
-                <a:ea typeface="+mn-ea"/>
-                <a:cs typeface="+mn-cs"/>
-              </a:defRPr>
-            </a:lvl4pPr>
-            <a:lvl5pPr marL="719856" indent="-179964" algn="l" defTabSz="1088558" rtl="0" eaLnBrk="1" latinLnBrk="0" hangingPunct="1">
-              <a:spcBef>
-                <a:spcPts val="100"/>
-              </a:spcBef>
-              <a:buClr>
-                <a:schemeClr val="tx1"/>
-              </a:buClr>
-              <a:buSzPct val="100000"/>
-              <a:buFont typeface="Symbol" panose="05050102010706020507" pitchFamily="18" charset="2"/>
-              <a:buChar char="-"/>
-              <a:defRPr sz="1400" kern="1200" baseline="0">
-                <a:solidFill>
-                  <a:schemeClr val="tx1"/>
-                </a:solidFill>
-                <a:latin typeface="+mn-lt"/>
-                <a:ea typeface="+mn-ea"/>
-                <a:cs typeface="+mn-cs"/>
-              </a:defRPr>
-            </a:lvl5pPr>
-            <a:lvl6pPr marL="2993535" indent="-272140" algn="l" defTabSz="1088558" rtl="0" eaLnBrk="1" latinLnBrk="0" hangingPunct="1">
-              <a:spcBef>
-                <a:spcPct val="20000"/>
-              </a:spcBef>
-              <a:buFont typeface="Arial" pitchFamily="34" charset="0"/>
-              <a:buChar char="•"/>
-              <a:defRPr sz="2400" kern="1200">
-                <a:solidFill>
-                  <a:schemeClr val="tx1"/>
-                </a:solidFill>
-                <a:latin typeface="+mn-lt"/>
-                <a:ea typeface="+mn-ea"/>
-                <a:cs typeface="+mn-cs"/>
-              </a:defRPr>
-            </a:lvl6pPr>
-            <a:lvl7pPr marL="3537814" indent="-272140" algn="l" defTabSz="1088558" rtl="0" eaLnBrk="1" latinLnBrk="0" hangingPunct="1">
-              <a:spcBef>
-                <a:spcPct val="20000"/>
-              </a:spcBef>
-              <a:buFont typeface="Arial" pitchFamily="34" charset="0"/>
-              <a:buChar char="•"/>
-              <a:defRPr sz="2400" kern="1200">
-                <a:solidFill>
-                  <a:schemeClr val="tx1"/>
-                </a:solidFill>
-                <a:latin typeface="+mn-lt"/>
-                <a:ea typeface="+mn-ea"/>
-                <a:cs typeface="+mn-cs"/>
-              </a:defRPr>
-            </a:lvl7pPr>
-            <a:lvl8pPr marL="4082093" indent="-272140" algn="l" defTabSz="1088558" rtl="0" eaLnBrk="1" latinLnBrk="0" hangingPunct="1">
-              <a:spcBef>
-                <a:spcPct val="20000"/>
-              </a:spcBef>
-              <a:buFont typeface="Arial" pitchFamily="34" charset="0"/>
-              <a:buChar char="•"/>
-              <a:defRPr sz="2400" kern="1200">
-                <a:solidFill>
-                  <a:schemeClr val="tx1"/>
-                </a:solidFill>
-                <a:latin typeface="+mn-lt"/>
-                <a:ea typeface="+mn-ea"/>
-                <a:cs typeface="+mn-cs"/>
-              </a:defRPr>
-            </a:lvl8pPr>
-            <a:lvl9pPr marL="4626373" indent="-272140" algn="l" defTabSz="1088558" rtl="0" eaLnBrk="1" latinLnBrk="0" hangingPunct="1">
-              <a:spcBef>
-                <a:spcPct val="20000"/>
-              </a:spcBef>
-              <a:buFont typeface="Arial" pitchFamily="34" charset="0"/>
-              <a:buChar char="•"/>
-              <a:defRPr sz="2400" kern="1200">
-                <a:solidFill>
-                  <a:schemeClr val="tx1"/>
-                </a:solidFill>
-                <a:latin typeface="+mn-lt"/>
-                <a:ea typeface="+mn-ea"/>
-                <a:cs typeface="+mn-cs"/>
-              </a:defRPr>
-            </a:lvl9pPr>
-          </a:lstStyle>
-          <a:p>
-            <a:r>
-              <a:rPr lang="en-US" dirty="0"/>
-              <a:t>Express</a:t>
-            </a:r>
-          </a:p>
-          <a:p>
-            <a:pPr lvl="1"/>
-            <a:r>
-              <a:rPr lang="en-US" dirty="0">
-                <a:hlinkClick r:id="rId8"/>
-              </a:rPr>
-              <a:t>https://expressjs.com/</a:t>
-            </a:r>
-            <a:endParaRPr lang="en-US" dirty="0"/>
-          </a:p>
-          <a:p>
-            <a:r>
-              <a:rPr lang="en-US" dirty="0"/>
-              <a:t>MongoDB</a:t>
-            </a:r>
-          </a:p>
-          <a:p>
-            <a:pPr lvl="1"/>
-            <a:r>
-              <a:rPr lang="en-US" dirty="0">
-                <a:hlinkClick r:id="rId9"/>
-              </a:rPr>
-              <a:t>https://www.mongodb.com/</a:t>
-            </a:r>
-            <a:endParaRPr lang="en-US" dirty="0"/>
-          </a:p>
-          <a:p>
-            <a:pPr lvl="0"/>
-            <a:r>
-              <a:rPr lang="en-US" dirty="0" err="1"/>
-              <a:t>GraphQL</a:t>
-            </a:r>
-            <a:endParaRPr lang="en-US" dirty="0"/>
-          </a:p>
-          <a:p>
-            <a:pPr lvl="1"/>
-            <a:r>
-              <a:rPr lang="en-US" dirty="0">
-                <a:hlinkClick r:id="rId10"/>
-              </a:rPr>
-              <a:t>https://graphql.org/</a:t>
-            </a:r>
-            <a:endParaRPr lang="en-US" dirty="0"/>
-          </a:p>
-          <a:p>
-            <a:pPr lvl="1"/>
-            <a:r>
-              <a:rPr lang="en-US" dirty="0">
-                <a:hlinkClick r:id="rId11"/>
-              </a:rPr>
-              <a:t>https://www.apollographql.com/</a:t>
-            </a:r>
-            <a:endParaRPr lang="en-US" dirty="0"/>
-          </a:p>
-          <a:p>
-            <a:pPr lvl="1"/>
-            <a:r>
-              <a:rPr lang="en-US" dirty="0">
-                <a:hlinkClick r:id="rId12"/>
-              </a:rPr>
-              <a:t>https://medium.freecodecamp.org/how-to-set-up-a-graphql-server-using-node-js-express-mongodb-52421b73f474</a:t>
-            </a:r>
-            <a:endParaRPr lang="en-US" dirty="0"/>
-          </a:p>
-          <a:p>
-            <a:pPr lvl="1"/>
-            <a:endParaRPr lang="en-US" dirty="0"/>
-          </a:p>
-          <a:p>
-            <a:pPr lvl="1"/>
-            <a:endParaRPr lang="en-US" dirty="0"/>
-          </a:p>
-          <a:p>
-            <a:pPr lvl="1"/>
-            <a:endParaRPr lang="en-US" dirty="0"/>
-          </a:p>
-          <a:p>
-            <a:pPr marL="0" lvl="1" indent="0">
-              <a:buNone/>
-            </a:pPr>
-            <a:endParaRPr lang="en-US" dirty="0"/>
-          </a:p>
-          <a:p>
-            <a:pPr lvl="1"/>
-            <a:endParaRPr lang="en-US" dirty="0"/>
-          </a:p>
-          <a:p>
-            <a:pPr marL="0" lvl="1" indent="0">
-              <a:buNone/>
-            </a:pPr>
-            <a:endParaRPr lang="en-US" dirty="0"/>
           </a:p>
         </p:txBody>
       </p:sp>
     </p:spTree>
     <p:extLst>
       <p:ext uri="{BB962C8B-B14F-4D97-AF65-F5344CB8AC3E}">
-        <p14:creationId xmlns:p14="http://schemas.microsoft.com/office/powerpoint/2010/main" val="2320338845"/>
+        <p14:creationId xmlns:p14="http://schemas.microsoft.com/office/powerpoint/2010/main" val="1976160400"/>
       </p:ext>
     </p:extLst>
   </p:cSld>
@@ -6480,40 +6765,18 @@
       </p:grpSpPr>
       <p:sp>
         <p:nvSpPr>
-          <p:cNvPr id="2" name="Thank you"/>
+          <p:cNvPr id="4" name="Title 3"/>
           <p:cNvSpPr>
             <a:spLocks noGrp="1"/>
           </p:cNvSpPr>
           <p:nvPr>
-            <p:ph type="ctrTitle"/>
-          </p:nvPr>
-        </p:nvSpPr>
-        <p:spPr/>
-        <p:txBody>
-          <a:bodyPr/>
-          <a:lstStyle/>
-          <a:p>
-            <a:r>
-              <a:rPr lang="en-US"/>
-              <a:t>Thank you.</a:t>
-            </a:r>
-          </a:p>
-        </p:txBody>
-      </p:sp>
-      <p:sp>
-        <p:nvSpPr>
-          <p:cNvPr id="3" name="Contact information"/>
-          <p:cNvSpPr>
-            <a:spLocks noGrp="1"/>
-          </p:cNvSpPr>
-          <p:nvPr>
-            <p:ph type="body" sz="quarter" idx="10"/>
+            <p:ph type="title"/>
           </p:nvPr>
         </p:nvSpPr>
         <p:spPr>
           <a:xfrm>
-            <a:off x="504000" y="2905487"/>
-            <a:ext cx="5593588" cy="2501010"/>
+            <a:off x="504001" y="504000"/>
+            <a:ext cx="11186476" cy="369332"/>
           </a:xfrm>
         </p:spPr>
         <p:txBody>
@@ -6521,162 +6784,17 @@
           <a:lstStyle/>
           <a:p>
             <a:r>
-              <a:rPr lang="en-US" dirty="0"/>
-              <a:t>Contact information:</a:t>
-            </a:r>
-          </a:p>
-          <a:p>
-            <a:pPr lvl="1"/>
-            <a:r>
-              <a:rPr lang="en-US" b="1" dirty="0" err="1"/>
-              <a:t>Yavor</a:t>
-            </a:r>
-            <a:r>
-              <a:rPr lang="en-US" b="1" dirty="0"/>
-              <a:t> Ivanov</a:t>
-            </a:r>
-          </a:p>
-          <a:p>
-            <a:pPr lvl="1"/>
-            <a:r>
               <a:rPr lang="en-US" dirty="0" err="1"/>
-              <a:t>yavor.Ivanov@sap.com</a:t>
-            </a:r>
-            <a:endParaRPr lang="en-US" dirty="0"/>
-          </a:p>
-          <a:p>
-            <a:pPr lvl="1"/>
-            <a:r>
-              <a:rPr lang="en-US" dirty="0"/>
-              <a:t>     @d3xter666         d3xter666</a:t>
-            </a:r>
-          </a:p>
-          <a:p>
-            <a:pPr lvl="1"/>
-            <a:endParaRPr lang="en-US" b="1" dirty="0"/>
-          </a:p>
-          <a:p>
-            <a:pPr lvl="1"/>
-            <a:r>
-              <a:rPr lang="en-US" b="1" dirty="0"/>
-              <a:t>Petya Markova-</a:t>
-            </a:r>
-            <a:r>
-              <a:rPr lang="en-US" b="1" dirty="0" err="1"/>
-              <a:t>Bogdanova</a:t>
-            </a:r>
-            <a:endParaRPr lang="en-US" b="1" dirty="0"/>
-          </a:p>
-          <a:p>
-            <a:pPr lvl="1"/>
-            <a:r>
-              <a:rPr lang="en-US" dirty="0" err="1"/>
-              <a:t>petya.markova-bogdanova@sap.com</a:t>
-            </a:r>
-            <a:endParaRPr lang="en-US" dirty="0"/>
+              <a:t>GraphQL</a:t>
+            </a:r>
+            <a:endParaRPr lang="en-US" sz="1800" b="0" dirty="0"/>
           </a:p>
         </p:txBody>
       </p:sp>
-      <p:pic>
-        <p:nvPicPr>
-          <p:cNvPr id="5" name="Picture 4"/>
-          <p:cNvPicPr>
-            <a:picLocks noChangeAspect="1"/>
-          </p:cNvPicPr>
-          <p:nvPr/>
-        </p:nvPicPr>
-        <p:blipFill>
-          <a:blip r:embed="rId3"/>
-          <a:stretch>
-            <a:fillRect/>
-          </a:stretch>
-        </p:blipFill>
-        <p:spPr>
-          <a:xfrm>
-            <a:off x="5718587" y="2217109"/>
-            <a:ext cx="6029396" cy="2343272"/>
-          </a:xfrm>
-          <a:prstGeom prst="rect">
-            <a:avLst/>
-          </a:prstGeom>
-        </p:spPr>
-      </p:pic>
-      <p:pic>
-        <p:nvPicPr>
-          <p:cNvPr id="14" name="Graphic 13">
-            <a:extLst>
-              <a:ext uri="{FF2B5EF4-FFF2-40B4-BE49-F238E27FC236}">
-                <a16:creationId xmlns:a16="http://schemas.microsoft.com/office/drawing/2014/main" id="{3A32D6B2-E933-944B-8492-89AF5109E6B8}"/>
-              </a:ext>
-            </a:extLst>
-          </p:cNvPr>
-          <p:cNvPicPr>
-            <a:picLocks noChangeAspect="1"/>
-          </p:cNvPicPr>
-          <p:nvPr/>
-        </p:nvPicPr>
-        <p:blipFill>
-          <a:blip r:embed="rId4">
-            <a:extLst>
-              <a:ext uri="{96DAC541-7B7A-43D3-8B79-37D633B846F1}">
-                <asvg:svgBlip xmlns:asvg="http://schemas.microsoft.com/office/drawing/2016/SVG/main" r:embed="rId5"/>
-              </a:ext>
-            </a:extLst>
-          </a:blip>
-          <a:stretch>
-            <a:fillRect/>
-          </a:stretch>
-        </p:blipFill>
-        <p:spPr>
-          <a:xfrm>
-            <a:off x="504000" y="3807628"/>
-            <a:ext cx="250602" cy="250602"/>
-          </a:xfrm>
-          <a:prstGeom prst="rect">
-            <a:avLst/>
-          </a:prstGeom>
-        </p:spPr>
-      </p:pic>
-      <p:pic>
-        <p:nvPicPr>
-          <p:cNvPr id="16" name="Graphic 15">
-            <a:extLst>
-              <a:ext uri="{FF2B5EF4-FFF2-40B4-BE49-F238E27FC236}">
-                <a16:creationId xmlns:a16="http://schemas.microsoft.com/office/drawing/2014/main" id="{36510613-63FD-7143-B55B-E8E2C6CCCB89}"/>
-              </a:ext>
-            </a:extLst>
-          </p:cNvPr>
-          <p:cNvPicPr>
-            <a:picLocks noChangeAspect="1"/>
-          </p:cNvPicPr>
-          <p:nvPr/>
-        </p:nvPicPr>
-        <p:blipFill>
-          <a:blip r:embed="rId6">
-            <a:extLst>
-              <a:ext uri="{96DAC541-7B7A-43D3-8B79-37D633B846F1}">
-                <asvg:svgBlip xmlns:asvg="http://schemas.microsoft.com/office/drawing/2016/SVG/main" r:embed="rId7"/>
-              </a:ext>
-            </a:extLst>
-          </a:blip>
-          <a:stretch>
-            <a:fillRect/>
-          </a:stretch>
-        </p:blipFill>
-        <p:spPr>
-          <a:xfrm>
-            <a:off x="2095799" y="3807628"/>
-            <a:ext cx="250602" cy="250602"/>
-          </a:xfrm>
-          <a:prstGeom prst="rect">
-            <a:avLst/>
-          </a:prstGeom>
-        </p:spPr>
-      </p:pic>
     </p:spTree>
     <p:extLst>
       <p:ext uri="{BB962C8B-B14F-4D97-AF65-F5344CB8AC3E}">
-        <p14:creationId xmlns:p14="http://schemas.microsoft.com/office/powerpoint/2010/main" val="1881851238"/>
+        <p14:creationId xmlns:p14="http://schemas.microsoft.com/office/powerpoint/2010/main" val="1391546965"/>
       </p:ext>
     </p:extLst>
   </p:cSld>
@@ -7481,18 +7599,18 @@
 </file>
 
 <file path=customXml/item2.xml><?xml version="1.0" encoding="utf-8"?>
-<p:properties xmlns:p="http://schemas.microsoft.com/office/2006/metadata/properties" xmlns:xsi="http://www.w3.org/2001/XMLSchema-instance" xmlns:pc="http://schemas.microsoft.com/office/infopath/2007/PartnerControls">
-  <documentManagement/>
-</p:properties>
-</file>
-
-<file path=customXml/item3.xml><?xml version="1.0" encoding="utf-8"?>
 <?mso-contentType ?>
 <FormTemplates xmlns="http://schemas.microsoft.com/sharepoint/v3/contenttype/forms">
   <Display>DocumentLibraryForm</Display>
   <Edit>DocumentLibraryForm</Edit>
   <New>DocumentLibraryForm</New>
 </FormTemplates>
+</file>
+
+<file path=customXml/item3.xml><?xml version="1.0" encoding="utf-8"?>
+<p:properties xmlns:p="http://schemas.microsoft.com/office/2006/metadata/properties" xmlns:xsi="http://www.w3.org/2001/XMLSchema-instance" xmlns:pc="http://schemas.microsoft.com/office/infopath/2007/PartnerControls">
+  <documentManagement/>
+</p:properties>
 </file>
 
 <file path=customXml/itemProps1.xml><?xml version="1.0" encoding="utf-8"?>
@@ -7514,6 +7632,14 @@
 </file>
 
 <file path=customXml/itemProps2.xml><?xml version="1.0" encoding="utf-8"?>
+<ds:datastoreItem xmlns:ds="http://schemas.openxmlformats.org/officeDocument/2006/customXml" ds:itemID="{F5C704F8-E492-4D0C-B57C-F66B10524C56}">
+  <ds:schemaRefs>
+    <ds:schemaRef ds:uri="http://schemas.microsoft.com/sharepoint/v3/contenttype/forms"/>
+  </ds:schemaRefs>
+</ds:datastoreItem>
+</file>
+
+<file path=customXml/itemProps3.xml><?xml version="1.0" encoding="utf-8"?>
 <ds:datastoreItem xmlns:ds="http://schemas.openxmlformats.org/officeDocument/2006/customXml" ds:itemID="{44AA3C33-C817-4C29-B68E-48FE50772B54}">
   <ds:schemaRefs>
     <ds:schemaRef ds:uri="http://schemas.microsoft.com/office/2006/documentManagement/types"/>
@@ -7527,12 +7653,4 @@
     <ds:schemaRef ds:uri="http://schemas.microsoft.com/office/2006/metadata/properties"/>
   </ds:schemaRefs>
 </ds:datastoreItem>
-</file>
-
-<file path=customXml/itemProps3.xml><?xml version="1.0" encoding="utf-8"?>
-<ds:datastoreItem xmlns:ds="http://schemas.openxmlformats.org/officeDocument/2006/customXml" ds:itemID="{F5C704F8-E492-4D0C-B57C-F66B10524C56}">
-  <ds:schemaRefs>
-    <ds:schemaRef ds:uri="http://schemas.microsoft.com/sharepoint/v3/contenttype/forms"/>
-  </ds:schemaRefs>
-</ds:datastoreItem>
 </file>
--- a/ui5con2019-mean-stack-ui5.pptx
+++ b/ui5con2019-mean-stack-ui5.pptx
@@ -5,23 +5,25 @@
     <p:sldMasterId id="2147483733" r:id="rId4"/>
   </p:sldMasterIdLst>
   <p:notesMasterIdLst>
-    <p:notesMasterId r:id="rId16"/>
+    <p:notesMasterId r:id="rId18"/>
   </p:notesMasterIdLst>
   <p:handoutMasterIdLst>
-    <p:handoutMasterId r:id="rId17"/>
+    <p:handoutMasterId r:id="rId19"/>
   </p:handoutMasterIdLst>
   <p:sldIdLst>
     <p:sldId id="434" r:id="rId5"/>
     <p:sldId id="444" r:id="rId6"/>
     <p:sldId id="443" r:id="rId7"/>
-    <p:sldId id="446" r:id="rId8"/>
-    <p:sldId id="445" r:id="rId9"/>
-    <p:sldId id="447" r:id="rId10"/>
-    <p:sldId id="448" r:id="rId11"/>
-    <p:sldId id="449" r:id="rId12"/>
-    <p:sldId id="450" r:id="rId13"/>
-    <p:sldId id="442" r:id="rId14"/>
-    <p:sldId id="413" r:id="rId15"/>
+    <p:sldId id="448" r:id="rId8"/>
+    <p:sldId id="447" r:id="rId9"/>
+    <p:sldId id="445" r:id="rId10"/>
+    <p:sldId id="446" r:id="rId11"/>
+    <p:sldId id="416" r:id="rId12"/>
+    <p:sldId id="449" r:id="rId13"/>
+    <p:sldId id="450" r:id="rId14"/>
+    <p:sldId id="451" r:id="rId15"/>
+    <p:sldId id="442" r:id="rId16"/>
+    <p:sldId id="413" r:id="rId17"/>
   </p:sldIdLst>
   <p:sldSz cx="12195175" cy="6858000"/>
   <p:notesSz cx="6797675" cy="9928225"/>
@@ -1804,7 +1806,7 @@
     </p:spTree>
     <p:extLst>
       <p:ext uri="{BB962C8B-B14F-4D97-AF65-F5344CB8AC3E}">
-        <p14:creationId xmlns:p14="http://schemas.microsoft.com/office/powerpoint/2010/main" val="3501498936"/>
+        <p14:creationId xmlns:p14="http://schemas.microsoft.com/office/powerpoint/2010/main" val="2108906694"/>
       </p:ext>
     </p:extLst>
   </p:cSld>
@@ -1889,7 +1891,7 @@
     </p:spTree>
     <p:extLst>
       <p:ext uri="{BB962C8B-B14F-4D97-AF65-F5344CB8AC3E}">
-        <p14:creationId xmlns:p14="http://schemas.microsoft.com/office/powerpoint/2010/main" val="215363078"/>
+        <p14:creationId xmlns:p14="http://schemas.microsoft.com/office/powerpoint/2010/main" val="1859662514"/>
       </p:ext>
     </p:extLst>
   </p:cSld>
@@ -1965,7 +1967,7 @@
             <a:fld id="{7D8C2C35-2B8A-446E-BEC0-FD36716C29AC}" type="slidenum">
               <a:rPr lang="de-DE" smtClean="0"/>
               <a:pPr/>
-              <a:t>10</a:t>
+              <a:t>4</a:t>
             </a:fld>
             <a:endParaRPr lang="de-DE"/>
           </a:p>
@@ -1974,7 +1976,7 @@
     </p:spTree>
     <p:extLst>
       <p:ext uri="{BB962C8B-B14F-4D97-AF65-F5344CB8AC3E}">
-        <p14:creationId xmlns:p14="http://schemas.microsoft.com/office/powerpoint/2010/main" val="2641670643"/>
+        <p14:creationId xmlns:p14="http://schemas.microsoft.com/office/powerpoint/2010/main" val="2013205122"/>
       </p:ext>
     </p:extLst>
   </p:cSld>
@@ -2028,6 +2030,91 @@
           <a:bodyPr/>
           <a:lstStyle/>
           <a:p>
+            <a:endParaRPr lang="en-US" sz="900" dirty="0"/>
+          </a:p>
+        </p:txBody>
+      </p:sp>
+      <p:sp>
+        <p:nvSpPr>
+          <p:cNvPr id="4" name="Slide Number Placeholder 3"/>
+          <p:cNvSpPr>
+            <a:spLocks noGrp="1"/>
+          </p:cNvSpPr>
+          <p:nvPr>
+            <p:ph type="sldNum" sz="quarter" idx="10"/>
+          </p:nvPr>
+        </p:nvSpPr>
+        <p:spPr/>
+        <p:txBody>
+          <a:bodyPr/>
+          <a:lstStyle/>
+          <a:p>
+            <a:fld id="{7D8C2C35-2B8A-446E-BEC0-FD36716C29AC}" type="slidenum">
+              <a:rPr lang="de-DE" smtClean="0"/>
+              <a:pPr/>
+              <a:t>8</a:t>
+            </a:fld>
+            <a:endParaRPr lang="de-DE"/>
+          </a:p>
+        </p:txBody>
+      </p:sp>
+    </p:spTree>
+    <p:extLst>
+      <p:ext uri="{BB962C8B-B14F-4D97-AF65-F5344CB8AC3E}">
+        <p14:creationId xmlns:p14="http://schemas.microsoft.com/office/powerpoint/2010/main" val="2965686063"/>
+      </p:ext>
+    </p:extLst>
+  </p:cSld>
+  <p:clrMapOvr>
+    <a:masterClrMapping/>
+  </p:clrMapOvr>
+</p:notes>
+</file>
+
+<file path=ppt/notesSlides/notesSlide5.xml><?xml version="1.0" encoding="utf-8"?>
+<p:notes xmlns:a="http://schemas.openxmlformats.org/drawingml/2006/main" xmlns:r="http://schemas.openxmlformats.org/officeDocument/2006/relationships" xmlns:p="http://schemas.openxmlformats.org/presentationml/2006/main">
+  <p:cSld>
+    <p:spTree>
+      <p:nvGrpSpPr>
+        <p:cNvPr id="1" name=""/>
+        <p:cNvGrpSpPr/>
+        <p:nvPr/>
+      </p:nvGrpSpPr>
+      <p:grpSpPr>
+        <a:xfrm>
+          <a:off x="0" y="0"/>
+          <a:ext cx="0" cy="0"/>
+          <a:chOff x="0" y="0"/>
+          <a:chExt cx="0" cy="0"/>
+        </a:xfrm>
+      </p:grpSpPr>
+      <p:sp>
+        <p:nvSpPr>
+          <p:cNvPr id="2" name="Slide Image Placeholder 1"/>
+          <p:cNvSpPr>
+            <a:spLocks noGrp="1" noRot="1" noChangeAspect="1"/>
+          </p:cNvSpPr>
+          <p:nvPr>
+            <p:ph type="sldImg"/>
+          </p:nvPr>
+        </p:nvSpPr>
+        <p:spPr/>
+      </p:sp>
+      <p:sp>
+        <p:nvSpPr>
+          <p:cNvPr id="3" name="Notes Placeholder 2"/>
+          <p:cNvSpPr>
+            <a:spLocks noGrp="1"/>
+          </p:cNvSpPr>
+          <p:nvPr>
+            <p:ph type="body" idx="1"/>
+          </p:nvPr>
+        </p:nvSpPr>
+        <p:spPr/>
+        <p:txBody>
+          <a:bodyPr/>
+          <a:lstStyle/>
+          <a:p>
             <a:endParaRPr lang="en-US" dirty="0"/>
           </a:p>
         </p:txBody>
@@ -2050,7 +2137,7 @@
             <a:fld id="{7D8C2C35-2B8A-446E-BEC0-FD36716C29AC}" type="slidenum">
               <a:rPr lang="de-DE" smtClean="0"/>
               <a:pPr/>
-              <a:t>11</a:t>
+              <a:t>12</a:t>
             </a:fld>
             <a:endParaRPr lang="de-DE"/>
           </a:p>
@@ -2059,7 +2146,92 @@
     </p:spTree>
     <p:extLst>
       <p:ext uri="{BB962C8B-B14F-4D97-AF65-F5344CB8AC3E}">
-        <p14:creationId xmlns:p14="http://schemas.microsoft.com/office/powerpoint/2010/main" val="162782279"/>
+        <p14:creationId xmlns:p14="http://schemas.microsoft.com/office/powerpoint/2010/main" val="375890908"/>
+      </p:ext>
+    </p:extLst>
+  </p:cSld>
+  <p:clrMapOvr>
+    <a:masterClrMapping/>
+  </p:clrMapOvr>
+</p:notes>
+</file>
+
+<file path=ppt/notesSlides/notesSlide6.xml><?xml version="1.0" encoding="utf-8"?>
+<p:notes xmlns:a="http://schemas.openxmlformats.org/drawingml/2006/main" xmlns:r="http://schemas.openxmlformats.org/officeDocument/2006/relationships" xmlns:p="http://schemas.openxmlformats.org/presentationml/2006/main">
+  <p:cSld>
+    <p:spTree>
+      <p:nvGrpSpPr>
+        <p:cNvPr id="1" name=""/>
+        <p:cNvGrpSpPr/>
+        <p:nvPr/>
+      </p:nvGrpSpPr>
+      <p:grpSpPr>
+        <a:xfrm>
+          <a:off x="0" y="0"/>
+          <a:ext cx="0" cy="0"/>
+          <a:chOff x="0" y="0"/>
+          <a:chExt cx="0" cy="0"/>
+        </a:xfrm>
+      </p:grpSpPr>
+      <p:sp>
+        <p:nvSpPr>
+          <p:cNvPr id="2" name="Slide Image Placeholder 1"/>
+          <p:cNvSpPr>
+            <a:spLocks noGrp="1" noRot="1" noChangeAspect="1"/>
+          </p:cNvSpPr>
+          <p:nvPr>
+            <p:ph type="sldImg"/>
+          </p:nvPr>
+        </p:nvSpPr>
+        <p:spPr/>
+      </p:sp>
+      <p:sp>
+        <p:nvSpPr>
+          <p:cNvPr id="3" name="Notes Placeholder 2"/>
+          <p:cNvSpPr>
+            <a:spLocks noGrp="1"/>
+          </p:cNvSpPr>
+          <p:nvPr>
+            <p:ph type="body" idx="1"/>
+          </p:nvPr>
+        </p:nvSpPr>
+        <p:spPr/>
+        <p:txBody>
+          <a:bodyPr/>
+          <a:lstStyle/>
+          <a:p>
+            <a:endParaRPr lang="en-US" dirty="0"/>
+          </a:p>
+        </p:txBody>
+      </p:sp>
+      <p:sp>
+        <p:nvSpPr>
+          <p:cNvPr id="4" name="Slide Number Placeholder 3"/>
+          <p:cNvSpPr>
+            <a:spLocks noGrp="1"/>
+          </p:cNvSpPr>
+          <p:nvPr>
+            <p:ph type="sldNum" sz="quarter" idx="5"/>
+          </p:nvPr>
+        </p:nvSpPr>
+        <p:spPr/>
+        <p:txBody>
+          <a:bodyPr/>
+          <a:lstStyle/>
+          <a:p>
+            <a:fld id="{7D8C2C35-2B8A-446E-BEC0-FD36716C29AC}" type="slidenum">
+              <a:rPr lang="de-DE" smtClean="0"/>
+              <a:pPr/>
+              <a:t>13</a:t>
+            </a:fld>
+            <a:endParaRPr lang="de-DE"/>
+          </a:p>
+        </p:txBody>
+      </p:sp>
+    </p:spTree>
+    <p:extLst>
+      <p:ext uri="{BB962C8B-B14F-4D97-AF65-F5344CB8AC3E}">
+        <p14:creationId xmlns:p14="http://schemas.microsoft.com/office/powerpoint/2010/main" val="2250704540"/>
       </p:ext>
     </p:extLst>
   </p:cSld>
@@ -5089,7 +5261,13 @@
       </p:sp>
       <p:pic>
         <p:nvPicPr>
-          <p:cNvPr id="9" name="Picture 8"/>
+          <p:cNvPr id="5" name="Picture 4">
+            <a:extLst>
+              <a:ext uri="{FF2B5EF4-FFF2-40B4-BE49-F238E27FC236}">
+                <a16:creationId xmlns:a16="http://schemas.microsoft.com/office/drawing/2014/main" id="{450083ED-7821-2C4F-9CF8-95A4D9CC1532}"/>
+              </a:ext>
+            </a:extLst>
+          </p:cNvPr>
           <p:cNvPicPr>
             <a:picLocks noChangeAspect="1"/>
           </p:cNvPicPr>
@@ -5114,7 +5292,7 @@
     </p:spTree>
     <p:extLst>
       <p:ext uri="{BB962C8B-B14F-4D97-AF65-F5344CB8AC3E}">
-        <p14:creationId xmlns:p14="http://schemas.microsoft.com/office/powerpoint/2010/main" val="1786748081"/>
+        <p14:creationId xmlns:p14="http://schemas.microsoft.com/office/powerpoint/2010/main" val="325584407"/>
       </p:ext>
     </p:extLst>
   </p:cSld>
@@ -5125,6 +5303,430 @@
 </file>
 
 <file path=ppt/slides/slide10.xml><?xml version="1.0" encoding="utf-8"?>
+<p:sld xmlns:a="http://schemas.openxmlformats.org/drawingml/2006/main" xmlns:r="http://schemas.openxmlformats.org/officeDocument/2006/relationships" xmlns:p="http://schemas.openxmlformats.org/presentationml/2006/main">
+  <p:cSld>
+    <p:spTree>
+      <p:nvGrpSpPr>
+        <p:cNvPr id="1" name=""/>
+        <p:cNvGrpSpPr/>
+        <p:nvPr/>
+      </p:nvGrpSpPr>
+      <p:grpSpPr>
+        <a:xfrm>
+          <a:off x="0" y="0"/>
+          <a:ext cx="0" cy="0"/>
+          <a:chOff x="0" y="0"/>
+          <a:chExt cx="0" cy="0"/>
+        </a:xfrm>
+      </p:grpSpPr>
+      <p:sp>
+        <p:nvSpPr>
+          <p:cNvPr id="4" name="Title 3"/>
+          <p:cNvSpPr>
+            <a:spLocks noGrp="1"/>
+          </p:cNvSpPr>
+          <p:nvPr>
+            <p:ph type="title"/>
+          </p:nvPr>
+        </p:nvSpPr>
+        <p:spPr>
+          <a:xfrm>
+            <a:off x="504001" y="504000"/>
+            <a:ext cx="11186476" cy="369332"/>
+          </a:xfrm>
+        </p:spPr>
+        <p:txBody>
+          <a:bodyPr/>
+          <a:lstStyle/>
+          <a:p>
+            <a:r>
+              <a:rPr lang="en-US" dirty="0" err="1"/>
+              <a:t>GraphQL</a:t>
+            </a:r>
+            <a:endParaRPr lang="en-US" sz="1800" b="0" dirty="0"/>
+          </a:p>
+        </p:txBody>
+      </p:sp>
+      <p:sp>
+        <p:nvSpPr>
+          <p:cNvPr id="3" name="Rectangle 2">
+            <a:extLst>
+              <a:ext uri="{FF2B5EF4-FFF2-40B4-BE49-F238E27FC236}">
+                <a16:creationId xmlns:a16="http://schemas.microsoft.com/office/drawing/2014/main" id="{E80AF9B8-37C3-E644-A1DA-5F5D28F6F785}"/>
+              </a:ext>
+            </a:extLst>
+          </p:cNvPr>
+          <p:cNvSpPr/>
+          <p:nvPr/>
+        </p:nvSpPr>
+        <p:spPr>
+          <a:xfrm>
+            <a:off x="504001" y="873332"/>
+            <a:ext cx="11186476" cy="1785104"/>
+          </a:xfrm>
+          <a:prstGeom prst="rect">
+            <a:avLst/>
+          </a:prstGeom>
+        </p:spPr>
+        <p:txBody>
+          <a:bodyPr wrap="square">
+            <a:spAutoFit/>
+          </a:bodyPr>
+          <a:lstStyle/>
+          <a:p>
+            <a:pPr algn="ctr"/>
+            <a:r>
+              <a:rPr lang="en-US" sz="2000" dirty="0">
+                <a:solidFill>
+                  <a:srgbClr val="202020"/>
+                </a:solidFill>
+                <a:latin typeface="Arial" panose="020B0604020202020204" pitchFamily="34" charset="0"/>
+                <a:cs typeface="Arial" panose="020B0604020202020204" pitchFamily="34" charset="0"/>
+              </a:rPr>
+              <a:t>A query language for your API</a:t>
+            </a:r>
+          </a:p>
+          <a:p>
+            <a:endParaRPr lang="en-US" sz="1800" dirty="0">
+              <a:solidFill>
+                <a:srgbClr val="202020"/>
+              </a:solidFill>
+              <a:latin typeface="Arial" panose="020B0604020202020204" pitchFamily="34" charset="0"/>
+              <a:cs typeface="Arial" panose="020B0604020202020204" pitchFamily="34" charset="0"/>
+            </a:endParaRPr>
+          </a:p>
+          <a:p>
+            <a:pPr algn="just"/>
+            <a:r>
+              <a:rPr lang="en-US" sz="1800" dirty="0" err="1">
+                <a:solidFill>
+                  <a:srgbClr val="202020"/>
+                </a:solidFill>
+                <a:latin typeface="Arial" panose="020B0604020202020204" pitchFamily="34" charset="0"/>
+                <a:cs typeface="Arial" panose="020B0604020202020204" pitchFamily="34" charset="0"/>
+              </a:rPr>
+              <a:t>GraphQL</a:t>
+            </a:r>
+            <a:r>
+              <a:rPr lang="en-US" sz="1800" dirty="0">
+                <a:solidFill>
+                  <a:srgbClr val="202020"/>
+                </a:solidFill>
+                <a:latin typeface="Arial" panose="020B0604020202020204" pitchFamily="34" charset="0"/>
+                <a:cs typeface="Arial" panose="020B0604020202020204" pitchFamily="34" charset="0"/>
+              </a:rPr>
+              <a:t> is a query language for APIs and a runtime for fulfilling those queries with your existing data. </a:t>
+            </a:r>
+            <a:r>
+              <a:rPr lang="en-US" sz="1800" dirty="0" err="1">
+                <a:solidFill>
+                  <a:srgbClr val="202020"/>
+                </a:solidFill>
+                <a:latin typeface="Arial" panose="020B0604020202020204" pitchFamily="34" charset="0"/>
+                <a:cs typeface="Arial" panose="020B0604020202020204" pitchFamily="34" charset="0"/>
+              </a:rPr>
+              <a:t>GraphQL</a:t>
+            </a:r>
+            <a:r>
+              <a:rPr lang="en-US" sz="1800" dirty="0">
+                <a:solidFill>
+                  <a:srgbClr val="202020"/>
+                </a:solidFill>
+                <a:latin typeface="Arial" panose="020B0604020202020204" pitchFamily="34" charset="0"/>
+                <a:cs typeface="Arial" panose="020B0604020202020204" pitchFamily="34" charset="0"/>
+              </a:rPr>
+              <a:t> provides a complete and understandable description of the data in your API, gives clients the power to ask for exactly what they need and nothing more, makes it easier to evolve APIs over time, and enables powerful developer tools.</a:t>
+            </a:r>
+            <a:endParaRPr lang="en-US" sz="1800" dirty="0">
+              <a:latin typeface="Arial" panose="020B0604020202020204" pitchFamily="34" charset="0"/>
+              <a:cs typeface="Arial" panose="020B0604020202020204" pitchFamily="34" charset="0"/>
+            </a:endParaRPr>
+          </a:p>
+        </p:txBody>
+      </p:sp>
+      <p:pic>
+        <p:nvPicPr>
+          <p:cNvPr id="6" name="Picture 5">
+            <a:extLst>
+              <a:ext uri="{FF2B5EF4-FFF2-40B4-BE49-F238E27FC236}">
+                <a16:creationId xmlns:a16="http://schemas.microsoft.com/office/drawing/2014/main" id="{CD38DCF6-F74A-3E4C-84D6-650EDF552478}"/>
+              </a:ext>
+            </a:extLst>
+          </p:cNvPr>
+          <p:cNvPicPr>
+            <a:picLocks noChangeAspect="1"/>
+          </p:cNvPicPr>
+          <p:nvPr/>
+        </p:nvPicPr>
+        <p:blipFill>
+          <a:blip r:embed="rId2"/>
+          <a:stretch>
+            <a:fillRect/>
+          </a:stretch>
+        </p:blipFill>
+        <p:spPr>
+          <a:xfrm>
+            <a:off x="0" y="3429000"/>
+            <a:ext cx="12195175" cy="2169230"/>
+          </a:xfrm>
+          <a:prstGeom prst="rect">
+            <a:avLst/>
+          </a:prstGeom>
+        </p:spPr>
+      </p:pic>
+    </p:spTree>
+    <p:extLst>
+      <p:ext uri="{BB962C8B-B14F-4D97-AF65-F5344CB8AC3E}">
+        <p14:creationId xmlns:p14="http://schemas.microsoft.com/office/powerpoint/2010/main" val="1338021150"/>
+      </p:ext>
+    </p:extLst>
+  </p:cSld>
+  <p:clrMapOvr>
+    <a:masterClrMapping/>
+  </p:clrMapOvr>
+</p:sld>
+</file>
+
+<file path=ppt/slides/slide11.xml><?xml version="1.0" encoding="utf-8"?>
+<p:sld xmlns:a="http://schemas.openxmlformats.org/drawingml/2006/main" xmlns:r="http://schemas.openxmlformats.org/officeDocument/2006/relationships" xmlns:p="http://schemas.openxmlformats.org/presentationml/2006/main">
+  <p:cSld>
+    <p:spTree>
+      <p:nvGrpSpPr>
+        <p:cNvPr id="1" name=""/>
+        <p:cNvGrpSpPr/>
+        <p:nvPr/>
+      </p:nvGrpSpPr>
+      <p:grpSpPr>
+        <a:xfrm>
+          <a:off x="0" y="0"/>
+          <a:ext cx="0" cy="0"/>
+          <a:chOff x="0" y="0"/>
+          <a:chExt cx="0" cy="0"/>
+        </a:xfrm>
+      </p:grpSpPr>
+      <p:sp>
+        <p:nvSpPr>
+          <p:cNvPr id="4" name="Title 3"/>
+          <p:cNvSpPr>
+            <a:spLocks noGrp="1"/>
+          </p:cNvSpPr>
+          <p:nvPr>
+            <p:ph type="title"/>
+          </p:nvPr>
+        </p:nvSpPr>
+        <p:spPr>
+          <a:xfrm>
+            <a:off x="504001" y="504000"/>
+            <a:ext cx="11186476" cy="369332"/>
+          </a:xfrm>
+        </p:spPr>
+        <p:txBody>
+          <a:bodyPr/>
+          <a:lstStyle/>
+          <a:p>
+            <a:r>
+              <a:rPr lang="en-US" dirty="0"/>
+              <a:t>PWA</a:t>
+            </a:r>
+            <a:endParaRPr lang="en-US" sz="1800" b="0" dirty="0"/>
+          </a:p>
+        </p:txBody>
+      </p:sp>
+      <p:sp>
+        <p:nvSpPr>
+          <p:cNvPr id="2" name="Rectangle 1">
+            <a:extLst>
+              <a:ext uri="{FF2B5EF4-FFF2-40B4-BE49-F238E27FC236}">
+                <a16:creationId xmlns:a16="http://schemas.microsoft.com/office/drawing/2014/main" id="{808D5251-F2A9-9B4F-A895-2006A9FF2E60}"/>
+              </a:ext>
+            </a:extLst>
+          </p:cNvPr>
+          <p:cNvSpPr/>
+          <p:nvPr/>
+        </p:nvSpPr>
+        <p:spPr>
+          <a:xfrm>
+            <a:off x="504349" y="1813173"/>
+            <a:ext cx="11186476" cy="2246769"/>
+          </a:xfrm>
+          <a:prstGeom prst="rect">
+            <a:avLst/>
+          </a:prstGeom>
+        </p:spPr>
+        <p:txBody>
+          <a:bodyPr wrap="square">
+            <a:spAutoFit/>
+          </a:bodyPr>
+          <a:lstStyle/>
+          <a:p>
+            <a:r>
+              <a:rPr lang="en-US" sz="2000" dirty="0">
+                <a:solidFill>
+                  <a:srgbClr val="212121"/>
+                </a:solidFill>
+                <a:latin typeface="Arial" panose="020B0604020202020204" pitchFamily="34" charset="0"/>
+                <a:cs typeface="Arial" panose="020B0604020202020204" pitchFamily="34" charset="0"/>
+              </a:rPr>
+              <a:t>Progressive Web Apps are user experiences that have the reach of the web, and are:</a:t>
+            </a:r>
+          </a:p>
+          <a:p>
+            <a:endParaRPr lang="en-US" sz="2000" dirty="0">
+              <a:solidFill>
+                <a:srgbClr val="212121"/>
+              </a:solidFill>
+              <a:latin typeface="Arial" panose="020B0604020202020204" pitchFamily="34" charset="0"/>
+              <a:cs typeface="Arial" panose="020B0604020202020204" pitchFamily="34" charset="0"/>
+            </a:endParaRPr>
+          </a:p>
+          <a:p>
+            <a:pPr marL="342900" indent="-342900">
+              <a:buFont typeface="Arial" panose="020B0604020202020204" pitchFamily="34" charset="0"/>
+              <a:buChar char="•"/>
+            </a:pPr>
+            <a:r>
+              <a:rPr lang="en-US" sz="2000" b="1" dirty="0">
+                <a:solidFill>
+                  <a:schemeClr val="accent1"/>
+                </a:solidFill>
+              </a:rPr>
+              <a:t>Reliable</a:t>
+            </a:r>
+            <a:r>
+              <a:rPr lang="en-US" sz="2000" dirty="0">
+                <a:solidFill>
+                  <a:srgbClr val="212121"/>
+                </a:solidFill>
+                <a:latin typeface="Arial" panose="020B0604020202020204" pitchFamily="34" charset="0"/>
+                <a:cs typeface="Arial" panose="020B0604020202020204" pitchFamily="34" charset="0"/>
+              </a:rPr>
+              <a:t> - Load instantly and never show the </a:t>
+            </a:r>
+            <a:r>
+              <a:rPr lang="en-US" sz="2000" dirty="0" err="1">
+                <a:solidFill>
+                  <a:srgbClr val="212121"/>
+                </a:solidFill>
+                <a:latin typeface="Arial" panose="020B0604020202020204" pitchFamily="34" charset="0"/>
+                <a:cs typeface="Arial" panose="020B0604020202020204" pitchFamily="34" charset="0"/>
+              </a:rPr>
+              <a:t>downasaur</a:t>
+            </a:r>
+            <a:r>
+              <a:rPr lang="en-US" sz="2000" dirty="0">
+                <a:solidFill>
+                  <a:srgbClr val="212121"/>
+                </a:solidFill>
+                <a:latin typeface="Arial" panose="020B0604020202020204" pitchFamily="34" charset="0"/>
+                <a:cs typeface="Arial" panose="020B0604020202020204" pitchFamily="34" charset="0"/>
+              </a:rPr>
+              <a:t>, even in uncertain network conditions.</a:t>
+            </a:r>
+          </a:p>
+          <a:p>
+            <a:pPr marL="342900" indent="-342900">
+              <a:buFont typeface="Arial" panose="020B0604020202020204" pitchFamily="34" charset="0"/>
+              <a:buChar char="•"/>
+            </a:pPr>
+            <a:r>
+              <a:rPr lang="en-US" sz="2000" b="1" dirty="0">
+                <a:solidFill>
+                  <a:schemeClr val="accent1"/>
+                </a:solidFill>
+              </a:rPr>
+              <a:t>Fast</a:t>
+            </a:r>
+            <a:r>
+              <a:rPr lang="en-US" sz="2000" dirty="0">
+                <a:solidFill>
+                  <a:srgbClr val="212121"/>
+                </a:solidFill>
+                <a:latin typeface="Arial" panose="020B0604020202020204" pitchFamily="34" charset="0"/>
+                <a:cs typeface="Arial" panose="020B0604020202020204" pitchFamily="34" charset="0"/>
+              </a:rPr>
+              <a:t> - Respond quickly to user interactions with silky smooth animations and no janky scrolling.</a:t>
+            </a:r>
+          </a:p>
+          <a:p>
+            <a:pPr marL="342900" indent="-342900">
+              <a:buFont typeface="Arial" panose="020B0604020202020204" pitchFamily="34" charset="0"/>
+              <a:buChar char="•"/>
+            </a:pPr>
+            <a:r>
+              <a:rPr lang="en-US" sz="2000" b="1" dirty="0">
+                <a:solidFill>
+                  <a:schemeClr val="accent1"/>
+                </a:solidFill>
+              </a:rPr>
+              <a:t>Engaging</a:t>
+            </a:r>
+            <a:r>
+              <a:rPr lang="en-US" sz="2000" dirty="0">
+                <a:solidFill>
+                  <a:srgbClr val="212121"/>
+                </a:solidFill>
+                <a:latin typeface="Arial" panose="020B0604020202020204" pitchFamily="34" charset="0"/>
+                <a:cs typeface="Arial" panose="020B0604020202020204" pitchFamily="34" charset="0"/>
+              </a:rPr>
+              <a:t> - Feel like a natural app on the device, with an immersive user experience.</a:t>
+            </a:r>
+          </a:p>
+        </p:txBody>
+      </p:sp>
+      <p:sp>
+        <p:nvSpPr>
+          <p:cNvPr id="3" name="Rectangle 2">
+            <a:extLst>
+              <a:ext uri="{FF2B5EF4-FFF2-40B4-BE49-F238E27FC236}">
+                <a16:creationId xmlns:a16="http://schemas.microsoft.com/office/drawing/2014/main" id="{8E87C2B7-492C-8843-84EC-B64A2553DB40}"/>
+              </a:ext>
+            </a:extLst>
+          </p:cNvPr>
+          <p:cNvSpPr/>
+          <p:nvPr/>
+        </p:nvSpPr>
+        <p:spPr>
+          <a:xfrm>
+            <a:off x="504000" y="4999783"/>
+            <a:ext cx="11186475" cy="400110"/>
+          </a:xfrm>
+          <a:prstGeom prst="rect">
+            <a:avLst/>
+          </a:prstGeom>
+        </p:spPr>
+        <p:txBody>
+          <a:bodyPr wrap="square">
+            <a:spAutoFit/>
+          </a:bodyPr>
+          <a:lstStyle/>
+          <a:p>
+            <a:r>
+              <a:rPr lang="en-US" sz="2000" dirty="0">
+                <a:solidFill>
+                  <a:srgbClr val="212121"/>
+                </a:solidFill>
+                <a:latin typeface="Arial" panose="020B0604020202020204" pitchFamily="34" charset="0"/>
+                <a:cs typeface="Arial" panose="020B0604020202020204" pitchFamily="34" charset="0"/>
+              </a:rPr>
+              <a:t>This new level of quality allows Progressive Web Apps to earn a place on the user's home screen.</a:t>
+            </a:r>
+          </a:p>
+        </p:txBody>
+      </p:sp>
+    </p:spTree>
+    <p:extLst>
+      <p:ext uri="{BB962C8B-B14F-4D97-AF65-F5344CB8AC3E}">
+        <p14:creationId xmlns:p14="http://schemas.microsoft.com/office/powerpoint/2010/main" val="1373708912"/>
+      </p:ext>
+    </p:extLst>
+  </p:cSld>
+  <p:clrMapOvr>
+    <a:masterClrMapping/>
+  </p:clrMapOvr>
+</p:sld>
+</file>
+
+<file path=ppt/slides/slide12.xml><?xml version="1.0" encoding="utf-8"?>
 <p:sld xmlns:a="http://schemas.openxmlformats.org/drawingml/2006/main" xmlns:r="http://schemas.openxmlformats.org/officeDocument/2006/relationships" xmlns:p="http://schemas.openxmlformats.org/presentationml/2006/main">
   <p:cSld>
     <p:spTree>
@@ -5563,7 +6165,7 @@
     </p:spTree>
     <p:extLst>
       <p:ext uri="{BB962C8B-B14F-4D97-AF65-F5344CB8AC3E}">
-        <p14:creationId xmlns:p14="http://schemas.microsoft.com/office/powerpoint/2010/main" val="2320338845"/>
+        <p14:creationId xmlns:p14="http://schemas.microsoft.com/office/powerpoint/2010/main" val="1836942581"/>
       </p:ext>
     </p:extLst>
   </p:cSld>
@@ -5573,7 +6175,7 @@
 </p:sld>
 </file>
 
-<file path=ppt/slides/slide11.xml><?xml version="1.0" encoding="utf-8"?>
+<file path=ppt/slides/slide13.xml><?xml version="1.0" encoding="utf-8"?>
 <p:sld xmlns:a="http://schemas.openxmlformats.org/drawingml/2006/main" xmlns:r="http://schemas.openxmlformats.org/officeDocument/2006/relationships" xmlns:p="http://schemas.openxmlformats.org/presentationml/2006/main">
   <p:cSld>
     <p:spTree>
@@ -5731,7 +6333,7 @@
           <a:blip r:embed="rId4">
             <a:extLst>
               <a:ext uri="{96DAC541-7B7A-43D3-8B79-37D633B846F1}">
-                <asvg:svgBlip xmlns:asvg="http://schemas.microsoft.com/office/drawing/2016/SVG/main" r:embed="rId5"/>
+                <asvg:svgBlip xmlns:asvg="http://schemas.microsoft.com/office/drawing/2016/SVG/main" r:embed="rId4"/>
               </a:ext>
             </a:extLst>
           </a:blip>
@@ -5764,10 +6366,10 @@
           <p:nvPr/>
         </p:nvPicPr>
         <p:blipFill>
-          <a:blip r:embed="rId6">
+          <a:blip r:embed="rId4">
             <a:extLst>
               <a:ext uri="{96DAC541-7B7A-43D3-8B79-37D633B846F1}">
-                <asvg:svgBlip xmlns:asvg="http://schemas.microsoft.com/office/drawing/2016/SVG/main" r:embed="rId7"/>
+                <asvg:svgBlip xmlns:asvg="http://schemas.microsoft.com/office/drawing/2016/SVG/main" r:embed="rId4"/>
               </a:ext>
             </a:extLst>
           </a:blip>
@@ -5788,7 +6390,7 @@
     </p:spTree>
     <p:extLst>
       <p:ext uri="{BB962C8B-B14F-4D97-AF65-F5344CB8AC3E}">
-        <p14:creationId xmlns:p14="http://schemas.microsoft.com/office/powerpoint/2010/main" val="1881851238"/>
+        <p14:creationId xmlns:p14="http://schemas.microsoft.com/office/powerpoint/2010/main" val="194131960"/>
       </p:ext>
     </p:extLst>
   </p:cSld>
@@ -5848,10 +6450,10 @@
       </p:sp>
       <p:pic>
         <p:nvPicPr>
-          <p:cNvPr id="3" name="Picture 2">
+          <p:cNvPr id="9" name="Picture 8">
             <a:extLst>
               <a:ext uri="{FF2B5EF4-FFF2-40B4-BE49-F238E27FC236}">
-                <a16:creationId xmlns:a16="http://schemas.microsoft.com/office/drawing/2014/main" id="{73A69403-BD22-8844-8FD0-344B6B33913C}"/>
+                <a16:creationId xmlns:a16="http://schemas.microsoft.com/office/drawing/2014/main" id="{ECA5294D-704E-C24A-B4D9-86FFA1737C0D}"/>
               </a:ext>
             </a:extLst>
           </p:cNvPr>
@@ -5868,8 +6470,8 @@
         </p:blipFill>
         <p:spPr>
           <a:xfrm>
-            <a:off x="1921718" y="839757"/>
-            <a:ext cx="8351737" cy="6018243"/>
+            <a:off x="1184294" y="827165"/>
+            <a:ext cx="9517098" cy="6858000"/>
           </a:xfrm>
           <a:prstGeom prst="rect">
             <a:avLst/>
@@ -5879,7 +6481,7 @@
     </p:spTree>
     <p:extLst>
       <p:ext uri="{BB962C8B-B14F-4D97-AF65-F5344CB8AC3E}">
-        <p14:creationId xmlns:p14="http://schemas.microsoft.com/office/powerpoint/2010/main" val="88247097"/>
+        <p14:creationId xmlns:p14="http://schemas.microsoft.com/office/powerpoint/2010/main" val="2503673166"/>
       </p:ext>
     </p:extLst>
   </p:cSld>
@@ -6314,7 +6916,7 @@
     </p:spTree>
     <p:extLst>
       <p:ext uri="{BB962C8B-B14F-4D97-AF65-F5344CB8AC3E}">
-        <p14:creationId xmlns:p14="http://schemas.microsoft.com/office/powerpoint/2010/main" val="3249118686"/>
+        <p14:creationId xmlns:p14="http://schemas.microsoft.com/office/powerpoint/2010/main" val="2309612268"/>
       </p:ext>
     </p:extLst>
   </p:cSld>
@@ -6377,7 +6979,7 @@
           <p:cNvPr id="8" name="Picture 7">
             <a:extLst>
               <a:ext uri="{FF2B5EF4-FFF2-40B4-BE49-F238E27FC236}">
-                <a16:creationId xmlns:a16="http://schemas.microsoft.com/office/drawing/2014/main" id="{59F5A854-2727-3347-843E-6AA942F09986}"/>
+                <a16:creationId xmlns:a16="http://schemas.microsoft.com/office/drawing/2014/main" id="{93BEFF98-3B50-9A49-B2C2-DEF71DE8D621}"/>
               </a:ext>
             </a:extLst>
           </p:cNvPr>
@@ -6387,15 +6989,15 @@
           <p:nvPr/>
         </p:nvPicPr>
         <p:blipFill>
-          <a:blip r:embed="rId2"/>
+          <a:blip r:embed="rId3"/>
           <a:stretch>
             <a:fillRect/>
           </a:stretch>
         </p:blipFill>
         <p:spPr>
           <a:xfrm>
-            <a:off x="0" y="29631"/>
-            <a:ext cx="12195175" cy="6852987"/>
+            <a:off x="914051" y="1032693"/>
+            <a:ext cx="10366375" cy="5825307"/>
           </a:xfrm>
           <a:prstGeom prst="rect">
             <a:avLst/>
@@ -6405,7 +7007,7 @@
     </p:spTree>
     <p:extLst>
       <p:ext uri="{BB962C8B-B14F-4D97-AF65-F5344CB8AC3E}">
-        <p14:creationId xmlns:p14="http://schemas.microsoft.com/office/powerpoint/2010/main" val="74895801"/>
+        <p14:creationId xmlns:p14="http://schemas.microsoft.com/office/powerpoint/2010/main" val="2171946762"/>
       </p:ext>
     </p:extLst>
   </p:cSld>
@@ -6465,10 +7067,10 @@
       </p:sp>
       <p:pic>
         <p:nvPicPr>
-          <p:cNvPr id="6" name="Picture 5">
+          <p:cNvPr id="3" name="Picture 2">
             <a:extLst>
               <a:ext uri="{FF2B5EF4-FFF2-40B4-BE49-F238E27FC236}">
-                <a16:creationId xmlns:a16="http://schemas.microsoft.com/office/drawing/2014/main" id="{70675E82-7521-E54B-9535-79BBDF961C99}"/>
+                <a16:creationId xmlns:a16="http://schemas.microsoft.com/office/drawing/2014/main" id="{F4AFB076-B1B9-9D47-BFF3-A87B87426878}"/>
               </a:ext>
             </a:extLst>
           </p:cNvPr>
@@ -6485,8 +7087,8 @@
         </p:blipFill>
         <p:spPr>
           <a:xfrm>
-            <a:off x="0" y="111195"/>
-            <a:ext cx="12195175" cy="6635610"/>
+            <a:off x="921085" y="1150331"/>
+            <a:ext cx="10352307" cy="5632873"/>
           </a:xfrm>
           <a:prstGeom prst="rect">
             <a:avLst/>
@@ -6496,7 +7098,7 @@
     </p:spTree>
     <p:extLst>
       <p:ext uri="{BB962C8B-B14F-4D97-AF65-F5344CB8AC3E}">
-        <p14:creationId xmlns:p14="http://schemas.microsoft.com/office/powerpoint/2010/main" val="1123086846"/>
+        <p14:creationId xmlns:p14="http://schemas.microsoft.com/office/powerpoint/2010/main" val="2221118652"/>
       </p:ext>
     </p:extLst>
   </p:cSld>
@@ -6556,10 +7158,10 @@
       </p:sp>
       <p:pic>
         <p:nvPicPr>
-          <p:cNvPr id="10" name="Picture 9">
+          <p:cNvPr id="3" name="Picture 2">
             <a:extLst>
               <a:ext uri="{FF2B5EF4-FFF2-40B4-BE49-F238E27FC236}">
-                <a16:creationId xmlns:a16="http://schemas.microsoft.com/office/drawing/2014/main" id="{A127A165-E041-0045-80AD-8B454E6B5DE8}"/>
+                <a16:creationId xmlns:a16="http://schemas.microsoft.com/office/drawing/2014/main" id="{F8A11508-E995-CF40-A178-2736819830E6}"/>
               </a:ext>
             </a:extLst>
           </p:cNvPr>
@@ -6576,7 +7178,7 @@
         </p:blipFill>
         <p:spPr>
           <a:xfrm>
-            <a:off x="48479" y="1406746"/>
+            <a:off x="-349" y="1406746"/>
             <a:ext cx="12195175" cy="4044507"/>
           </a:xfrm>
           <a:prstGeom prst="rect">
@@ -6587,7 +7189,7 @@
     </p:spTree>
     <p:extLst>
       <p:ext uri="{BB962C8B-B14F-4D97-AF65-F5344CB8AC3E}">
-        <p14:creationId xmlns:p14="http://schemas.microsoft.com/office/powerpoint/2010/main" val="30493851"/>
+        <p14:creationId xmlns:p14="http://schemas.microsoft.com/office/powerpoint/2010/main" val="1513049273"/>
       </p:ext>
     </p:extLst>
   </p:cSld>
@@ -6647,10 +7249,10 @@
       </p:sp>
       <p:pic>
         <p:nvPicPr>
-          <p:cNvPr id="13" name="Picture 12">
+          <p:cNvPr id="6" name="Picture 5">
             <a:extLst>
               <a:ext uri="{FF2B5EF4-FFF2-40B4-BE49-F238E27FC236}">
-                <a16:creationId xmlns:a16="http://schemas.microsoft.com/office/drawing/2014/main" id="{130C5DD1-B284-9442-8D79-727BEBA9EC0D}"/>
+                <a16:creationId xmlns:a16="http://schemas.microsoft.com/office/drawing/2014/main" id="{D765716C-44B7-3043-BE93-5732217BD1C5}"/>
               </a:ext>
             </a:extLst>
           </p:cNvPr>
@@ -6667,7 +7269,7 @@
         </p:blipFill>
         <p:spPr>
           <a:xfrm>
-            <a:off x="-349" y="2114883"/>
+            <a:off x="0" y="2283429"/>
             <a:ext cx="12195175" cy="2291141"/>
           </a:xfrm>
           <a:prstGeom prst="rect">
@@ -6678,7 +7280,7 @@
     </p:spTree>
     <p:extLst>
       <p:ext uri="{BB962C8B-B14F-4D97-AF65-F5344CB8AC3E}">
-        <p14:creationId xmlns:p14="http://schemas.microsoft.com/office/powerpoint/2010/main" val="1013782546"/>
+        <p14:creationId xmlns:p14="http://schemas.microsoft.com/office/powerpoint/2010/main" val="2690288277"/>
       </p:ext>
     </p:extLst>
   </p:cSld>
@@ -6707,36 +7309,38 @@
       </p:grpSpPr>
       <p:sp>
         <p:nvSpPr>
-          <p:cNvPr id="4" name="Title 3"/>
+          <p:cNvPr id="2" name="Divider"/>
           <p:cNvSpPr>
             <a:spLocks noGrp="1"/>
           </p:cNvSpPr>
           <p:nvPr>
-            <p:ph type="title"/>
+            <p:ph type="ctrTitle"/>
           </p:nvPr>
         </p:nvSpPr>
-        <p:spPr>
-          <a:xfrm>
-            <a:off x="504001" y="504000"/>
-            <a:ext cx="11186476" cy="369332"/>
-          </a:xfrm>
-        </p:spPr>
+        <p:spPr/>
         <p:txBody>
           <a:bodyPr/>
           <a:lstStyle/>
           <a:p>
             <a:r>
               <a:rPr lang="en-US" dirty="0"/>
-              <a:t>TypeScript</a:t>
-            </a:r>
-            <a:endParaRPr lang="en-US" sz="1800" b="0" dirty="0"/>
+              <a:t>Let’s </a:t>
+            </a:r>
+            <a:r>
+              <a:rPr lang="en-US" dirty="0">
+                <a:solidFill>
+                  <a:schemeClr val="accent1"/>
+                </a:solidFill>
+              </a:rPr>
+              <a:t>Code</a:t>
+            </a:r>
           </a:p>
         </p:txBody>
       </p:sp>
     </p:spTree>
     <p:extLst>
       <p:ext uri="{BB962C8B-B14F-4D97-AF65-F5344CB8AC3E}">
-        <p14:creationId xmlns:p14="http://schemas.microsoft.com/office/powerpoint/2010/main" val="1976160400"/>
+        <p14:creationId xmlns:p14="http://schemas.microsoft.com/office/powerpoint/2010/main" val="4094471423"/>
       </p:ext>
     </p:extLst>
   </p:cSld>
@@ -6784,17 +7388,47 @@
           <a:lstStyle/>
           <a:p>
             <a:r>
-              <a:rPr lang="en-US" dirty="0" err="1"/>
-              <a:t>GraphQL</a:t>
+              <a:rPr lang="en-US" dirty="0"/>
+              <a:t>TypeScript</a:t>
             </a:r>
             <a:endParaRPr lang="en-US" sz="1800" b="0" dirty="0"/>
           </a:p>
         </p:txBody>
       </p:sp>
+      <p:pic>
+        <p:nvPicPr>
+          <p:cNvPr id="3" name="Picture 2">
+            <a:extLst>
+              <a:ext uri="{FF2B5EF4-FFF2-40B4-BE49-F238E27FC236}">
+                <a16:creationId xmlns:a16="http://schemas.microsoft.com/office/drawing/2014/main" id="{EAE25F78-6294-F44C-B14C-D104AD17FCF0}"/>
+              </a:ext>
+            </a:extLst>
+          </p:cNvPr>
+          <p:cNvPicPr>
+            <a:picLocks noChangeAspect="1"/>
+          </p:cNvPicPr>
+          <p:nvPr/>
+        </p:nvPicPr>
+        <p:blipFill>
+          <a:blip r:embed="rId2"/>
+          <a:stretch>
+            <a:fillRect/>
+          </a:stretch>
+        </p:blipFill>
+        <p:spPr>
+          <a:xfrm>
+            <a:off x="1899889" y="1879600"/>
+            <a:ext cx="8394700" cy="3098800"/>
+          </a:xfrm>
+          <a:prstGeom prst="rect">
+            <a:avLst/>
+          </a:prstGeom>
+        </p:spPr>
+      </p:pic>
     </p:spTree>
     <p:extLst>
       <p:ext uri="{BB962C8B-B14F-4D97-AF65-F5344CB8AC3E}">
-        <p14:creationId xmlns:p14="http://schemas.microsoft.com/office/powerpoint/2010/main" val="1391546965"/>
+        <p14:creationId xmlns:p14="http://schemas.microsoft.com/office/powerpoint/2010/main" val="2524951847"/>
       </p:ext>
     </p:extLst>
   </p:cSld>
@@ -7467,6 +8101,15 @@
 </file>
 
 <file path=customXml/item1.xml><?xml version="1.0" encoding="utf-8"?>
+<?mso-contentType ?>
+<FormTemplates xmlns="http://schemas.microsoft.com/sharepoint/v3/contenttype/forms">
+  <Display>DocumentLibraryForm</Display>
+  <Edit>DocumentLibraryForm</Edit>
+  <New>DocumentLibraryForm</New>
+</FormTemplates>
+</file>
+
+<file path=customXml/item2.xml><?xml version="1.0" encoding="utf-8"?>
 <ct:contentTypeSchema xmlns:ct="http://schemas.microsoft.com/office/2006/metadata/contentType" xmlns:ma="http://schemas.microsoft.com/office/2006/metadata/properties/metaAttributes" ct:_="" ma:_="" ma:contentTypeName="Document" ma:contentTypeID="0x010100DE31C2608C027D4C9CCB72E0D39228BB" ma:contentTypeVersion="2" ma:contentTypeDescription="Create a new document." ma:contentTypeScope="" ma:versionID="fce8bd586bcdb5d0f6a300175c72fa5e">
   <xsd:schema xmlns:xsd="http://www.w3.org/2001/XMLSchema" xmlns:xs="http://www.w3.org/2001/XMLSchema" xmlns:p="http://schemas.microsoft.com/office/2006/metadata/properties" xmlns:ns2="2d3d17f9-0dc7-42f3-8932-8eae37b95599" targetNamespace="http://schemas.microsoft.com/office/2006/metadata/properties" ma:root="true" ma:fieldsID="c1cd4aee4f29687a989812f9cadd6e11" ns2:_="">
     <xsd:import namespace="2d3d17f9-0dc7-42f3-8932-8eae37b95599"/>
@@ -7598,15 +8241,6 @@
 </ct:contentTypeSchema>
 </file>
 
-<file path=customXml/item2.xml><?xml version="1.0" encoding="utf-8"?>
-<?mso-contentType ?>
-<FormTemplates xmlns="http://schemas.microsoft.com/sharepoint/v3/contenttype/forms">
-  <Display>DocumentLibraryForm</Display>
-  <Edit>DocumentLibraryForm</Edit>
-  <New>DocumentLibraryForm</New>
-</FormTemplates>
-</file>
-
 <file path=customXml/item3.xml><?xml version="1.0" encoding="utf-8"?>
 <p:properties xmlns:p="http://schemas.microsoft.com/office/2006/metadata/properties" xmlns:xsi="http://www.w3.org/2001/XMLSchema-instance" xmlns:pc="http://schemas.microsoft.com/office/infopath/2007/PartnerControls">
   <documentManagement/>
@@ -7614,6 +8248,14 @@
 </file>
 
 <file path=customXml/itemProps1.xml><?xml version="1.0" encoding="utf-8"?>
+<ds:datastoreItem xmlns:ds="http://schemas.openxmlformats.org/officeDocument/2006/customXml" ds:itemID="{F5C704F8-E492-4D0C-B57C-F66B10524C56}">
+  <ds:schemaRefs>
+    <ds:schemaRef ds:uri="http://schemas.microsoft.com/sharepoint/v3/contenttype/forms"/>
+  </ds:schemaRefs>
+</ds:datastoreItem>
+</file>
+
+<file path=customXml/itemProps2.xml><?xml version="1.0" encoding="utf-8"?>
 <ds:datastoreItem xmlns:ds="http://schemas.openxmlformats.org/officeDocument/2006/customXml" ds:itemID="{925AB6CC-A21A-4287-BCB6-9342910F03BB}">
   <ds:schemaRefs>
     <ds:schemaRef ds:uri="http://schemas.microsoft.com/office/2006/metadata/contentType"/>
@@ -7627,14 +8269,6 @@
     <ds:schemaRef ds:uri="http://purl.org/dc/elements/1.1/"/>
     <ds:schemaRef ds:uri="http://purl.org/dc/terms/"/>
     <ds:schemaRef ds:uri="http://schemas.microsoft.com/internal/obd"/>
-  </ds:schemaRefs>
-</ds:datastoreItem>
-</file>
-
-<file path=customXml/itemProps2.xml><?xml version="1.0" encoding="utf-8"?>
-<ds:datastoreItem xmlns:ds="http://schemas.openxmlformats.org/officeDocument/2006/customXml" ds:itemID="{F5C704F8-E492-4D0C-B57C-F66B10524C56}">
-  <ds:schemaRefs>
-    <ds:schemaRef ds:uri="http://schemas.microsoft.com/sharepoint/v3/contenttype/forms"/>
   </ds:schemaRefs>
 </ds:datastoreItem>
 </file>
